--- a/docs/Presentación1.pptx
+++ b/docs/Presentación1.pptx
@@ -5,7 +5,7 @@
     <p:sldMasterId id="2147483648" r:id="rId1"/>
   </p:sldMasterIdLst>
   <p:notesMasterIdLst>
-    <p:notesMasterId r:id="rId23"/>
+    <p:notesMasterId r:id="rId25"/>
   </p:notesMasterIdLst>
   <p:sldIdLst>
     <p:sldId id="256" r:id="rId2"/>
@@ -20,15 +20,17 @@
     <p:sldId id="273" r:id="rId11"/>
     <p:sldId id="274" r:id="rId12"/>
     <p:sldId id="275" r:id="rId13"/>
-    <p:sldId id="270" r:id="rId14"/>
-    <p:sldId id="260" r:id="rId15"/>
-    <p:sldId id="261" r:id="rId16"/>
-    <p:sldId id="262" r:id="rId17"/>
-    <p:sldId id="263" r:id="rId18"/>
-    <p:sldId id="271" r:id="rId19"/>
-    <p:sldId id="266" r:id="rId20"/>
-    <p:sldId id="264" r:id="rId21"/>
-    <p:sldId id="265" r:id="rId22"/>
+    <p:sldId id="277" r:id="rId14"/>
+    <p:sldId id="278" r:id="rId15"/>
+    <p:sldId id="270" r:id="rId16"/>
+    <p:sldId id="260" r:id="rId17"/>
+    <p:sldId id="261" r:id="rId18"/>
+    <p:sldId id="262" r:id="rId19"/>
+    <p:sldId id="263" r:id="rId20"/>
+    <p:sldId id="271" r:id="rId21"/>
+    <p:sldId id="266" r:id="rId22"/>
+    <p:sldId id="264" r:id="rId23"/>
+    <p:sldId id="265" r:id="rId24"/>
   </p:sldIdLst>
   <p:sldSz cx="12192000" cy="6858000"/>
   <p:notesSz cx="6858000" cy="9144000"/>
@@ -217,7 +219,7 @@
           <a:p>
             <a:fld id="{B3181DBF-9569-4DC7-9E9E-E96D9EB5847D}" type="datetimeFigureOut">
               <a:rPr lang="es-ES" smtClean="0"/>
-              <a:t>27/08/2024</a:t>
+              <a:t>28/08/2024</a:t>
             </a:fld>
             <a:endParaRPr lang="es-ES"/>
           </a:p>
@@ -633,7 +635,7 @@
           <a:p>
             <a:fld id="{C692832C-A1EA-42AA-9FA8-F3652B6A152C}" type="slidenum">
               <a:rPr lang="es-ES" smtClean="0"/>
-              <a:t>19</a:t>
+              <a:t>21</a:t>
             </a:fld>
             <a:endParaRPr lang="es-ES"/>
           </a:p>
@@ -717,7 +719,7 @@
           <a:p>
             <a:fld id="{C692832C-A1EA-42AA-9FA8-F3652B6A152C}" type="slidenum">
               <a:rPr lang="es-ES" smtClean="0"/>
-              <a:t>20</a:t>
+              <a:t>22</a:t>
             </a:fld>
             <a:endParaRPr lang="es-ES"/>
           </a:p>
@@ -801,7 +803,7 @@
           <a:p>
             <a:fld id="{C692832C-A1EA-42AA-9FA8-F3652B6A152C}" type="slidenum">
               <a:rPr lang="es-ES" smtClean="0"/>
-              <a:t>21</a:t>
+              <a:t>23</a:t>
             </a:fld>
             <a:endParaRPr lang="es-ES"/>
           </a:p>
@@ -967,7 +969,7 @@
           <a:p>
             <a:fld id="{BCF5FC0B-5855-4DB3-BB3E-E2DAA9A8FCB7}" type="datetimeFigureOut">
               <a:rPr lang="es-ES" smtClean="0"/>
-              <a:t>27/08/2024</a:t>
+              <a:t>28/08/2024</a:t>
             </a:fld>
             <a:endParaRPr lang="es-ES"/>
           </a:p>
@@ -1165,7 +1167,7 @@
           <a:p>
             <a:fld id="{BCF5FC0B-5855-4DB3-BB3E-E2DAA9A8FCB7}" type="datetimeFigureOut">
               <a:rPr lang="es-ES" smtClean="0"/>
-              <a:t>27/08/2024</a:t>
+              <a:t>28/08/2024</a:t>
             </a:fld>
             <a:endParaRPr lang="es-ES"/>
           </a:p>
@@ -1373,7 +1375,7 @@
           <a:p>
             <a:fld id="{BCF5FC0B-5855-4DB3-BB3E-E2DAA9A8FCB7}" type="datetimeFigureOut">
               <a:rPr lang="es-ES" smtClean="0"/>
-              <a:t>27/08/2024</a:t>
+              <a:t>28/08/2024</a:t>
             </a:fld>
             <a:endParaRPr lang="es-ES"/>
           </a:p>
@@ -1571,7 +1573,7 @@
           <a:p>
             <a:fld id="{BCF5FC0B-5855-4DB3-BB3E-E2DAA9A8FCB7}" type="datetimeFigureOut">
               <a:rPr lang="es-ES" smtClean="0"/>
-              <a:t>27/08/2024</a:t>
+              <a:t>28/08/2024</a:t>
             </a:fld>
             <a:endParaRPr lang="es-ES"/>
           </a:p>
@@ -1846,7 +1848,7 @@
           <a:p>
             <a:fld id="{BCF5FC0B-5855-4DB3-BB3E-E2DAA9A8FCB7}" type="datetimeFigureOut">
               <a:rPr lang="es-ES" smtClean="0"/>
-              <a:t>27/08/2024</a:t>
+              <a:t>28/08/2024</a:t>
             </a:fld>
             <a:endParaRPr lang="es-ES"/>
           </a:p>
@@ -2111,7 +2113,7 @@
           <a:p>
             <a:fld id="{BCF5FC0B-5855-4DB3-BB3E-E2DAA9A8FCB7}" type="datetimeFigureOut">
               <a:rPr lang="es-ES" smtClean="0"/>
-              <a:t>27/08/2024</a:t>
+              <a:t>28/08/2024</a:t>
             </a:fld>
             <a:endParaRPr lang="es-ES"/>
           </a:p>
@@ -2523,7 +2525,7 @@
           <a:p>
             <a:fld id="{BCF5FC0B-5855-4DB3-BB3E-E2DAA9A8FCB7}" type="datetimeFigureOut">
               <a:rPr lang="es-ES" smtClean="0"/>
-              <a:t>27/08/2024</a:t>
+              <a:t>28/08/2024</a:t>
             </a:fld>
             <a:endParaRPr lang="es-ES"/>
           </a:p>
@@ -2664,7 +2666,7 @@
           <a:p>
             <a:fld id="{BCF5FC0B-5855-4DB3-BB3E-E2DAA9A8FCB7}" type="datetimeFigureOut">
               <a:rPr lang="es-ES" smtClean="0"/>
-              <a:t>27/08/2024</a:t>
+              <a:t>28/08/2024</a:t>
             </a:fld>
             <a:endParaRPr lang="es-ES"/>
           </a:p>
@@ -2777,7 +2779,7 @@
           <a:p>
             <a:fld id="{BCF5FC0B-5855-4DB3-BB3E-E2DAA9A8FCB7}" type="datetimeFigureOut">
               <a:rPr lang="es-ES" smtClean="0"/>
-              <a:t>27/08/2024</a:t>
+              <a:t>28/08/2024</a:t>
             </a:fld>
             <a:endParaRPr lang="es-ES"/>
           </a:p>
@@ -3088,7 +3090,7 @@
           <a:p>
             <a:fld id="{BCF5FC0B-5855-4DB3-BB3E-E2DAA9A8FCB7}" type="datetimeFigureOut">
               <a:rPr lang="es-ES" smtClean="0"/>
-              <a:t>27/08/2024</a:t>
+              <a:t>28/08/2024</a:t>
             </a:fld>
             <a:endParaRPr lang="es-ES"/>
           </a:p>
@@ -3376,7 +3378,7 @@
           <a:p>
             <a:fld id="{BCF5FC0B-5855-4DB3-BB3E-E2DAA9A8FCB7}" type="datetimeFigureOut">
               <a:rPr lang="es-ES" smtClean="0"/>
-              <a:t>27/08/2024</a:t>
+              <a:t>28/08/2024</a:t>
             </a:fld>
             <a:endParaRPr lang="es-ES"/>
           </a:p>
@@ -3617,7 +3619,7 @@
           <a:p>
             <a:fld id="{BCF5FC0B-5855-4DB3-BB3E-E2DAA9A8FCB7}" type="datetimeFigureOut">
               <a:rPr lang="es-ES" smtClean="0"/>
-              <a:t>27/08/2024</a:t>
+              <a:t>28/08/2024</a:t>
             </a:fld>
             <a:endParaRPr lang="es-ES"/>
           </a:p>
@@ -4334,6 +4336,42 @@
           </a:p>
         </p:txBody>
       </p:sp>
+      <p:pic>
+        <p:nvPicPr>
+          <p:cNvPr id="3" name="Imagen 2" descr="Logotipo&#10;&#10;Descripción generada automáticamente con confianza media">
+            <a:extLst>
+              <a:ext uri="{FF2B5EF4-FFF2-40B4-BE49-F238E27FC236}">
+                <a16:creationId xmlns:a16="http://schemas.microsoft.com/office/drawing/2014/main" id="{B0928C48-9741-ED5F-64D3-59FC7E385C99}"/>
+              </a:ext>
+            </a:extLst>
+          </p:cNvPr>
+          <p:cNvPicPr>
+            <a:picLocks noChangeAspect="1"/>
+          </p:cNvPicPr>
+          <p:nvPr/>
+        </p:nvPicPr>
+        <p:blipFill>
+          <a:blip r:embed="rId4">
+            <a:extLst>
+              <a:ext uri="{28A0092B-C50C-407E-A947-70E740481C1C}">
+                <a14:useLocalDpi xmlns:a14="http://schemas.microsoft.com/office/drawing/2010/main" val="0"/>
+              </a:ext>
+            </a:extLst>
+          </a:blip>
+          <a:stretch>
+            <a:fillRect/>
+          </a:stretch>
+        </p:blipFill>
+        <p:spPr>
+          <a:xfrm>
+            <a:off x="130671" y="26619"/>
+            <a:ext cx="2255715" cy="708721"/>
+          </a:xfrm>
+          <a:prstGeom prst="rect">
+            <a:avLst/>
+          </a:prstGeom>
+        </p:spPr>
+      </p:pic>
     </p:spTree>
     <p:extLst>
       <p:ext uri="{BB962C8B-B14F-4D97-AF65-F5344CB8AC3E}">
@@ -5074,7 +5112,7 @@
           <p:nvPr>
             <p:extLst>
               <p:ext uri="{D42A27DB-BD31-4B8C-83A1-F6EECF244321}">
-                <p14:modId xmlns:p14="http://schemas.microsoft.com/office/powerpoint/2010/main" val="3255181473"/>
+                <p14:modId xmlns:p14="http://schemas.microsoft.com/office/powerpoint/2010/main" val="2515027666"/>
               </p:ext>
             </p:extLst>
           </p:nvPr>
@@ -5237,10 +5275,9 @@
                     <a:lstStyle/>
                     <a:p>
                       <a:r>
-                        <a:rPr lang="es-ES"/>
+                        <a:rPr lang="es-ES" b="1" dirty="0"/>
                         <a:t>male</a:t>
                       </a:r>
-                      <a:endParaRPr lang="es-ES" dirty="0"/>
                     </a:p>
                   </a:txBody>
                   <a:tcPr/>
@@ -5292,10 +5329,10 @@
                     <a:lstStyle/>
                     <a:p>
                       <a:r>
-                        <a:rPr lang="es-ES" dirty="0" err="1"/>
+                        <a:rPr lang="es-ES" b="1" dirty="0" err="1"/>
                         <a:t>other</a:t>
                       </a:r>
-                      <a:endParaRPr lang="es-ES" dirty="0"/>
+                      <a:endParaRPr lang="es-ES" b="1" dirty="0"/>
                     </a:p>
                   </a:txBody>
                   <a:tcPr/>
@@ -5347,10 +5384,10 @@
                     <a:lstStyle/>
                     <a:p>
                       <a:r>
-                        <a:rPr lang="es-ES"/>
+                        <a:rPr lang="es-ES" b="1"/>
                         <a:t>asian</a:t>
                       </a:r>
-                      <a:endParaRPr lang="es-ES" dirty="0"/>
+                      <a:endParaRPr lang="es-ES" b="1" dirty="0"/>
                     </a:p>
                   </a:txBody>
                   <a:tcPr/>
@@ -5378,13 +5415,13 @@
                         <a:defRPr/>
                       </a:pPr>
                       <a:r>
-                        <a:rPr lang="es-ES" b="0" i="0" dirty="0" err="1">
+                        <a:rPr lang="es-ES" b="1" i="0" dirty="0" err="1">
                           <a:effectLst/>
                           <a:latin typeface="Consolas" panose="020B0609020204030204" pitchFamily="49" charset="0"/>
                         </a:rPr>
                         <a:t>gender</a:t>
                       </a:r>
-                      <a:endParaRPr lang="es-ES" dirty="0"/>
+                      <a:endParaRPr lang="es-ES" b="1" dirty="0"/>
                     </a:p>
                   </a:txBody>
                   <a:tcPr/>
@@ -5402,10 +5439,10 @@
                     <a:lstStyle/>
                     <a:p>
                       <a:r>
-                        <a:rPr lang="es-ES"/>
+                        <a:rPr lang="es-ES" b="1"/>
                         <a:t>black</a:t>
                       </a:r>
-                      <a:endParaRPr lang="es-ES" dirty="0"/>
+                      <a:endParaRPr lang="es-ES" b="1" dirty="0"/>
                     </a:p>
                   </a:txBody>
                   <a:tcPr/>
@@ -5433,13 +5470,13 @@
                         <a:defRPr/>
                       </a:pPr>
                       <a:r>
-                        <a:rPr lang="es-ES" b="0" i="0" dirty="0">
+                        <a:rPr lang="es-ES" b="1" i="0" dirty="0">
                           <a:effectLst/>
                           <a:latin typeface="Consolas" panose="020B0609020204030204" pitchFamily="49" charset="0"/>
                         </a:rPr>
                         <a:t>race1</a:t>
                       </a:r>
-                      <a:endParaRPr lang="en-US" b="0" dirty="0">
+                      <a:endParaRPr lang="en-US" b="1" dirty="0">
                         <a:effectLst/>
                         <a:highlight>
                           <a:srgbClr val="1F1F1F"/>
@@ -5463,10 +5500,10 @@
                     <a:lstStyle/>
                     <a:p>
                       <a:r>
-                        <a:rPr lang="es-ES"/>
+                        <a:rPr lang="es-ES" b="1" dirty="0" err="1"/>
                         <a:t>hisp</a:t>
                       </a:r>
-                      <a:endParaRPr lang="es-ES" dirty="0"/>
+                      <a:endParaRPr lang="es-ES" b="1" dirty="0"/>
                     </a:p>
                   </a:txBody>
                   <a:tcPr/>
@@ -5494,7 +5531,7 @@
                         <a:defRPr/>
                       </a:pPr>
                       <a:r>
-                        <a:rPr lang="es-ES" dirty="0"/>
+                        <a:rPr lang="es-ES" b="1" dirty="0"/>
                         <a:t>race2</a:t>
                       </a:r>
                     </a:p>
@@ -6718,274 +6755,6 @@
           <a:chExt cx="0" cy="0"/>
         </a:xfrm>
       </p:grpSpPr>
-      <p:pic>
-        <p:nvPicPr>
-          <p:cNvPr id="4" name="Imagen 3" descr="Diagrama">
-            <a:extLst>
-              <a:ext uri="{FF2B5EF4-FFF2-40B4-BE49-F238E27FC236}">
-                <a16:creationId xmlns:a16="http://schemas.microsoft.com/office/drawing/2014/main" id="{C8FB34FE-F22E-5CF8-A83A-C7CFDABFF8C8}"/>
-              </a:ext>
-            </a:extLst>
-          </p:cNvPr>
-          <p:cNvPicPr>
-            <a:picLocks noChangeAspect="1"/>
-          </p:cNvPicPr>
-          <p:nvPr/>
-        </p:nvPicPr>
-        <p:blipFill>
-          <a:blip r:embed="rId2">
-            <a:extLst>
-              <a:ext uri="{28A0092B-C50C-407E-A947-70E740481C1C}">
-                <a14:useLocalDpi xmlns:a14="http://schemas.microsoft.com/office/drawing/2010/main" val="0"/>
-              </a:ext>
-            </a:extLst>
-          </a:blip>
-          <a:stretch>
-            <a:fillRect/>
-          </a:stretch>
-        </p:blipFill>
-        <p:spPr>
-          <a:xfrm>
-            <a:off x="2310633" y="0"/>
-            <a:ext cx="7570734" cy="6677824"/>
-          </a:xfrm>
-          <a:prstGeom prst="rect">
-            <a:avLst/>
-          </a:prstGeom>
-        </p:spPr>
-      </p:pic>
-      <p:sp>
-        <p:nvSpPr>
-          <p:cNvPr id="8" name="Rectángulo 7">
-            <a:extLst>
-              <a:ext uri="{FF2B5EF4-FFF2-40B4-BE49-F238E27FC236}">
-                <a16:creationId xmlns:a16="http://schemas.microsoft.com/office/drawing/2014/main" id="{85EEBB55-F636-2B73-B4A7-FBD82B7D3DFA}"/>
-              </a:ext>
-            </a:extLst>
-          </p:cNvPr>
-          <p:cNvSpPr/>
-          <p:nvPr/>
-        </p:nvSpPr>
-        <p:spPr>
-          <a:xfrm>
-            <a:off x="5413829" y="5065487"/>
-            <a:ext cx="1066800" cy="566057"/>
-          </a:xfrm>
-          <a:prstGeom prst="rect">
-            <a:avLst/>
-          </a:prstGeom>
-          <a:noFill/>
-          <a:ln w="76200">
-            <a:solidFill>
-              <a:schemeClr val="accent6"/>
-            </a:solidFill>
-          </a:ln>
-        </p:spPr>
-        <p:style>
-          <a:lnRef idx="2">
-            <a:schemeClr val="accent1">
-              <a:shade val="15000"/>
-            </a:schemeClr>
-          </a:lnRef>
-          <a:fillRef idx="1">
-            <a:schemeClr val="accent1"/>
-          </a:fillRef>
-          <a:effectRef idx="0">
-            <a:schemeClr val="accent1"/>
-          </a:effectRef>
-          <a:fontRef idx="minor">
-            <a:schemeClr val="lt1"/>
-          </a:fontRef>
-        </p:style>
-        <p:txBody>
-          <a:bodyPr rtlCol="0" anchor="ctr"/>
-          <a:lstStyle/>
-          <a:p>
-            <a:pPr algn="ctr"/>
-            <a:endParaRPr lang="es-ES"/>
-          </a:p>
-        </p:txBody>
-      </p:sp>
-      <p:sp>
-        <p:nvSpPr>
-          <p:cNvPr id="9" name="Rectángulo 8">
-            <a:extLst>
-              <a:ext uri="{FF2B5EF4-FFF2-40B4-BE49-F238E27FC236}">
-                <a16:creationId xmlns:a16="http://schemas.microsoft.com/office/drawing/2014/main" id="{9F6263D3-0688-CB0A-58A7-D94FF5661762}"/>
-              </a:ext>
-            </a:extLst>
-          </p:cNvPr>
-          <p:cNvSpPr/>
-          <p:nvPr/>
-        </p:nvSpPr>
-        <p:spPr>
-          <a:xfrm>
-            <a:off x="4680857" y="1349829"/>
-            <a:ext cx="1066800" cy="566057"/>
-          </a:xfrm>
-          <a:prstGeom prst="rect">
-            <a:avLst/>
-          </a:prstGeom>
-          <a:noFill/>
-          <a:ln w="38100"/>
-        </p:spPr>
-        <p:style>
-          <a:lnRef idx="2">
-            <a:schemeClr val="accent1">
-              <a:shade val="15000"/>
-            </a:schemeClr>
-          </a:lnRef>
-          <a:fillRef idx="1">
-            <a:schemeClr val="accent1"/>
-          </a:fillRef>
-          <a:effectRef idx="0">
-            <a:schemeClr val="accent1"/>
-          </a:effectRef>
-          <a:fontRef idx="minor">
-            <a:schemeClr val="lt1"/>
-          </a:fontRef>
-        </p:style>
-        <p:txBody>
-          <a:bodyPr rtlCol="0" anchor="ctr"/>
-          <a:lstStyle/>
-          <a:p>
-            <a:pPr algn="ctr"/>
-            <a:endParaRPr lang="es-ES"/>
-          </a:p>
-        </p:txBody>
-      </p:sp>
-      <p:sp>
-        <p:nvSpPr>
-          <p:cNvPr id="2" name="Rectángulo 1">
-            <a:extLst>
-              <a:ext uri="{FF2B5EF4-FFF2-40B4-BE49-F238E27FC236}">
-                <a16:creationId xmlns:a16="http://schemas.microsoft.com/office/drawing/2014/main" id="{BC8A958E-F606-2EF2-673E-4C60D98C4966}"/>
-              </a:ext>
-            </a:extLst>
-          </p:cNvPr>
-          <p:cNvSpPr/>
-          <p:nvPr/>
-        </p:nvSpPr>
-        <p:spPr>
-          <a:xfrm>
-            <a:off x="7086600" y="3429000"/>
-            <a:ext cx="1066800" cy="566057"/>
-          </a:xfrm>
-          <a:prstGeom prst="rect">
-            <a:avLst/>
-          </a:prstGeom>
-          <a:noFill/>
-          <a:ln w="38100">
-            <a:solidFill>
-              <a:schemeClr val="accent5">
-                <a:lumMod val="75000"/>
-              </a:schemeClr>
-            </a:solidFill>
-          </a:ln>
-        </p:spPr>
-        <p:style>
-          <a:lnRef idx="2">
-            <a:schemeClr val="accent1">
-              <a:shade val="15000"/>
-            </a:schemeClr>
-          </a:lnRef>
-          <a:fillRef idx="1">
-            <a:schemeClr val="accent1"/>
-          </a:fillRef>
-          <a:effectRef idx="0">
-            <a:schemeClr val="accent1"/>
-          </a:effectRef>
-          <a:fontRef idx="minor">
-            <a:schemeClr val="lt1"/>
-          </a:fontRef>
-        </p:style>
-        <p:txBody>
-          <a:bodyPr rtlCol="0" anchor="ctr"/>
-          <a:lstStyle/>
-          <a:p>
-            <a:pPr algn="ctr"/>
-            <a:endParaRPr lang="es-ES"/>
-          </a:p>
-        </p:txBody>
-      </p:sp>
-    </p:spTree>
-    <p:extLst>
-      <p:ext uri="{BB962C8B-B14F-4D97-AF65-F5344CB8AC3E}">
-        <p14:creationId xmlns:p14="http://schemas.microsoft.com/office/powerpoint/2010/main" val="3482796349"/>
-      </p:ext>
-    </p:extLst>
-  </p:cSld>
-  <p:clrMapOvr>
-    <a:masterClrMapping/>
-  </p:clrMapOvr>
-  <mc:AlternateContent xmlns:mc="http://schemas.openxmlformats.org/markup-compatibility/2006" xmlns:p159="http://schemas.microsoft.com/office/powerpoint/2015/09/main">
-    <mc:Choice Requires="p159">
-      <p:transition xmlns:p14="http://schemas.microsoft.com/office/powerpoint/2010/main" spd="slow" p14:dur="2000">
-        <p159:morph option="byObject"/>
-      </p:transition>
-    </mc:Choice>
-    <mc:Fallback xmlns="">
-      <p:transition spd="slow">
-        <p:fade/>
-      </p:transition>
-    </mc:Fallback>
-  </mc:AlternateContent>
-</p:sld>
-</file>
-
-<file path=ppt/slides/slide14.xml><?xml version="1.0" encoding="utf-8"?>
-<p:sld xmlns:a="http://schemas.openxmlformats.org/drawingml/2006/main" xmlns:r="http://schemas.openxmlformats.org/officeDocument/2006/relationships" xmlns:p="http://schemas.openxmlformats.org/presentationml/2006/main">
-  <p:cSld>
-    <p:spTree>
-      <p:nvGrpSpPr>
-        <p:cNvPr id="1" name=""/>
-        <p:cNvGrpSpPr/>
-        <p:nvPr/>
-      </p:nvGrpSpPr>
-      <p:grpSpPr>
-        <a:xfrm>
-          <a:off x="0" y="0"/>
-          <a:ext cx="0" cy="0"/>
-          <a:chOff x="0" y="0"/>
-          <a:chExt cx="0" cy="0"/>
-        </a:xfrm>
-      </p:grpSpPr>
-      <p:pic>
-        <p:nvPicPr>
-          <p:cNvPr id="16" name="Imagen 15" descr="Imagen en blanco y negro&#10;&#10;Descripción generada automáticamente con confianza media">
-            <a:extLst>
-              <a:ext uri="{FF2B5EF4-FFF2-40B4-BE49-F238E27FC236}">
-                <a16:creationId xmlns:a16="http://schemas.microsoft.com/office/drawing/2014/main" id="{17301B87-7779-7CEB-2437-0870080DA44F}"/>
-              </a:ext>
-            </a:extLst>
-          </p:cNvPr>
-          <p:cNvPicPr>
-            <a:picLocks noChangeAspect="1"/>
-          </p:cNvPicPr>
-          <p:nvPr/>
-        </p:nvPicPr>
-        <p:blipFill>
-          <a:blip r:embed="rId2">
-            <a:extLst>
-              <a:ext uri="{28A0092B-C50C-407E-A947-70E740481C1C}">
-                <a14:useLocalDpi xmlns:a14="http://schemas.microsoft.com/office/drawing/2010/main" val="0"/>
-              </a:ext>
-            </a:extLst>
-          </a:blip>
-          <a:stretch>
-            <a:fillRect/>
-          </a:stretch>
-        </p:blipFill>
-        <p:spPr>
-          <a:xfrm>
-            <a:off x="6618383" y="1730991"/>
-            <a:ext cx="4157944" cy="3396017"/>
-          </a:xfrm>
-          <a:prstGeom prst="rect">
-            <a:avLst/>
-          </a:prstGeom>
-        </p:spPr>
-      </p:pic>
       <p:sp>
         <p:nvSpPr>
           <p:cNvPr id="10" name="Forma libre: forma 9">
@@ -7254,8 +7023,8 @@
         </p:nvSpPr>
         <p:spPr>
           <a:xfrm>
-            <a:off x="738973" y="1702507"/>
-            <a:ext cx="5181600" cy="523220"/>
+            <a:off x="456916" y="3065142"/>
+            <a:ext cx="5181600" cy="954107"/>
           </a:xfrm>
           <a:prstGeom prst="rect">
             <a:avLst/>
@@ -7294,7 +7063,7 @@
                 <a:ea typeface="ADLaM Display" panose="020F0502020204030204" pitchFamily="2" charset="0"/>
                 <a:cs typeface="ADLaM Display" panose="020F0502020204030204" pitchFamily="2" charset="0"/>
               </a:rPr>
-              <a:t>RESULTADOS Y EVALUACIÓN</a:t>
+              <a:t>¿EN QUÉ SE FIJAN LOS MODELOS?</a:t>
             </a:r>
             <a:endParaRPr kumimoji="0" lang="es-ES" sz="1200" b="0" i="0" u="none" strike="noStrike" kern="1200" cap="none" spc="0" normalizeH="0" baseline="0" noProof="0" dirty="0">
               <a:ln>
@@ -7315,172 +7084,10 @@
       </p:sp>
       <p:sp>
         <p:nvSpPr>
-          <p:cNvPr id="6" name="CuadroTexto 5">
-            <a:extLst>
-              <a:ext uri="{FF2B5EF4-FFF2-40B4-BE49-F238E27FC236}">
-                <a16:creationId xmlns:a16="http://schemas.microsoft.com/office/drawing/2014/main" id="{C057B389-0A28-73BD-73C4-D826EA88D7A4}"/>
-              </a:ext>
-            </a:extLst>
-          </p:cNvPr>
-          <p:cNvSpPr txBox="1"/>
-          <p:nvPr/>
-        </p:nvSpPr>
-        <p:spPr>
-          <a:xfrm>
-            <a:off x="738972" y="2256668"/>
-            <a:ext cx="5057671" cy="1815882"/>
-          </a:xfrm>
-          <a:prstGeom prst="rect">
-            <a:avLst/>
-          </a:prstGeom>
-          <a:noFill/>
-        </p:spPr>
-        <p:txBody>
-          <a:bodyPr wrap="square" rtlCol="0">
-            <a:spAutoFit/>
-          </a:bodyPr>
-          <a:lstStyle/>
-          <a:p>
-            <a:pPr marL="0" marR="0" lvl="0" indent="0" algn="l" defTabSz="914400" rtl="0" eaLnBrk="1" fontAlgn="auto" latinLnBrk="0" hangingPunct="1">
-              <a:lnSpc>
-                <a:spcPct val="100000"/>
-              </a:lnSpc>
-              <a:spcBef>
-                <a:spcPts val="0"/>
-              </a:spcBef>
-              <a:spcAft>
-                <a:spcPts val="0"/>
-              </a:spcAft>
-              <a:buClrTx/>
-              <a:buSzTx/>
-              <a:buFontTx/>
-              <a:buNone/>
-              <a:tabLst/>
-              <a:defRPr/>
-            </a:pPr>
-            <a:r>
-              <a:rPr kumimoji="0" lang="es-ES" sz="2800" b="1" i="0" u="none" strike="noStrike" kern="1200" cap="none" spc="0" normalizeH="0" baseline="0" noProof="0" dirty="0">
-                <a:ln>
-                  <a:noFill/>
-                </a:ln>
-                <a:effectLst/>
-                <a:uLnTx/>
-                <a:uFillTx/>
-                <a:latin typeface="Consolas" panose="020B0609020204030204" pitchFamily="49" charset="0"/>
-                <a:ea typeface="+mn-ea"/>
-                <a:cs typeface="+mn-cs"/>
-              </a:rPr>
-              <a:t>Mejor</a:t>
-            </a:r>
-            <a:r>
-              <a:rPr lang="es-ES" sz="2800" b="1" dirty="0">
-                <a:latin typeface="Consolas" panose="020B0609020204030204" pitchFamily="49" charset="0"/>
-              </a:rPr>
-              <a:t>es modelos:</a:t>
-            </a:r>
-          </a:p>
-          <a:p>
-            <a:pPr marL="228600" marR="0" lvl="0" indent="-228600" algn="l" defTabSz="914400" rtl="0" eaLnBrk="1" fontAlgn="auto" latinLnBrk="0" hangingPunct="1">
-              <a:lnSpc>
-                <a:spcPct val="100000"/>
-              </a:lnSpc>
-              <a:spcBef>
-                <a:spcPts val="0"/>
-              </a:spcBef>
-              <a:spcAft>
-                <a:spcPts val="0"/>
-              </a:spcAft>
-              <a:buClrTx/>
-              <a:buSzTx/>
-              <a:buFont typeface="+mj-lt"/>
-              <a:buAutoNum type="arabicPeriod"/>
-              <a:tabLst/>
-              <a:defRPr/>
-            </a:pPr>
-            <a:r>
-              <a:rPr lang="es-ES" sz="2800" b="1" dirty="0" err="1">
-                <a:latin typeface="Consolas" panose="020B0609020204030204" pitchFamily="49" charset="0"/>
-              </a:rPr>
-              <a:t>Tree</a:t>
-            </a:r>
-            <a:endParaRPr kumimoji="0" lang="es-ES" sz="2800" b="1" i="0" u="none" strike="noStrike" kern="1200" cap="none" spc="0" normalizeH="0" baseline="0" noProof="0" dirty="0">
-              <a:ln>
-                <a:noFill/>
-              </a:ln>
-              <a:effectLst/>
-              <a:uLnTx/>
-              <a:uFillTx/>
-              <a:latin typeface="Consolas" panose="020B0609020204030204" pitchFamily="49" charset="0"/>
-              <a:ea typeface="+mn-ea"/>
-              <a:cs typeface="+mn-cs"/>
-            </a:endParaRPr>
-          </a:p>
-          <a:p>
-            <a:pPr marL="228600" marR="0" lvl="0" indent="-228600" algn="l" defTabSz="914400" rtl="0" eaLnBrk="1" fontAlgn="auto" latinLnBrk="0" hangingPunct="1">
-              <a:lnSpc>
-                <a:spcPct val="100000"/>
-              </a:lnSpc>
-              <a:spcBef>
-                <a:spcPts val="0"/>
-              </a:spcBef>
-              <a:spcAft>
-                <a:spcPts val="0"/>
-              </a:spcAft>
-              <a:buClrTx/>
-              <a:buSzTx/>
-              <a:buFont typeface="+mj-lt"/>
-              <a:buAutoNum type="arabicPeriod"/>
-              <a:tabLst/>
-              <a:defRPr/>
-            </a:pPr>
-            <a:r>
-              <a:rPr lang="es-ES" sz="2800" b="1" dirty="0">
-                <a:latin typeface="Consolas" panose="020B0609020204030204" pitchFamily="49" charset="0"/>
-              </a:rPr>
-              <a:t>Reg. Log.</a:t>
-            </a:r>
-          </a:p>
-          <a:p>
-            <a:pPr marL="228600" marR="0" lvl="0" indent="-228600" algn="l" defTabSz="914400" rtl="0" eaLnBrk="1" fontAlgn="auto" latinLnBrk="0" hangingPunct="1">
-              <a:lnSpc>
-                <a:spcPct val="100000"/>
-              </a:lnSpc>
-              <a:spcBef>
-                <a:spcPts val="0"/>
-              </a:spcBef>
-              <a:spcAft>
-                <a:spcPts val="0"/>
-              </a:spcAft>
-              <a:buClrTx/>
-              <a:buSzTx/>
-              <a:buFont typeface="+mj-lt"/>
-              <a:buAutoNum type="arabicPeriod"/>
-              <a:tabLst/>
-              <a:defRPr/>
-            </a:pPr>
-            <a:r>
-              <a:rPr kumimoji="0" lang="es-ES" sz="2800" b="1" i="0" u="none" strike="noStrike" kern="1200" cap="none" spc="0" normalizeH="0" baseline="0" noProof="0" dirty="0">
-                <a:ln>
-                  <a:noFill/>
-                </a:ln>
-                <a:effectLst/>
-                <a:uLnTx/>
-                <a:uFillTx/>
-                <a:latin typeface="Consolas" panose="020B0609020204030204" pitchFamily="49" charset="0"/>
-                <a:ea typeface="+mn-ea"/>
-                <a:cs typeface="+mn-cs"/>
-              </a:rPr>
-              <a:t>KNN</a:t>
-            </a:r>
-          </a:p>
-        </p:txBody>
-      </p:sp>
-      <p:sp>
-        <p:nvSpPr>
           <p:cNvPr id="2" name="Rectángulo 1">
             <a:extLst>
               <a:ext uri="{FF2B5EF4-FFF2-40B4-BE49-F238E27FC236}">
-                <a16:creationId xmlns:a16="http://schemas.microsoft.com/office/drawing/2014/main" id="{C2D8053F-FA3E-5306-099F-0AD2A29F61A5}"/>
+                <a16:creationId xmlns:a16="http://schemas.microsoft.com/office/drawing/2014/main" id="{8C125261-9D20-39FF-6B14-3C595D31C66B}"/>
               </a:ext>
             </a:extLst>
           </p:cNvPr>
@@ -7490,7 +7097,7 @@
         <p:spPr>
           <a:xfrm>
             <a:off x="0" y="0"/>
-            <a:ext cx="12192000" cy="6857999"/>
+            <a:ext cx="12192000" cy="6858000"/>
           </a:xfrm>
           <a:prstGeom prst="rect">
             <a:avLst/>
@@ -7498,7 +7105,9 @@
           <a:noFill/>
           <a:ln w="76200">
             <a:solidFill>
-              <a:schemeClr val="accent6"/>
+              <a:schemeClr val="accent5">
+                <a:lumMod val="75000"/>
+              </a:schemeClr>
             </a:solidFill>
           </a:ln>
         </p:spPr>
@@ -7527,10 +7136,438 @@
           </a:p>
         </p:txBody>
       </p:sp>
+      <p:pic>
+        <p:nvPicPr>
+          <p:cNvPr id="7" name="Imagen 6" descr="Gráfico&#10;&#10;Descripción generada automáticamente">
+            <a:extLst>
+              <a:ext uri="{FF2B5EF4-FFF2-40B4-BE49-F238E27FC236}">
+                <a16:creationId xmlns:a16="http://schemas.microsoft.com/office/drawing/2014/main" id="{F83D1398-2DFD-6701-44C5-0E0D7DF32BFB}"/>
+              </a:ext>
+            </a:extLst>
+          </p:cNvPr>
+          <p:cNvPicPr>
+            <a:picLocks noChangeAspect="1"/>
+          </p:cNvPicPr>
+          <p:nvPr/>
+        </p:nvPicPr>
+        <p:blipFill>
+          <a:blip r:embed="rId2">
+            <a:extLst>
+              <a:ext uri="{28A0092B-C50C-407E-A947-70E740481C1C}">
+                <a14:useLocalDpi xmlns:a14="http://schemas.microsoft.com/office/drawing/2010/main" val="0"/>
+              </a:ext>
+            </a:extLst>
+          </a:blip>
+          <a:stretch>
+            <a:fillRect/>
+          </a:stretch>
+        </p:blipFill>
+        <p:spPr>
+          <a:xfrm>
+            <a:off x="4287292" y="672885"/>
+            <a:ext cx="3752041" cy="2662530"/>
+          </a:xfrm>
+          <a:prstGeom prst="rect">
+            <a:avLst/>
+          </a:prstGeom>
+        </p:spPr>
+      </p:pic>
+      <p:pic>
+        <p:nvPicPr>
+          <p:cNvPr id="9" name="Imagen 8" descr="Gráfico&#10;&#10;Descripción generada automáticamente">
+            <a:extLst>
+              <a:ext uri="{FF2B5EF4-FFF2-40B4-BE49-F238E27FC236}">
+                <a16:creationId xmlns:a16="http://schemas.microsoft.com/office/drawing/2014/main" id="{F1DA2111-F8DC-8CFE-FE73-3957424C08B8}"/>
+              </a:ext>
+            </a:extLst>
+          </p:cNvPr>
+          <p:cNvPicPr>
+            <a:picLocks noChangeAspect="1"/>
+          </p:cNvPicPr>
+          <p:nvPr/>
+        </p:nvPicPr>
+        <p:blipFill>
+          <a:blip r:embed="rId3">
+            <a:extLst>
+              <a:ext uri="{28A0092B-C50C-407E-A947-70E740481C1C}">
+                <a14:useLocalDpi xmlns:a14="http://schemas.microsoft.com/office/drawing/2010/main" val="0"/>
+              </a:ext>
+            </a:extLst>
+          </a:blip>
+          <a:stretch>
+            <a:fillRect/>
+          </a:stretch>
+        </p:blipFill>
+        <p:spPr>
+          <a:xfrm>
+            <a:off x="8343648" y="672885"/>
+            <a:ext cx="3752041" cy="2662530"/>
+          </a:xfrm>
+          <a:prstGeom prst="rect">
+            <a:avLst/>
+          </a:prstGeom>
+        </p:spPr>
+      </p:pic>
+      <p:pic>
+        <p:nvPicPr>
+          <p:cNvPr id="12" name="Imagen 11" descr="Gráfico, Gráfico de barras&#10;&#10;Descripción generada automáticamente">
+            <a:extLst>
+              <a:ext uri="{FF2B5EF4-FFF2-40B4-BE49-F238E27FC236}">
+                <a16:creationId xmlns:a16="http://schemas.microsoft.com/office/drawing/2014/main" id="{0A231F23-92DA-C4A3-14A2-1A6D9F4867EF}"/>
+              </a:ext>
+            </a:extLst>
+          </p:cNvPr>
+          <p:cNvPicPr>
+            <a:picLocks noChangeAspect="1"/>
+          </p:cNvPicPr>
+          <p:nvPr/>
+        </p:nvPicPr>
+        <p:blipFill>
+          <a:blip r:embed="rId4">
+            <a:extLst>
+              <a:ext uri="{28A0092B-C50C-407E-A947-70E740481C1C}">
+                <a14:useLocalDpi xmlns:a14="http://schemas.microsoft.com/office/drawing/2010/main" val="0"/>
+              </a:ext>
+            </a:extLst>
+          </a:blip>
+          <a:stretch>
+            <a:fillRect/>
+          </a:stretch>
+        </p:blipFill>
+        <p:spPr>
+          <a:xfrm>
+            <a:off x="4287293" y="3706830"/>
+            <a:ext cx="3752041" cy="2662530"/>
+          </a:xfrm>
+          <a:prstGeom prst="rect">
+            <a:avLst/>
+          </a:prstGeom>
+        </p:spPr>
+      </p:pic>
+      <p:pic>
+        <p:nvPicPr>
+          <p:cNvPr id="14" name="Imagen 13" descr="Gráfico, Gráfico de barras&#10;&#10;Descripción generada automáticamente">
+            <a:extLst>
+              <a:ext uri="{FF2B5EF4-FFF2-40B4-BE49-F238E27FC236}">
+                <a16:creationId xmlns:a16="http://schemas.microsoft.com/office/drawing/2014/main" id="{39A05301-61CE-4C46-8806-21870CAD834A}"/>
+              </a:ext>
+            </a:extLst>
+          </p:cNvPr>
+          <p:cNvPicPr>
+            <a:picLocks noChangeAspect="1"/>
+          </p:cNvPicPr>
+          <p:nvPr/>
+        </p:nvPicPr>
+        <p:blipFill>
+          <a:blip r:embed="rId5">
+            <a:extLst>
+              <a:ext uri="{28A0092B-C50C-407E-A947-70E740481C1C}">
+                <a14:useLocalDpi xmlns:a14="http://schemas.microsoft.com/office/drawing/2010/main" val="0"/>
+              </a:ext>
+            </a:extLst>
+          </a:blip>
+          <a:stretch>
+            <a:fillRect/>
+          </a:stretch>
+        </p:blipFill>
+        <p:spPr>
+          <a:xfrm>
+            <a:off x="8364347" y="3706829"/>
+            <a:ext cx="3752041" cy="2662531"/>
+          </a:xfrm>
+          <a:prstGeom prst="rect">
+            <a:avLst/>
+          </a:prstGeom>
+        </p:spPr>
+      </p:pic>
+      <p:sp>
+        <p:nvSpPr>
+          <p:cNvPr id="15" name="CuadroTexto 14">
+            <a:extLst>
+              <a:ext uri="{FF2B5EF4-FFF2-40B4-BE49-F238E27FC236}">
+                <a16:creationId xmlns:a16="http://schemas.microsoft.com/office/drawing/2014/main" id="{66B5B5F5-7CAB-2AD4-DC0C-457B9D607275}"/>
+              </a:ext>
+            </a:extLst>
+          </p:cNvPr>
+          <p:cNvSpPr txBox="1"/>
+          <p:nvPr/>
+        </p:nvSpPr>
+        <p:spPr>
+          <a:xfrm>
+            <a:off x="929953" y="1526068"/>
+            <a:ext cx="1261982" cy="584775"/>
+          </a:xfrm>
+          <a:prstGeom prst="rect">
+            <a:avLst/>
+          </a:prstGeom>
+          <a:noFill/>
+        </p:spPr>
+        <p:txBody>
+          <a:bodyPr wrap="square" rtlCol="0" anchor="ctr">
+            <a:spAutoFit/>
+          </a:bodyPr>
+          <a:lstStyle/>
+          <a:p>
+            <a:pPr marL="0" marR="0" lvl="0" indent="0" algn="l" defTabSz="914400" rtl="0" eaLnBrk="1" fontAlgn="auto" latinLnBrk="0" hangingPunct="1">
+              <a:lnSpc>
+                <a:spcPct val="100000"/>
+              </a:lnSpc>
+              <a:spcBef>
+                <a:spcPts val="0"/>
+              </a:spcBef>
+              <a:spcAft>
+                <a:spcPts val="0"/>
+              </a:spcAft>
+              <a:buClrTx/>
+              <a:buSzTx/>
+              <a:buFontTx/>
+              <a:buNone/>
+              <a:tabLst/>
+              <a:defRPr/>
+            </a:pPr>
+            <a:r>
+              <a:rPr kumimoji="0" lang="es-ES" sz="3200" b="0" i="0" u="none" strike="noStrike" kern="1200" cap="none" spc="0" normalizeH="0" baseline="0" noProof="0" dirty="0">
+                <a:ln>
+                  <a:noFill/>
+                </a:ln>
+                <a:solidFill>
+                  <a:prstClr val="black"/>
+                </a:solidFill>
+                <a:effectLst/>
+                <a:uLnTx/>
+                <a:uFillTx/>
+                <a:latin typeface="Lucida Sans" panose="020B0602030504020204" pitchFamily="34" charset="0"/>
+                <a:ea typeface="ADLaM Display" panose="020F0502020204030204" pitchFamily="2" charset="0"/>
+                <a:cs typeface="ADLaM Display" panose="020F0502020204030204" pitchFamily="2" charset="0"/>
+              </a:rPr>
+              <a:t>TREE</a:t>
+            </a:r>
+          </a:p>
+        </p:txBody>
+      </p:sp>
+      <p:sp>
+        <p:nvSpPr>
+          <p:cNvPr id="16" name="CuadroTexto 15">
+            <a:extLst>
+              <a:ext uri="{FF2B5EF4-FFF2-40B4-BE49-F238E27FC236}">
+                <a16:creationId xmlns:a16="http://schemas.microsoft.com/office/drawing/2014/main" id="{3BD96B48-10C9-9323-A893-23BDE6A2DB37}"/>
+              </a:ext>
+            </a:extLst>
+          </p:cNvPr>
+          <p:cNvSpPr txBox="1"/>
+          <p:nvPr/>
+        </p:nvSpPr>
+        <p:spPr>
+          <a:xfrm>
+            <a:off x="914400" y="4745706"/>
+            <a:ext cx="2040478" cy="584775"/>
+          </a:xfrm>
+          <a:prstGeom prst="rect">
+            <a:avLst/>
+          </a:prstGeom>
+          <a:noFill/>
+        </p:spPr>
+        <p:txBody>
+          <a:bodyPr wrap="square" rtlCol="0" anchor="ctr">
+            <a:spAutoFit/>
+          </a:bodyPr>
+          <a:lstStyle/>
+          <a:p>
+            <a:pPr marL="0" marR="0" lvl="0" indent="0" algn="l" defTabSz="914400" rtl="0" eaLnBrk="1" fontAlgn="auto" latinLnBrk="0" hangingPunct="1">
+              <a:lnSpc>
+                <a:spcPct val="100000"/>
+              </a:lnSpc>
+              <a:spcBef>
+                <a:spcPts val="0"/>
+              </a:spcBef>
+              <a:spcAft>
+                <a:spcPts val="0"/>
+              </a:spcAft>
+              <a:buClrTx/>
+              <a:buSzTx/>
+              <a:buFontTx/>
+              <a:buNone/>
+              <a:tabLst/>
+              <a:defRPr/>
+            </a:pPr>
+            <a:r>
+              <a:rPr lang="es-ES" sz="3200" dirty="0">
+                <a:solidFill>
+                  <a:prstClr val="black"/>
+                </a:solidFill>
+                <a:latin typeface="Lucida Sans" panose="020B0602030504020204" pitchFamily="34" charset="0"/>
+                <a:ea typeface="ADLaM Display" panose="020F0502020204030204" pitchFamily="2" charset="0"/>
+                <a:cs typeface="ADLaM Display" panose="020F0502020204030204" pitchFamily="2" charset="0"/>
+              </a:rPr>
+              <a:t>FOREST</a:t>
+            </a:r>
+            <a:endParaRPr kumimoji="0" lang="es-ES" sz="3200" b="0" i="0" u="none" strike="noStrike" kern="1200" cap="none" spc="0" normalizeH="0" baseline="0" noProof="0" dirty="0">
+              <a:ln>
+                <a:noFill/>
+              </a:ln>
+              <a:solidFill>
+                <a:prstClr val="black"/>
+              </a:solidFill>
+              <a:effectLst/>
+              <a:uLnTx/>
+              <a:uFillTx/>
+              <a:latin typeface="Lucida Sans" panose="020B0602030504020204" pitchFamily="34" charset="0"/>
+              <a:ea typeface="ADLaM Display" panose="020F0502020204030204" pitchFamily="2" charset="0"/>
+              <a:cs typeface="ADLaM Display" panose="020F0502020204030204" pitchFamily="2" charset="0"/>
+            </a:endParaRPr>
+          </a:p>
+        </p:txBody>
+      </p:sp>
+      <p:sp>
+        <p:nvSpPr>
+          <p:cNvPr id="17" name="CuadroTexto 16">
+            <a:extLst>
+              <a:ext uri="{FF2B5EF4-FFF2-40B4-BE49-F238E27FC236}">
+                <a16:creationId xmlns:a16="http://schemas.microsoft.com/office/drawing/2014/main" id="{F4E4FD8E-DC08-20F8-26BA-03EE6081B604}"/>
+              </a:ext>
+            </a:extLst>
+          </p:cNvPr>
+          <p:cNvSpPr txBox="1"/>
+          <p:nvPr/>
+        </p:nvSpPr>
+        <p:spPr>
+          <a:xfrm>
+            <a:off x="5057711" y="36043"/>
+            <a:ext cx="3029778" cy="707886"/>
+          </a:xfrm>
+          <a:prstGeom prst="rect">
+            <a:avLst/>
+          </a:prstGeom>
+          <a:noFill/>
+        </p:spPr>
+        <p:txBody>
+          <a:bodyPr wrap="square" rtlCol="0" anchor="ctr">
+            <a:spAutoFit/>
+          </a:bodyPr>
+          <a:lstStyle/>
+          <a:p>
+            <a:pPr marL="0" marR="0" lvl="0" indent="0" algn="l" defTabSz="914400" rtl="0" eaLnBrk="1" fontAlgn="auto" latinLnBrk="0" hangingPunct="1">
+              <a:lnSpc>
+                <a:spcPct val="100000"/>
+              </a:lnSpc>
+              <a:spcBef>
+                <a:spcPts val="0"/>
+              </a:spcBef>
+              <a:spcAft>
+                <a:spcPts val="0"/>
+              </a:spcAft>
+              <a:buClrTx/>
+              <a:buSzTx/>
+              <a:buFontTx/>
+              <a:buNone/>
+              <a:tabLst/>
+              <a:defRPr/>
+            </a:pPr>
+            <a:r>
+              <a:rPr lang="es-ES" sz="2000" dirty="0">
+                <a:solidFill>
+                  <a:prstClr val="black"/>
+                </a:solidFill>
+                <a:latin typeface="Lucida Sans" panose="020B0602030504020204" pitchFamily="34" charset="0"/>
+                <a:ea typeface="ADLaM Display" panose="020F0502020204030204" pitchFamily="2" charset="0"/>
+                <a:cs typeface="ADLaM Display" panose="020F0502020204030204" pitchFamily="2" charset="0"/>
+              </a:rPr>
+              <a:t>DATOS CONTROVERSIALES</a:t>
+            </a:r>
+            <a:endParaRPr kumimoji="0" lang="es-ES" sz="2000" b="0" i="0" u="none" strike="noStrike" kern="1200" cap="none" spc="0" normalizeH="0" baseline="0" noProof="0" dirty="0">
+              <a:ln>
+                <a:noFill/>
+              </a:ln>
+              <a:solidFill>
+                <a:prstClr val="black"/>
+              </a:solidFill>
+              <a:effectLst/>
+              <a:uLnTx/>
+              <a:uFillTx/>
+              <a:latin typeface="Lucida Sans" panose="020B0602030504020204" pitchFamily="34" charset="0"/>
+              <a:ea typeface="ADLaM Display" panose="020F0502020204030204" pitchFamily="2" charset="0"/>
+              <a:cs typeface="ADLaM Display" panose="020F0502020204030204" pitchFamily="2" charset="0"/>
+            </a:endParaRPr>
+          </a:p>
+        </p:txBody>
+      </p:sp>
+      <p:sp>
+        <p:nvSpPr>
+          <p:cNvPr id="18" name="CuadroTexto 17">
+            <a:extLst>
+              <a:ext uri="{FF2B5EF4-FFF2-40B4-BE49-F238E27FC236}">
+                <a16:creationId xmlns:a16="http://schemas.microsoft.com/office/drawing/2014/main" id="{8A3CB493-F74C-84FB-CFB8-C213CD6276F0}"/>
+              </a:ext>
+            </a:extLst>
+          </p:cNvPr>
+          <p:cNvSpPr txBox="1"/>
+          <p:nvPr/>
+        </p:nvSpPr>
+        <p:spPr>
+          <a:xfrm>
+            <a:off x="9162222" y="36043"/>
+            <a:ext cx="3029778" cy="707886"/>
+          </a:xfrm>
+          <a:prstGeom prst="rect">
+            <a:avLst/>
+          </a:prstGeom>
+          <a:noFill/>
+        </p:spPr>
+        <p:txBody>
+          <a:bodyPr wrap="square" rtlCol="0" anchor="ctr">
+            <a:spAutoFit/>
+          </a:bodyPr>
+          <a:lstStyle/>
+          <a:p>
+            <a:pPr marL="0" marR="0" lvl="0" indent="0" algn="l" defTabSz="914400" rtl="0" eaLnBrk="1" fontAlgn="auto" latinLnBrk="0" hangingPunct="1">
+              <a:lnSpc>
+                <a:spcPct val="100000"/>
+              </a:lnSpc>
+              <a:spcBef>
+                <a:spcPts val="0"/>
+              </a:spcBef>
+              <a:spcAft>
+                <a:spcPts val="0"/>
+              </a:spcAft>
+              <a:buClrTx/>
+              <a:buSzTx/>
+              <a:buFontTx/>
+              <a:buNone/>
+              <a:tabLst/>
+              <a:defRPr/>
+            </a:pPr>
+            <a:r>
+              <a:rPr lang="es-ES" sz="2000" dirty="0">
+                <a:solidFill>
+                  <a:prstClr val="black"/>
+                </a:solidFill>
+                <a:latin typeface="Lucida Sans" panose="020B0602030504020204" pitchFamily="34" charset="0"/>
+                <a:ea typeface="ADLaM Display" panose="020F0502020204030204" pitchFamily="2" charset="0"/>
+                <a:cs typeface="ADLaM Display" panose="020F0502020204030204" pitchFamily="2" charset="0"/>
+              </a:rPr>
+              <a:t>DATOS NO CONTROVERSIALES</a:t>
+            </a:r>
+            <a:endParaRPr kumimoji="0" lang="es-ES" sz="2000" b="0" i="0" u="none" strike="noStrike" kern="1200" cap="none" spc="0" normalizeH="0" baseline="0" noProof="0" dirty="0">
+              <a:ln>
+                <a:noFill/>
+              </a:ln>
+              <a:solidFill>
+                <a:prstClr val="black"/>
+              </a:solidFill>
+              <a:effectLst/>
+              <a:uLnTx/>
+              <a:uFillTx/>
+              <a:latin typeface="Lucida Sans" panose="020B0602030504020204" pitchFamily="34" charset="0"/>
+              <a:ea typeface="ADLaM Display" panose="020F0502020204030204" pitchFamily="2" charset="0"/>
+              <a:cs typeface="ADLaM Display" panose="020F0502020204030204" pitchFamily="2" charset="0"/>
+            </a:endParaRPr>
+          </a:p>
+        </p:txBody>
+      </p:sp>
     </p:spTree>
     <p:extLst>
       <p:ext uri="{BB962C8B-B14F-4D97-AF65-F5344CB8AC3E}">
-        <p14:creationId xmlns:p14="http://schemas.microsoft.com/office/powerpoint/2010/main" val="3629681890"/>
+        <p14:creationId xmlns:p14="http://schemas.microsoft.com/office/powerpoint/2010/main" val="3216103858"/>
       </p:ext>
     </p:extLst>
   </p:cSld>
@@ -7552,7 +7589,7 @@
 </p:sld>
 </file>
 
-<file path=ppt/slides/slide15.xml><?xml version="1.0" encoding="utf-8"?>
+<file path=ppt/slides/slide14.xml><?xml version="1.0" encoding="utf-8"?>
 <p:sld xmlns:a="http://schemas.openxmlformats.org/drawingml/2006/main" xmlns:r="http://schemas.openxmlformats.org/officeDocument/2006/relationships" xmlns:p="http://schemas.openxmlformats.org/presentationml/2006/main">
   <p:cSld>
     <p:spTree>
@@ -7837,8 +7874,8 @@
         </p:nvSpPr>
         <p:spPr>
           <a:xfrm>
-            <a:off x="738973" y="1702507"/>
-            <a:ext cx="5181600" cy="523220"/>
+            <a:off x="-4066476" y="3190262"/>
+            <a:ext cx="5181600" cy="954107"/>
           </a:xfrm>
           <a:prstGeom prst="rect">
             <a:avLst/>
@@ -7877,7 +7914,7 @@
                 <a:ea typeface="ADLaM Display" panose="020F0502020204030204" pitchFamily="2" charset="0"/>
                 <a:cs typeface="ADLaM Display" panose="020F0502020204030204" pitchFamily="2" charset="0"/>
               </a:rPr>
-              <a:t>EVALUACIÓN</a:t>
+              <a:t>¿EN QUÉ SE FIJAN LOS MODELOS?</a:t>
             </a:r>
             <a:endParaRPr kumimoji="0" lang="es-ES" sz="1200" b="0" i="0" u="none" strike="noStrike" kern="1200" cap="none" spc="0" normalizeH="0" baseline="0" noProof="0" dirty="0">
               <a:ln>
@@ -7898,10 +7935,208 @@
       </p:sp>
       <p:sp>
         <p:nvSpPr>
-          <p:cNvPr id="6" name="CuadroTexto 5">
-            <a:extLst>
-              <a:ext uri="{FF2B5EF4-FFF2-40B4-BE49-F238E27FC236}">
-                <a16:creationId xmlns:a16="http://schemas.microsoft.com/office/drawing/2014/main" id="{C057B389-0A28-73BD-73C4-D826EA88D7A4}"/>
+          <p:cNvPr id="2" name="Rectángulo 1">
+            <a:extLst>
+              <a:ext uri="{FF2B5EF4-FFF2-40B4-BE49-F238E27FC236}">
+                <a16:creationId xmlns:a16="http://schemas.microsoft.com/office/drawing/2014/main" id="{8C125261-9D20-39FF-6B14-3C595D31C66B}"/>
+              </a:ext>
+            </a:extLst>
+          </p:cNvPr>
+          <p:cNvSpPr/>
+          <p:nvPr/>
+        </p:nvSpPr>
+        <p:spPr>
+          <a:xfrm>
+            <a:off x="0" y="0"/>
+            <a:ext cx="12192000" cy="6858000"/>
+          </a:xfrm>
+          <a:prstGeom prst="rect">
+            <a:avLst/>
+          </a:prstGeom>
+          <a:noFill/>
+          <a:ln w="76200">
+            <a:solidFill>
+              <a:schemeClr val="accent5">
+                <a:lumMod val="75000"/>
+              </a:schemeClr>
+            </a:solidFill>
+          </a:ln>
+        </p:spPr>
+        <p:style>
+          <a:lnRef idx="2">
+            <a:schemeClr val="accent1">
+              <a:shade val="15000"/>
+            </a:schemeClr>
+          </a:lnRef>
+          <a:fillRef idx="1">
+            <a:schemeClr val="accent1"/>
+          </a:fillRef>
+          <a:effectRef idx="0">
+            <a:schemeClr val="accent1"/>
+          </a:effectRef>
+          <a:fontRef idx="minor">
+            <a:schemeClr val="lt1"/>
+          </a:fontRef>
+        </p:style>
+        <p:txBody>
+          <a:bodyPr rtlCol="0" anchor="ctr"/>
+          <a:lstStyle/>
+          <a:p>
+            <a:pPr algn="ctr"/>
+            <a:endParaRPr lang="es-ES"/>
+          </a:p>
+        </p:txBody>
+      </p:sp>
+      <p:pic>
+        <p:nvPicPr>
+          <p:cNvPr id="7" name="Imagen 6" descr="Gráfico&#10;&#10;Descripción generada automáticamente">
+            <a:extLst>
+              <a:ext uri="{FF2B5EF4-FFF2-40B4-BE49-F238E27FC236}">
+                <a16:creationId xmlns:a16="http://schemas.microsoft.com/office/drawing/2014/main" id="{F83D1398-2DFD-6701-44C5-0E0D7DF32BFB}"/>
+              </a:ext>
+            </a:extLst>
+          </p:cNvPr>
+          <p:cNvPicPr>
+            <a:picLocks noChangeAspect="1"/>
+          </p:cNvPicPr>
+          <p:nvPr/>
+        </p:nvPicPr>
+        <p:blipFill>
+          <a:blip r:embed="rId2">
+            <a:extLst>
+              <a:ext uri="{28A0092B-C50C-407E-A947-70E740481C1C}">
+                <a14:useLocalDpi xmlns:a14="http://schemas.microsoft.com/office/drawing/2010/main" val="0"/>
+              </a:ext>
+            </a:extLst>
+          </a:blip>
+          <a:stretch>
+            <a:fillRect/>
+          </a:stretch>
+        </p:blipFill>
+        <p:spPr>
+          <a:xfrm>
+            <a:off x="12840742" y="527732"/>
+            <a:ext cx="3752041" cy="2662530"/>
+          </a:xfrm>
+          <a:prstGeom prst="rect">
+            <a:avLst/>
+          </a:prstGeom>
+        </p:spPr>
+      </p:pic>
+      <p:pic>
+        <p:nvPicPr>
+          <p:cNvPr id="9" name="Imagen 8" descr="Gráfico&#10;&#10;Descripción generada automáticamente">
+            <a:extLst>
+              <a:ext uri="{FF2B5EF4-FFF2-40B4-BE49-F238E27FC236}">
+                <a16:creationId xmlns:a16="http://schemas.microsoft.com/office/drawing/2014/main" id="{F1DA2111-F8DC-8CFE-FE73-3957424C08B8}"/>
+              </a:ext>
+            </a:extLst>
+          </p:cNvPr>
+          <p:cNvPicPr>
+            <a:picLocks noChangeAspect="1"/>
+          </p:cNvPicPr>
+          <p:nvPr/>
+        </p:nvPicPr>
+        <p:blipFill>
+          <a:blip r:embed="rId3">
+            <a:extLst>
+              <a:ext uri="{28A0092B-C50C-407E-A947-70E740481C1C}">
+                <a14:useLocalDpi xmlns:a14="http://schemas.microsoft.com/office/drawing/2010/main" val="0"/>
+              </a:ext>
+            </a:extLst>
+          </a:blip>
+          <a:stretch>
+            <a:fillRect/>
+          </a:stretch>
+        </p:blipFill>
+        <p:spPr>
+          <a:xfrm>
+            <a:off x="16897098" y="527732"/>
+            <a:ext cx="3752041" cy="2662530"/>
+          </a:xfrm>
+          <a:prstGeom prst="rect">
+            <a:avLst/>
+          </a:prstGeom>
+        </p:spPr>
+      </p:pic>
+      <p:pic>
+        <p:nvPicPr>
+          <p:cNvPr id="12" name="Imagen 11" descr="Gráfico, Gráfico de barras&#10;&#10;Descripción generada automáticamente">
+            <a:extLst>
+              <a:ext uri="{FF2B5EF4-FFF2-40B4-BE49-F238E27FC236}">
+                <a16:creationId xmlns:a16="http://schemas.microsoft.com/office/drawing/2014/main" id="{0A231F23-92DA-C4A3-14A2-1A6D9F4867EF}"/>
+              </a:ext>
+            </a:extLst>
+          </p:cNvPr>
+          <p:cNvPicPr>
+            <a:picLocks noChangeAspect="1"/>
+          </p:cNvPicPr>
+          <p:nvPr/>
+        </p:nvPicPr>
+        <p:blipFill>
+          <a:blip r:embed="rId4">
+            <a:extLst>
+              <a:ext uri="{28A0092B-C50C-407E-A947-70E740481C1C}">
+                <a14:useLocalDpi xmlns:a14="http://schemas.microsoft.com/office/drawing/2010/main" val="0"/>
+              </a:ext>
+            </a:extLst>
+          </a:blip>
+          <a:stretch>
+            <a:fillRect/>
+          </a:stretch>
+        </p:blipFill>
+        <p:spPr>
+          <a:xfrm>
+            <a:off x="12840743" y="3561677"/>
+            <a:ext cx="3752041" cy="2662530"/>
+          </a:xfrm>
+          <a:prstGeom prst="rect">
+            <a:avLst/>
+          </a:prstGeom>
+        </p:spPr>
+      </p:pic>
+      <p:pic>
+        <p:nvPicPr>
+          <p:cNvPr id="14" name="Imagen 13" descr="Gráfico, Gráfico de barras&#10;&#10;Descripción generada automáticamente">
+            <a:extLst>
+              <a:ext uri="{FF2B5EF4-FFF2-40B4-BE49-F238E27FC236}">
+                <a16:creationId xmlns:a16="http://schemas.microsoft.com/office/drawing/2014/main" id="{39A05301-61CE-4C46-8806-21870CAD834A}"/>
+              </a:ext>
+            </a:extLst>
+          </p:cNvPr>
+          <p:cNvPicPr>
+            <a:picLocks noChangeAspect="1"/>
+          </p:cNvPicPr>
+          <p:nvPr/>
+        </p:nvPicPr>
+        <p:blipFill>
+          <a:blip r:embed="rId5">
+            <a:extLst>
+              <a:ext uri="{28A0092B-C50C-407E-A947-70E740481C1C}">
+                <a14:useLocalDpi xmlns:a14="http://schemas.microsoft.com/office/drawing/2010/main" val="0"/>
+              </a:ext>
+            </a:extLst>
+          </a:blip>
+          <a:stretch>
+            <a:fillRect/>
+          </a:stretch>
+        </p:blipFill>
+        <p:spPr>
+          <a:xfrm>
+            <a:off x="16917797" y="3561676"/>
+            <a:ext cx="3752041" cy="2662531"/>
+          </a:xfrm>
+          <a:prstGeom prst="rect">
+            <a:avLst/>
+          </a:prstGeom>
+        </p:spPr>
+      </p:pic>
+      <p:sp>
+        <p:nvSpPr>
+          <p:cNvPr id="15" name="CuadroTexto 14">
+            <a:extLst>
+              <a:ext uri="{FF2B5EF4-FFF2-40B4-BE49-F238E27FC236}">
+                <a16:creationId xmlns:a16="http://schemas.microsoft.com/office/drawing/2014/main" id="{66B5B5F5-7CAB-2AD4-DC0C-457B9D607275}"/>
               </a:ext>
             </a:extLst>
           </p:cNvPr>
@@ -7910,8 +8145,8 @@
         </p:nvSpPr>
         <p:spPr>
           <a:xfrm>
-            <a:off x="-3849357" y="2017862"/>
-            <a:ext cx="5057671" cy="1815882"/>
+            <a:off x="-2774637" y="1711762"/>
+            <a:ext cx="1261982" cy="584775"/>
           </a:xfrm>
           <a:prstGeom prst="rect">
             <a:avLst/>
@@ -7919,7 +8154,7 @@
           <a:noFill/>
         </p:spPr>
         <p:txBody>
-          <a:bodyPr wrap="square" rtlCol="0">
+          <a:bodyPr wrap="square" rtlCol="0" anchor="ctr">
             <a:spAutoFit/>
           </a:bodyPr>
           <a:lstStyle/>
@@ -7942,28 +8177,54 @@
               <a:defRPr/>
             </a:pPr>
             <a:r>
-              <a:rPr kumimoji="0" lang="es-ES" sz="2800" b="1" i="0" u="none" strike="noStrike" kern="1200" cap="none" spc="0" normalizeH="0" baseline="0" noProof="0" dirty="0">
+              <a:rPr kumimoji="0" lang="es-ES" sz="3200" b="0" i="0" u="none" strike="noStrike" kern="1200" cap="none" spc="0" normalizeH="0" baseline="0" noProof="0" dirty="0">
                 <a:ln>
                   <a:noFill/>
                 </a:ln>
+                <a:solidFill>
+                  <a:prstClr val="black"/>
+                </a:solidFill>
                 <a:effectLst/>
                 <a:uLnTx/>
                 <a:uFillTx/>
-                <a:latin typeface="Consolas" panose="020B0609020204030204" pitchFamily="49" charset="0"/>
-                <a:ea typeface="+mn-ea"/>
-                <a:cs typeface="+mn-cs"/>
-              </a:rPr>
-              <a:t>Mejor</a:t>
-            </a:r>
-            <a:r>
-              <a:rPr lang="es-ES" sz="2800" b="1" dirty="0">
-                <a:latin typeface="Consolas" panose="020B0609020204030204" pitchFamily="49" charset="0"/>
-              </a:rPr>
-              <a:t>es modelos:</a:t>
-            </a:r>
-          </a:p>
-          <a:p>
-            <a:pPr marL="228600" marR="0" lvl="0" indent="-228600" algn="l" defTabSz="914400" rtl="0" eaLnBrk="1" fontAlgn="auto" latinLnBrk="0" hangingPunct="1">
+                <a:latin typeface="Lucida Sans" panose="020B0602030504020204" pitchFamily="34" charset="0"/>
+                <a:ea typeface="ADLaM Display" panose="020F0502020204030204" pitchFamily="2" charset="0"/>
+                <a:cs typeface="ADLaM Display" panose="020F0502020204030204" pitchFamily="2" charset="0"/>
+              </a:rPr>
+              <a:t>TREE</a:t>
+            </a:r>
+          </a:p>
+        </p:txBody>
+      </p:sp>
+      <p:sp>
+        <p:nvSpPr>
+          <p:cNvPr id="16" name="CuadroTexto 15">
+            <a:extLst>
+              <a:ext uri="{FF2B5EF4-FFF2-40B4-BE49-F238E27FC236}">
+                <a16:creationId xmlns:a16="http://schemas.microsoft.com/office/drawing/2014/main" id="{3BD96B48-10C9-9323-A893-23BDE6A2DB37}"/>
+              </a:ext>
+            </a:extLst>
+          </p:cNvPr>
+          <p:cNvSpPr txBox="1"/>
+          <p:nvPr/>
+        </p:nvSpPr>
+        <p:spPr>
+          <a:xfrm>
+            <a:off x="-3163885" y="5038094"/>
+            <a:ext cx="2040478" cy="584775"/>
+          </a:xfrm>
+          <a:prstGeom prst="rect">
+            <a:avLst/>
+          </a:prstGeom>
+          <a:noFill/>
+        </p:spPr>
+        <p:txBody>
+          <a:bodyPr wrap="square" rtlCol="0" anchor="ctr">
+            <a:spAutoFit/>
+          </a:bodyPr>
+          <a:lstStyle/>
+          <a:p>
+            <a:pPr marL="0" marR="0" lvl="0" indent="0" algn="l" defTabSz="914400" rtl="0" eaLnBrk="1" fontAlgn="auto" latinLnBrk="0" hangingPunct="1">
               <a:lnSpc>
                 <a:spcPct val="100000"/>
               </a:lnSpc>
@@ -7975,28 +8236,68 @@
               </a:spcAft>
               <a:buClrTx/>
               <a:buSzTx/>
-              <a:buFont typeface="+mj-lt"/>
-              <a:buAutoNum type="arabicPeriod"/>
+              <a:buFontTx/>
+              <a:buNone/>
               <a:tabLst/>
               <a:defRPr/>
             </a:pPr>
             <a:r>
-              <a:rPr kumimoji="0" lang="es-ES" sz="2800" b="1" i="0" u="none" strike="noStrike" kern="1200" cap="none" spc="0" normalizeH="0" baseline="0" noProof="0" dirty="0">
-                <a:ln>
-                  <a:noFill/>
-                </a:ln>
-                <a:effectLst/>
-                <a:uLnTx/>
-                <a:uFillTx/>
-                <a:latin typeface="Consolas" panose="020B0609020204030204" pitchFamily="49" charset="0"/>
-                <a:ea typeface="+mn-ea"/>
-                <a:cs typeface="+mn-cs"/>
-              </a:rPr>
-              <a:t>Forest</a:t>
-            </a:r>
-          </a:p>
-          <a:p>
-            <a:pPr marL="228600" marR="0" lvl="0" indent="-228600" algn="l" defTabSz="914400" rtl="0" eaLnBrk="1" fontAlgn="auto" latinLnBrk="0" hangingPunct="1">
+              <a:rPr lang="es-ES" sz="3200" dirty="0">
+                <a:solidFill>
+                  <a:prstClr val="black"/>
+                </a:solidFill>
+                <a:latin typeface="Lucida Sans" panose="020B0602030504020204" pitchFamily="34" charset="0"/>
+                <a:ea typeface="ADLaM Display" panose="020F0502020204030204" pitchFamily="2" charset="0"/>
+                <a:cs typeface="ADLaM Display" panose="020F0502020204030204" pitchFamily="2" charset="0"/>
+              </a:rPr>
+              <a:t>FOREST</a:t>
+            </a:r>
+            <a:endParaRPr kumimoji="0" lang="es-ES" sz="3200" b="0" i="0" u="none" strike="noStrike" kern="1200" cap="none" spc="0" normalizeH="0" baseline="0" noProof="0" dirty="0">
+              <a:ln>
+                <a:noFill/>
+              </a:ln>
+              <a:solidFill>
+                <a:prstClr val="black"/>
+              </a:solidFill>
+              <a:effectLst/>
+              <a:uLnTx/>
+              <a:uFillTx/>
+              <a:latin typeface="Lucida Sans" panose="020B0602030504020204" pitchFamily="34" charset="0"/>
+              <a:ea typeface="ADLaM Display" panose="020F0502020204030204" pitchFamily="2" charset="0"/>
+              <a:cs typeface="ADLaM Display" panose="020F0502020204030204" pitchFamily="2" charset="0"/>
+            </a:endParaRPr>
+          </a:p>
+        </p:txBody>
+      </p:sp>
+      <p:sp>
+        <p:nvSpPr>
+          <p:cNvPr id="17" name="CuadroTexto 16">
+            <a:extLst>
+              <a:ext uri="{FF2B5EF4-FFF2-40B4-BE49-F238E27FC236}">
+                <a16:creationId xmlns:a16="http://schemas.microsoft.com/office/drawing/2014/main" id="{F4E4FD8E-DC08-20F8-26BA-03EE6081B604}"/>
+              </a:ext>
+            </a:extLst>
+          </p:cNvPr>
+          <p:cNvSpPr txBox="1"/>
+          <p:nvPr/>
+        </p:nvSpPr>
+        <p:spPr>
+          <a:xfrm>
+            <a:off x="5006911" y="-1335557"/>
+            <a:ext cx="3029778" cy="707886"/>
+          </a:xfrm>
+          <a:prstGeom prst="rect">
+            <a:avLst/>
+          </a:prstGeom>
+          <a:noFill/>
+        </p:spPr>
+        <p:txBody>
+          <a:bodyPr wrap="square" rtlCol="0" anchor="ctr">
+            <a:spAutoFit/>
+          </a:bodyPr>
+          <a:lstStyle/>
+          <a:p>
+            <a:pPr marL="0" marR="0" lvl="0" indent="0" algn="l" defTabSz="914400" rtl="0" eaLnBrk="1" fontAlgn="auto" latinLnBrk="0" hangingPunct="1">
               <a:lnSpc>
                 <a:spcPct val="100000"/>
               </a:lnSpc>
@@ -8008,20 +8309,68 @@
               </a:spcAft>
               <a:buClrTx/>
               <a:buSzTx/>
-              <a:buFont typeface="+mj-lt"/>
-              <a:buAutoNum type="arabicPeriod"/>
+              <a:buFontTx/>
+              <a:buNone/>
               <a:tabLst/>
               <a:defRPr/>
             </a:pPr>
             <a:r>
-              <a:rPr lang="es-ES" sz="2800" b="1" dirty="0">
-                <a:latin typeface="Consolas" panose="020B0609020204030204" pitchFamily="49" charset="0"/>
-              </a:rPr>
-              <a:t>Reg. Log.</a:t>
-            </a:r>
-          </a:p>
-          <a:p>
-            <a:pPr marL="228600" marR="0" lvl="0" indent="-228600" algn="l" defTabSz="914400" rtl="0" eaLnBrk="1" fontAlgn="auto" latinLnBrk="0" hangingPunct="1">
+              <a:rPr lang="es-ES" sz="2000" dirty="0">
+                <a:solidFill>
+                  <a:prstClr val="black"/>
+                </a:solidFill>
+                <a:latin typeface="Lucida Sans" panose="020B0602030504020204" pitchFamily="34" charset="0"/>
+                <a:ea typeface="ADLaM Display" panose="020F0502020204030204" pitchFamily="2" charset="0"/>
+                <a:cs typeface="ADLaM Display" panose="020F0502020204030204" pitchFamily="2" charset="0"/>
+              </a:rPr>
+              <a:t>DATOS CONTROVERSIALES</a:t>
+            </a:r>
+            <a:endParaRPr kumimoji="0" lang="es-ES" sz="2000" b="0" i="0" u="none" strike="noStrike" kern="1200" cap="none" spc="0" normalizeH="0" baseline="0" noProof="0" dirty="0">
+              <a:ln>
+                <a:noFill/>
+              </a:ln>
+              <a:solidFill>
+                <a:prstClr val="black"/>
+              </a:solidFill>
+              <a:effectLst/>
+              <a:uLnTx/>
+              <a:uFillTx/>
+              <a:latin typeface="Lucida Sans" panose="020B0602030504020204" pitchFamily="34" charset="0"/>
+              <a:ea typeface="ADLaM Display" panose="020F0502020204030204" pitchFamily="2" charset="0"/>
+              <a:cs typeface="ADLaM Display" panose="020F0502020204030204" pitchFamily="2" charset="0"/>
+            </a:endParaRPr>
+          </a:p>
+        </p:txBody>
+      </p:sp>
+      <p:sp>
+        <p:nvSpPr>
+          <p:cNvPr id="18" name="CuadroTexto 17">
+            <a:extLst>
+              <a:ext uri="{FF2B5EF4-FFF2-40B4-BE49-F238E27FC236}">
+                <a16:creationId xmlns:a16="http://schemas.microsoft.com/office/drawing/2014/main" id="{8A3CB493-F74C-84FB-CFB8-C213CD6276F0}"/>
+              </a:ext>
+            </a:extLst>
+          </p:cNvPr>
+          <p:cNvSpPr txBox="1"/>
+          <p:nvPr/>
+        </p:nvSpPr>
+        <p:spPr>
+          <a:xfrm>
+            <a:off x="8755822" y="-1375664"/>
+            <a:ext cx="3029778" cy="707886"/>
+          </a:xfrm>
+          <a:prstGeom prst="rect">
+            <a:avLst/>
+          </a:prstGeom>
+          <a:noFill/>
+        </p:spPr>
+        <p:txBody>
+          <a:bodyPr wrap="square" rtlCol="0" anchor="ctr">
+            <a:spAutoFit/>
+          </a:bodyPr>
+          <a:lstStyle/>
+          <a:p>
+            <a:pPr marL="0" marR="0" lvl="0" indent="0" algn="l" defTabSz="914400" rtl="0" eaLnBrk="1" fontAlgn="auto" latinLnBrk="0" hangingPunct="1">
               <a:lnSpc>
                 <a:spcPct val="100000"/>
               </a:lnSpc>
@@ -8033,34 +8382,195 @@
               </a:spcAft>
               <a:buClrTx/>
               <a:buSzTx/>
-              <a:buFont typeface="+mj-lt"/>
-              <a:buAutoNum type="arabicPeriod"/>
+              <a:buFontTx/>
+              <a:buNone/>
               <a:tabLst/>
               <a:defRPr/>
             </a:pPr>
             <a:r>
-              <a:rPr kumimoji="0" lang="es-ES" sz="2800" b="1" i="0" u="none" strike="noStrike" kern="1200" cap="none" spc="0" normalizeH="0" baseline="0" noProof="0" dirty="0">
-                <a:ln>
-                  <a:noFill/>
-                </a:ln>
-                <a:effectLst/>
-                <a:uLnTx/>
-                <a:uFillTx/>
-                <a:latin typeface="Consolas" panose="020B0609020204030204" pitchFamily="49" charset="0"/>
-                <a:ea typeface="+mn-ea"/>
-                <a:cs typeface="+mn-cs"/>
-              </a:rPr>
-              <a:t>KNN</a:t>
-            </a:r>
+              <a:rPr lang="es-ES" sz="2000" dirty="0">
+                <a:solidFill>
+                  <a:prstClr val="black"/>
+                </a:solidFill>
+                <a:latin typeface="Lucida Sans" panose="020B0602030504020204" pitchFamily="34" charset="0"/>
+                <a:ea typeface="ADLaM Display" panose="020F0502020204030204" pitchFamily="2" charset="0"/>
+                <a:cs typeface="ADLaM Display" panose="020F0502020204030204" pitchFamily="2" charset="0"/>
+              </a:rPr>
+              <a:t>DATOS NO CONTROVERSIALES</a:t>
+            </a:r>
+            <a:endParaRPr kumimoji="0" lang="es-ES" sz="2000" b="0" i="0" u="none" strike="noStrike" kern="1200" cap="none" spc="0" normalizeH="0" baseline="0" noProof="0" dirty="0">
+              <a:ln>
+                <a:noFill/>
+              </a:ln>
+              <a:solidFill>
+                <a:prstClr val="black"/>
+              </a:solidFill>
+              <a:effectLst/>
+              <a:uLnTx/>
+              <a:uFillTx/>
+              <a:latin typeface="Lucida Sans" panose="020B0602030504020204" pitchFamily="34" charset="0"/>
+              <a:ea typeface="ADLaM Display" panose="020F0502020204030204" pitchFamily="2" charset="0"/>
+              <a:cs typeface="ADLaM Display" panose="020F0502020204030204" pitchFamily="2" charset="0"/>
+            </a:endParaRPr>
           </a:p>
         </p:txBody>
       </p:sp>
+      <p:pic>
+        <p:nvPicPr>
+          <p:cNvPr id="4" name="Imagen 3" descr="Texto&#10;&#10;Descripción generada automáticamente">
+            <a:extLst>
+              <a:ext uri="{FF2B5EF4-FFF2-40B4-BE49-F238E27FC236}">
+                <a16:creationId xmlns:a16="http://schemas.microsoft.com/office/drawing/2014/main" id="{FC417DAD-C91D-64EF-36B2-D7AE4CA9C409}"/>
+              </a:ext>
+            </a:extLst>
+          </p:cNvPr>
+          <p:cNvPicPr>
+            <a:picLocks noChangeAspect="1"/>
+          </p:cNvPicPr>
+          <p:nvPr/>
+        </p:nvPicPr>
+        <p:blipFill>
+          <a:blip r:embed="rId6">
+            <a:extLst>
+              <a:ext uri="{28A0092B-C50C-407E-A947-70E740481C1C}">
+                <a14:useLocalDpi xmlns:a14="http://schemas.microsoft.com/office/drawing/2010/main" val="0"/>
+              </a:ext>
+            </a:extLst>
+          </a:blip>
+          <a:stretch>
+            <a:fillRect/>
+          </a:stretch>
+        </p:blipFill>
+        <p:spPr>
+          <a:xfrm>
+            <a:off x="1415401" y="1030296"/>
+            <a:ext cx="9508932" cy="1889595"/>
+          </a:xfrm>
+          <a:prstGeom prst="rect">
+            <a:avLst/>
+          </a:prstGeom>
+        </p:spPr>
+      </p:pic>
+      <p:pic>
+        <p:nvPicPr>
+          <p:cNvPr id="8" name="Imagen 7" descr="Una captura de pantalla de un celular&#10;&#10;Descripción generada automáticamente">
+            <a:extLst>
+              <a:ext uri="{FF2B5EF4-FFF2-40B4-BE49-F238E27FC236}">
+                <a16:creationId xmlns:a16="http://schemas.microsoft.com/office/drawing/2014/main" id="{B7299D67-9B2E-AAFF-4956-408AAD430C57}"/>
+              </a:ext>
+            </a:extLst>
+          </p:cNvPr>
+          <p:cNvPicPr>
+            <a:picLocks noChangeAspect="1"/>
+          </p:cNvPicPr>
+          <p:nvPr/>
+        </p:nvPicPr>
+        <p:blipFill>
+          <a:blip r:embed="rId7">
+            <a:extLst>
+              <a:ext uri="{28A0092B-C50C-407E-A947-70E740481C1C}">
+                <a14:useLocalDpi xmlns:a14="http://schemas.microsoft.com/office/drawing/2010/main" val="0"/>
+              </a:ext>
+            </a:extLst>
+          </a:blip>
+          <a:stretch>
+            <a:fillRect/>
+          </a:stretch>
+        </p:blipFill>
+        <p:spPr>
+          <a:xfrm>
+            <a:off x="1415401" y="3938109"/>
+            <a:ext cx="9598051" cy="1641772"/>
+          </a:xfrm>
+          <a:prstGeom prst="rect">
+            <a:avLst/>
+          </a:prstGeom>
+        </p:spPr>
+      </p:pic>
+    </p:spTree>
+    <p:extLst>
+      <p:ext uri="{BB962C8B-B14F-4D97-AF65-F5344CB8AC3E}">
+        <p14:creationId xmlns:p14="http://schemas.microsoft.com/office/powerpoint/2010/main" val="3957741112"/>
+      </p:ext>
+    </p:extLst>
+  </p:cSld>
+  <p:clrMapOvr>
+    <a:masterClrMapping/>
+  </p:clrMapOvr>
+  <mc:AlternateContent xmlns:mc="http://schemas.openxmlformats.org/markup-compatibility/2006" xmlns:p159="http://schemas.microsoft.com/office/powerpoint/2015/09/main">
+    <mc:Choice Requires="p159">
+      <p:transition xmlns:p14="http://schemas.microsoft.com/office/powerpoint/2010/main" spd="slow" p14:dur="2000">
+        <p159:morph option="byObject"/>
+      </p:transition>
+    </mc:Choice>
+    <mc:Fallback xmlns="">
+      <p:transition spd="slow">
+        <p:fade/>
+      </p:transition>
+    </mc:Fallback>
+  </mc:AlternateContent>
+</p:sld>
+</file>
+
+<file path=ppt/slides/slide15.xml><?xml version="1.0" encoding="utf-8"?>
+<p:sld xmlns:a="http://schemas.openxmlformats.org/drawingml/2006/main" xmlns:r="http://schemas.openxmlformats.org/officeDocument/2006/relationships" xmlns:p="http://schemas.openxmlformats.org/presentationml/2006/main">
+  <p:cSld>
+    <p:spTree>
+      <p:nvGrpSpPr>
+        <p:cNvPr id="1" name=""/>
+        <p:cNvGrpSpPr/>
+        <p:nvPr/>
+      </p:nvGrpSpPr>
+      <p:grpSpPr>
+        <a:xfrm>
+          <a:off x="0" y="0"/>
+          <a:ext cx="0" cy="0"/>
+          <a:chOff x="0" y="0"/>
+          <a:chExt cx="0" cy="0"/>
+        </a:xfrm>
+      </p:grpSpPr>
+      <p:pic>
+        <p:nvPicPr>
+          <p:cNvPr id="4" name="Imagen 3" descr="Diagrama">
+            <a:extLst>
+              <a:ext uri="{FF2B5EF4-FFF2-40B4-BE49-F238E27FC236}">
+                <a16:creationId xmlns:a16="http://schemas.microsoft.com/office/drawing/2014/main" id="{C8FB34FE-F22E-5CF8-A83A-C7CFDABFF8C8}"/>
+              </a:ext>
+            </a:extLst>
+          </p:cNvPr>
+          <p:cNvPicPr>
+            <a:picLocks noChangeAspect="1"/>
+          </p:cNvPicPr>
+          <p:nvPr/>
+        </p:nvPicPr>
+        <p:blipFill>
+          <a:blip r:embed="rId2">
+            <a:extLst>
+              <a:ext uri="{28A0092B-C50C-407E-A947-70E740481C1C}">
+                <a14:useLocalDpi xmlns:a14="http://schemas.microsoft.com/office/drawing/2010/main" val="0"/>
+              </a:ext>
+            </a:extLst>
+          </a:blip>
+          <a:stretch>
+            <a:fillRect/>
+          </a:stretch>
+        </p:blipFill>
+        <p:spPr>
+          <a:xfrm>
+            <a:off x="2310633" y="0"/>
+            <a:ext cx="7570734" cy="6677824"/>
+          </a:xfrm>
+          <a:prstGeom prst="rect">
+            <a:avLst/>
+          </a:prstGeom>
+        </p:spPr>
+      </p:pic>
       <p:sp>
         <p:nvSpPr>
-          <p:cNvPr id="7" name="Rectángulo 6">
-            <a:extLst>
-              <a:ext uri="{FF2B5EF4-FFF2-40B4-BE49-F238E27FC236}">
-                <a16:creationId xmlns:a16="http://schemas.microsoft.com/office/drawing/2014/main" id="{FE7A6475-0FA4-714D-B692-0C3993E04FCE}"/>
+          <p:cNvPr id="8" name="Rectángulo 7">
+            <a:extLst>
+              <a:ext uri="{FF2B5EF4-FFF2-40B4-BE49-F238E27FC236}">
+                <a16:creationId xmlns:a16="http://schemas.microsoft.com/office/drawing/2014/main" id="{85EEBB55-F636-2B73-B4A7-FBD82B7D3DFA}"/>
               </a:ext>
             </a:extLst>
           </p:cNvPr>
@@ -8069,8 +8579,8 @@
         </p:nvSpPr>
         <p:spPr>
           <a:xfrm>
-            <a:off x="0" y="0"/>
-            <a:ext cx="12192000" cy="6857999"/>
+            <a:off x="5413829" y="5065487"/>
+            <a:ext cx="1066800" cy="566057"/>
           </a:xfrm>
           <a:prstGeom prst="rect">
             <a:avLst/>
@@ -8109,490 +8619,110 @@
       </p:sp>
       <p:sp>
         <p:nvSpPr>
-          <p:cNvPr id="8" name="CuadroTexto 7">
-            <a:extLst>
-              <a:ext uri="{FF2B5EF4-FFF2-40B4-BE49-F238E27FC236}">
-                <a16:creationId xmlns:a16="http://schemas.microsoft.com/office/drawing/2014/main" id="{2E7DFE96-9053-E82C-F5B3-482CBCC6A5E1}"/>
-              </a:ext>
-            </a:extLst>
-          </p:cNvPr>
-          <p:cNvSpPr txBox="1"/>
+          <p:cNvPr id="9" name="Rectángulo 8">
+            <a:extLst>
+              <a:ext uri="{FF2B5EF4-FFF2-40B4-BE49-F238E27FC236}">
+                <a16:creationId xmlns:a16="http://schemas.microsoft.com/office/drawing/2014/main" id="{9F6263D3-0688-CB0A-58A7-D94FF5661762}"/>
+              </a:ext>
+            </a:extLst>
+          </p:cNvPr>
+          <p:cNvSpPr/>
           <p:nvPr/>
         </p:nvSpPr>
         <p:spPr>
           <a:xfrm>
-            <a:off x="738973" y="2225727"/>
-            <a:ext cx="5181600" cy="4431983"/>
+            <a:off x="4680857" y="1349829"/>
+            <a:ext cx="1066800" cy="566057"/>
           </a:xfrm>
           <a:prstGeom prst="rect">
             <a:avLst/>
           </a:prstGeom>
           <a:noFill/>
+          <a:ln w="38100"/>
         </p:spPr>
+        <p:style>
+          <a:lnRef idx="2">
+            <a:schemeClr val="accent1">
+              <a:shade val="15000"/>
+            </a:schemeClr>
+          </a:lnRef>
+          <a:fillRef idx="1">
+            <a:schemeClr val="accent1"/>
+          </a:fillRef>
+          <a:effectRef idx="0">
+            <a:schemeClr val="accent1"/>
+          </a:effectRef>
+          <a:fontRef idx="minor">
+            <a:schemeClr val="lt1"/>
+          </a:fontRef>
+        </p:style>
         <p:txBody>
-          <a:bodyPr wrap="square" rtlCol="0">
-            <a:spAutoFit/>
-          </a:bodyPr>
+          <a:bodyPr rtlCol="0" anchor="ctr"/>
           <a:lstStyle/>
           <a:p>
-            <a:pPr marR="0" lvl="0" algn="l" defTabSz="914400" rtl="0" eaLnBrk="1" fontAlgn="auto" latinLnBrk="0" hangingPunct="1">
-              <a:lnSpc>
-                <a:spcPct val="100000"/>
-              </a:lnSpc>
-              <a:spcBef>
-                <a:spcPts val="0"/>
-              </a:spcBef>
-              <a:spcAft>
-                <a:spcPts val="0"/>
-              </a:spcAft>
-              <a:buClrTx/>
-              <a:buSzTx/>
-              <a:tabLst/>
-              <a:defRPr/>
-            </a:pPr>
-            <a:r>
-              <a:rPr kumimoji="0" lang="es-ES" sz="1200" b="1" i="0" u="none" strike="noStrike" kern="1200" cap="none" spc="0" normalizeH="0" baseline="0" noProof="0" dirty="0">
-                <a:ln>
-                  <a:noFill/>
-                </a:ln>
-                <a:effectLst/>
-                <a:uLnTx/>
-                <a:uFillTx/>
-                <a:latin typeface="Consolas" panose="020B0609020204030204" pitchFamily="49" charset="0"/>
-                <a:ea typeface="+mn-ea"/>
-                <a:cs typeface="+mn-cs"/>
-              </a:rPr>
-              <a:t>Métricas:</a:t>
-            </a:r>
-            <a:endParaRPr lang="en-US" sz="1200" b="1" dirty="0">
-              <a:latin typeface="Consolas" panose="020B0609020204030204" pitchFamily="49" charset="0"/>
-            </a:endParaRPr>
-          </a:p>
-          <a:p>
-            <a:pPr marR="0" lvl="0" algn="l" defTabSz="914400" rtl="0" eaLnBrk="1" fontAlgn="auto" latinLnBrk="0" hangingPunct="1">
-              <a:lnSpc>
-                <a:spcPct val="100000"/>
-              </a:lnSpc>
-              <a:spcBef>
-                <a:spcPts val="0"/>
-              </a:spcBef>
-              <a:spcAft>
-                <a:spcPts val="0"/>
-              </a:spcAft>
-              <a:buClrTx/>
-              <a:buSzTx/>
-              <a:tabLst/>
-              <a:defRPr/>
-            </a:pPr>
-            <a:r>
-              <a:rPr lang="en-US" sz="1200" dirty="0">
-                <a:latin typeface="Consolas" panose="020B0609020204030204" pitchFamily="49" charset="0"/>
-              </a:rPr>
-              <a:t>1. </a:t>
-            </a:r>
-          </a:p>
-          <a:p>
-            <a:pPr lvl="1"/>
-            <a:r>
-              <a:rPr kumimoji="0" lang="en-US" sz="1200" b="0" i="0" u="none" strike="noStrike" kern="1200" cap="none" spc="0" normalizeH="0" baseline="0" noProof="0" dirty="0">
-                <a:ln>
-                  <a:noFill/>
-                </a:ln>
-                <a:effectLst/>
-                <a:uLnTx/>
-                <a:uFillTx/>
-                <a:latin typeface="Consolas" panose="020B0609020204030204" pitchFamily="49" charset="0"/>
-                <a:ea typeface="+mn-ea"/>
-                <a:cs typeface="+mn-cs"/>
-              </a:rPr>
-              <a:t>AUC: 0.7781149589432346</a:t>
-            </a:r>
-          </a:p>
-          <a:p>
-            <a:pPr lvl="1"/>
-            <a:r>
-              <a:rPr kumimoji="0" lang="en-US" sz="1200" b="0" i="0" u="none" strike="noStrike" kern="1200" cap="none" spc="0" normalizeH="0" baseline="0" noProof="0" dirty="0">
-                <a:ln>
-                  <a:noFill/>
-                </a:ln>
-                <a:effectLst/>
-                <a:uLnTx/>
-                <a:uFillTx/>
-                <a:latin typeface="Consolas" panose="020B0609020204030204" pitchFamily="49" charset="0"/>
-                <a:ea typeface="+mn-ea"/>
-                <a:cs typeface="+mn-cs"/>
-              </a:rPr>
-              <a:t>F1-Score:0.8694190566235949</a:t>
-            </a:r>
-          </a:p>
-          <a:p>
-            <a:pPr lvl="1"/>
-            <a:r>
-              <a:rPr kumimoji="0" lang="en-US" sz="1200" b="0" i="0" u="none" strike="noStrike" kern="1200" cap="none" spc="0" normalizeH="0" baseline="0" noProof="0" dirty="0">
-                <a:ln>
-                  <a:noFill/>
-                </a:ln>
-                <a:effectLst/>
-                <a:uLnTx/>
-                <a:uFillTx/>
-                <a:latin typeface="Consolas" panose="020B0609020204030204" pitchFamily="49" charset="0"/>
-                <a:ea typeface="+mn-ea"/>
-                <a:cs typeface="+mn-cs"/>
-              </a:rPr>
-              <a:t>Precision Score: 0.7767974469682748</a:t>
-            </a:r>
-          </a:p>
-          <a:p>
-            <a:pPr lvl="1"/>
-            <a:r>
-              <a:rPr kumimoji="0" lang="en-US" sz="1200" b="0" i="0" u="none" strike="noStrike" kern="1200" cap="none" spc="0" normalizeH="0" baseline="0" noProof="0" dirty="0">
-                <a:ln>
-                  <a:noFill/>
-                </a:ln>
-                <a:effectLst/>
-                <a:uLnTx/>
-                <a:uFillTx/>
-                <a:latin typeface="Consolas" panose="020B0609020204030204" pitchFamily="49" charset="0"/>
-                <a:ea typeface="+mn-ea"/>
-                <a:cs typeface="+mn-cs"/>
-              </a:rPr>
-              <a:t>Recall Score: 0.987118320610687</a:t>
-            </a:r>
-          </a:p>
-          <a:p>
-            <a:pPr lvl="1"/>
-            <a:r>
-              <a:rPr kumimoji="0" lang="en-US" sz="1200" b="0" i="0" u="none" strike="noStrike" kern="1200" cap="none" spc="0" normalizeH="0" baseline="0" noProof="0" dirty="0">
-                <a:ln>
-                  <a:noFill/>
-                </a:ln>
-                <a:effectLst/>
-                <a:uLnTx/>
-                <a:uFillTx/>
-                <a:latin typeface="Consolas" panose="020B0609020204030204" pitchFamily="49" charset="0"/>
-                <a:ea typeface="+mn-ea"/>
-                <a:cs typeface="+mn-cs"/>
-              </a:rPr>
-              <a:t>ROC-AUC Score: 0.5719279546315846</a:t>
-            </a:r>
-          </a:p>
-          <a:p>
-            <a:pPr lvl="1"/>
-            <a:r>
-              <a:rPr kumimoji="0" lang="en-US" sz="1200" b="0" i="0" u="none" strike="noStrike" kern="1200" cap="none" spc="0" normalizeH="0" baseline="0" noProof="0" dirty="0">
-                <a:ln>
-                  <a:noFill/>
-                </a:ln>
-                <a:effectLst/>
-                <a:uLnTx/>
-                <a:uFillTx/>
-                <a:latin typeface="Consolas" panose="020B0609020204030204" pitchFamily="49" charset="0"/>
-                <a:ea typeface="+mn-ea"/>
-                <a:cs typeface="+mn-cs"/>
-              </a:rPr>
-              <a:t>Specificity: 0.15673758865248227</a:t>
-            </a:r>
-            <a:endParaRPr kumimoji="0" lang="es-ES" sz="1200" b="0" i="0" u="none" strike="noStrike" kern="1200" cap="none" spc="0" normalizeH="0" baseline="0" noProof="0" dirty="0">
-              <a:ln>
-                <a:noFill/>
-              </a:ln>
-              <a:effectLst/>
-              <a:uLnTx/>
-              <a:uFillTx/>
-              <a:latin typeface="Consolas" panose="020B0609020204030204" pitchFamily="49" charset="0"/>
-              <a:ea typeface="+mn-ea"/>
-              <a:cs typeface="+mn-cs"/>
-            </a:endParaRPr>
-          </a:p>
-          <a:p>
-            <a:pPr marR="0" lvl="0" algn="l" defTabSz="914400" rtl="0" eaLnBrk="1" fontAlgn="auto" latinLnBrk="0" hangingPunct="1">
-              <a:lnSpc>
-                <a:spcPct val="100000"/>
-              </a:lnSpc>
-              <a:spcBef>
-                <a:spcPts val="0"/>
-              </a:spcBef>
-              <a:spcAft>
-                <a:spcPts val="0"/>
-              </a:spcAft>
-              <a:buClrTx/>
-              <a:buSzTx/>
-              <a:tabLst/>
-              <a:defRPr/>
-            </a:pPr>
-            <a:r>
-              <a:rPr lang="es-ES" sz="1200" dirty="0">
-                <a:latin typeface="Consolas" panose="020B0609020204030204" pitchFamily="49" charset="0"/>
-              </a:rPr>
-              <a:t>2.</a:t>
-            </a:r>
-          </a:p>
-          <a:p>
-            <a:pPr lvl="1"/>
-            <a:r>
-              <a:rPr lang="en-US" sz="1200" dirty="0">
-                <a:latin typeface="Consolas" panose="020B0609020204030204" pitchFamily="49" charset="0"/>
-              </a:rPr>
-              <a:t>AUC: 0.9503748661192432</a:t>
-            </a:r>
-          </a:p>
-          <a:p>
-            <a:pPr lvl="1"/>
-            <a:r>
-              <a:rPr lang="en-US" sz="1200" dirty="0">
-                <a:latin typeface="Consolas" panose="020B0609020204030204" pitchFamily="49" charset="0"/>
-              </a:rPr>
-              <a:t>F1-Score:0.9745327958959326</a:t>
-            </a:r>
-          </a:p>
-          <a:p>
-            <a:pPr lvl="1"/>
-            <a:r>
-              <a:rPr lang="en-US" sz="1200" dirty="0">
-                <a:latin typeface="Consolas" panose="020B0609020204030204" pitchFamily="49" charset="0"/>
-              </a:rPr>
-              <a:t>Precision Score: 0.9984982166322508</a:t>
-            </a:r>
-          </a:p>
-          <a:p>
-            <a:pPr lvl="1"/>
-            <a:r>
-              <a:rPr lang="en-US" sz="1200" dirty="0">
-                <a:latin typeface="Consolas" panose="020B0609020204030204" pitchFamily="49" charset="0"/>
-              </a:rPr>
-              <a:t>Recall Score: 0.9516908212560387</a:t>
-            </a:r>
-          </a:p>
-          <a:p>
-            <a:pPr lvl="1"/>
-            <a:r>
-              <a:rPr lang="en-US" sz="1200" dirty="0">
-                <a:latin typeface="Consolas" panose="020B0609020204030204" pitchFamily="49" charset="0"/>
-              </a:rPr>
-              <a:t>ROC-AUC Score: 0.6681531029357116</a:t>
-            </a:r>
-          </a:p>
-          <a:p>
-            <a:pPr lvl="1"/>
-            <a:r>
-              <a:rPr lang="en-US" sz="1200" dirty="0">
-                <a:latin typeface="Consolas" panose="020B0609020204030204" pitchFamily="49" charset="0"/>
-              </a:rPr>
-              <a:t>Specificity: 0.38461538461538464</a:t>
-            </a:r>
-            <a:endParaRPr lang="es-ES" sz="1200" dirty="0">
-              <a:latin typeface="Consolas" panose="020B0609020204030204" pitchFamily="49" charset="0"/>
-            </a:endParaRPr>
-          </a:p>
-          <a:p>
-            <a:pPr marR="0" lvl="0" algn="l" defTabSz="914400" rtl="0" eaLnBrk="1" fontAlgn="auto" latinLnBrk="0" hangingPunct="1">
-              <a:lnSpc>
-                <a:spcPct val="100000"/>
-              </a:lnSpc>
-              <a:spcBef>
-                <a:spcPts val="0"/>
-              </a:spcBef>
-              <a:spcAft>
-                <a:spcPts val="0"/>
-              </a:spcAft>
-              <a:buClrTx/>
-              <a:buSzTx/>
-              <a:tabLst/>
-              <a:defRPr/>
-            </a:pPr>
-            <a:r>
-              <a:rPr lang="es-ES" sz="1200" dirty="0">
-                <a:latin typeface="Consolas" panose="020B0609020204030204" pitchFamily="49" charset="0"/>
-              </a:rPr>
-              <a:t>3.</a:t>
-            </a:r>
-          </a:p>
-          <a:p>
-            <a:pPr lvl="1">
-              <a:defRPr/>
-            </a:pPr>
-            <a:r>
-              <a:rPr lang="en-US" sz="1200" dirty="0">
-                <a:latin typeface="Consolas" panose="020B0609020204030204" pitchFamily="49" charset="0"/>
-              </a:rPr>
-              <a:t>AUC: 0.978246539222149</a:t>
-            </a:r>
-          </a:p>
-          <a:p>
-            <a:pPr lvl="1">
-              <a:defRPr/>
-            </a:pPr>
-            <a:r>
-              <a:rPr lang="en-US" sz="1200" dirty="0">
-                <a:latin typeface="Consolas" panose="020B0609020204030204" pitchFamily="49" charset="0"/>
-              </a:rPr>
-              <a:t>F1-Score:0.9780439121756487</a:t>
-            </a:r>
-          </a:p>
-          <a:p>
-            <a:pPr lvl="1">
-              <a:defRPr/>
-            </a:pPr>
-            <a:r>
-              <a:rPr lang="en-US" sz="1200" dirty="0">
-                <a:latin typeface="Consolas" panose="020B0609020204030204" pitchFamily="49" charset="0"/>
-              </a:rPr>
-              <a:t>Precision Score: 0.95703125</a:t>
-            </a:r>
-          </a:p>
-          <a:p>
-            <a:pPr lvl="1">
-              <a:defRPr/>
-            </a:pPr>
-            <a:r>
-              <a:rPr lang="en-US" sz="1200" dirty="0">
-                <a:latin typeface="Consolas" panose="020B0609020204030204" pitchFamily="49" charset="0"/>
-              </a:rPr>
-              <a:t>Recall Score: 1.0</a:t>
-            </a:r>
-          </a:p>
-          <a:p>
-            <a:pPr lvl="1">
-              <a:defRPr/>
-            </a:pPr>
-            <a:r>
-              <a:rPr lang="en-US" sz="1200" dirty="0">
-                <a:latin typeface="Consolas" panose="020B0609020204030204" pitchFamily="49" charset="0"/>
-              </a:rPr>
-              <a:t>ROC-AUC Score: 0.9789002557544757</a:t>
-            </a:r>
-          </a:p>
-          <a:p>
-            <a:pPr lvl="1">
-              <a:defRPr/>
-            </a:pPr>
-            <a:r>
-              <a:rPr lang="en-US" sz="1200" dirty="0">
-                <a:latin typeface="Consolas" panose="020B0609020204030204" pitchFamily="49" charset="0"/>
-              </a:rPr>
-              <a:t>Specificity: 0.9578005115089514</a:t>
-            </a:r>
-            <a:endParaRPr lang="es-ES" sz="1200" dirty="0">
-              <a:latin typeface="Consolas" panose="020B0609020204030204" pitchFamily="49" charset="0"/>
-            </a:endParaRPr>
-          </a:p>
-          <a:p>
-            <a:endParaRPr lang="es-ES" dirty="0"/>
+            <a:pPr algn="ctr"/>
+            <a:endParaRPr lang="es-ES"/>
           </a:p>
         </p:txBody>
       </p:sp>
-      <p:pic>
-        <p:nvPicPr>
-          <p:cNvPr id="3" name="Imagen 2" descr="Gráfico, Histograma&#10;&#10;Descripción generada automáticamente">
-            <a:extLst>
-              <a:ext uri="{FF2B5EF4-FFF2-40B4-BE49-F238E27FC236}">
-                <a16:creationId xmlns:a16="http://schemas.microsoft.com/office/drawing/2014/main" id="{12D13B6C-1317-B6BC-8D84-E7F76F2486A6}"/>
-              </a:ext>
-            </a:extLst>
-          </p:cNvPr>
-          <p:cNvPicPr>
-            <a:picLocks noChangeAspect="1"/>
-          </p:cNvPicPr>
+      <p:sp>
+        <p:nvSpPr>
+          <p:cNvPr id="2" name="Rectángulo 1">
+            <a:extLst>
+              <a:ext uri="{FF2B5EF4-FFF2-40B4-BE49-F238E27FC236}">
+                <a16:creationId xmlns:a16="http://schemas.microsoft.com/office/drawing/2014/main" id="{BC8A958E-F606-2EF2-673E-4C60D98C4966}"/>
+              </a:ext>
+            </a:extLst>
+          </p:cNvPr>
+          <p:cNvSpPr/>
           <p:nvPr/>
-        </p:nvPicPr>
-        <p:blipFill>
-          <a:blip r:embed="rId2">
-            <a:extLst>
-              <a:ext uri="{28A0092B-C50C-407E-A947-70E740481C1C}">
-                <a14:useLocalDpi xmlns:a14="http://schemas.microsoft.com/office/drawing/2010/main" val="0"/>
-              </a:ext>
-            </a:extLst>
-          </a:blip>
-          <a:stretch>
-            <a:fillRect/>
-          </a:stretch>
-        </p:blipFill>
+        </p:nvSpPr>
         <p:spPr>
           <a:xfrm>
-            <a:off x="8891431" y="969153"/>
-            <a:ext cx="2717298" cy="2759755"/>
+            <a:off x="7086600" y="3429000"/>
+            <a:ext cx="1066800" cy="566057"/>
           </a:xfrm>
           <a:prstGeom prst="rect">
             <a:avLst/>
           </a:prstGeom>
+          <a:noFill/>
+          <a:ln w="38100">
+            <a:solidFill>
+              <a:schemeClr val="accent5">
+                <a:lumMod val="75000"/>
+              </a:schemeClr>
+            </a:solidFill>
+          </a:ln>
         </p:spPr>
-      </p:pic>
-      <p:pic>
-        <p:nvPicPr>
-          <p:cNvPr id="9" name="Imagen 8" descr="Gráfico&#10;&#10;Descripción generada automáticamente con confianza media">
-            <a:extLst>
-              <a:ext uri="{FF2B5EF4-FFF2-40B4-BE49-F238E27FC236}">
-                <a16:creationId xmlns:a16="http://schemas.microsoft.com/office/drawing/2014/main" id="{B78533F0-AC27-91BD-263C-84EA2CA74331}"/>
-              </a:ext>
-            </a:extLst>
-          </p:cNvPr>
-          <p:cNvPicPr>
-            <a:picLocks noChangeAspect="1"/>
-          </p:cNvPicPr>
-          <p:nvPr/>
-        </p:nvPicPr>
-        <p:blipFill>
-          <a:blip r:embed="rId3">
-            <a:extLst>
-              <a:ext uri="{28A0092B-C50C-407E-A947-70E740481C1C}">
-                <a14:useLocalDpi xmlns:a14="http://schemas.microsoft.com/office/drawing/2010/main" val="0"/>
-              </a:ext>
-            </a:extLst>
-          </a:blip>
-          <a:stretch>
-            <a:fillRect/>
-          </a:stretch>
-        </p:blipFill>
-        <p:spPr>
-          <a:xfrm>
-            <a:off x="7109207" y="3731903"/>
-            <a:ext cx="3532038" cy="2762749"/>
-          </a:xfrm>
-          <a:prstGeom prst="rect">
-            <a:avLst/>
-          </a:prstGeom>
-        </p:spPr>
-      </p:pic>
-      <p:pic>
-        <p:nvPicPr>
-          <p:cNvPr id="12" name="Imagen 11" descr="Gráfico, Gráfico de líneas&#10;&#10;Descripción generada automáticamente">
-            <a:extLst>
-              <a:ext uri="{FF2B5EF4-FFF2-40B4-BE49-F238E27FC236}">
-                <a16:creationId xmlns:a16="http://schemas.microsoft.com/office/drawing/2014/main" id="{64207BEB-366D-A401-3743-B26568BB9673}"/>
-              </a:ext>
-            </a:extLst>
-          </p:cNvPr>
-          <p:cNvPicPr>
-            <a:picLocks noChangeAspect="1"/>
-          </p:cNvPicPr>
-          <p:nvPr/>
-        </p:nvPicPr>
-        <p:blipFill>
-          <a:blip r:embed="rId4">
-            <a:extLst>
-              <a:ext uri="{28A0092B-C50C-407E-A947-70E740481C1C}">
-                <a14:useLocalDpi xmlns:a14="http://schemas.microsoft.com/office/drawing/2010/main" val="0"/>
-              </a:ext>
-            </a:extLst>
-          </a:blip>
-          <a:stretch>
-            <a:fillRect/>
-          </a:stretch>
-        </p:blipFill>
-        <p:spPr>
-          <a:xfrm>
-            <a:off x="5920573" y="1099521"/>
-            <a:ext cx="2717298" cy="2632381"/>
-          </a:xfrm>
-          <a:prstGeom prst="rect">
-            <a:avLst/>
-          </a:prstGeom>
-        </p:spPr>
-      </p:pic>
+        <p:style>
+          <a:lnRef idx="2">
+            <a:schemeClr val="accent1">
+              <a:shade val="15000"/>
+            </a:schemeClr>
+          </a:lnRef>
+          <a:fillRef idx="1">
+            <a:schemeClr val="accent1"/>
+          </a:fillRef>
+          <a:effectRef idx="0">
+            <a:schemeClr val="accent1"/>
+          </a:effectRef>
+          <a:fontRef idx="minor">
+            <a:schemeClr val="lt1"/>
+          </a:fontRef>
+        </p:style>
+        <p:txBody>
+          <a:bodyPr rtlCol="0" anchor="ctr"/>
+          <a:lstStyle/>
+          <a:p>
+            <a:pPr algn="ctr"/>
+            <a:endParaRPr lang="es-ES"/>
+          </a:p>
+        </p:txBody>
+      </p:sp>
     </p:spTree>
     <p:extLst>
       <p:ext uri="{BB962C8B-B14F-4D97-AF65-F5344CB8AC3E}">
-        <p14:creationId xmlns:p14="http://schemas.microsoft.com/office/powerpoint/2010/main" val="1857006655"/>
+        <p14:creationId xmlns:p14="http://schemas.microsoft.com/office/powerpoint/2010/main" val="3482796349"/>
       </p:ext>
     </p:extLst>
   </p:cSld>
@@ -8631,6 +8761,42 @@
           <a:chExt cx="0" cy="0"/>
         </a:xfrm>
       </p:grpSpPr>
+      <p:pic>
+        <p:nvPicPr>
+          <p:cNvPr id="16" name="Imagen 15" descr="Imagen en blanco y negro&#10;&#10;Descripción generada automáticamente con confianza media">
+            <a:extLst>
+              <a:ext uri="{FF2B5EF4-FFF2-40B4-BE49-F238E27FC236}">
+                <a16:creationId xmlns:a16="http://schemas.microsoft.com/office/drawing/2014/main" id="{17301B87-7779-7CEB-2437-0870080DA44F}"/>
+              </a:ext>
+            </a:extLst>
+          </p:cNvPr>
+          <p:cNvPicPr>
+            <a:picLocks noChangeAspect="1"/>
+          </p:cNvPicPr>
+          <p:nvPr/>
+        </p:nvPicPr>
+        <p:blipFill>
+          <a:blip r:embed="rId2">
+            <a:extLst>
+              <a:ext uri="{28A0092B-C50C-407E-A947-70E740481C1C}">
+                <a14:useLocalDpi xmlns:a14="http://schemas.microsoft.com/office/drawing/2010/main" val="0"/>
+              </a:ext>
+            </a:extLst>
+          </a:blip>
+          <a:stretch>
+            <a:fillRect/>
+          </a:stretch>
+        </p:blipFill>
+        <p:spPr>
+          <a:xfrm>
+            <a:off x="6618383" y="1730991"/>
+            <a:ext cx="4157944" cy="3396017"/>
+          </a:xfrm>
+          <a:prstGeom prst="rect">
+            <a:avLst/>
+          </a:prstGeom>
+        </p:spPr>
+      </p:pic>
       <p:sp>
         <p:nvSpPr>
           <p:cNvPr id="10" name="Forma libre: forma 9">
@@ -8939,7 +9105,7 @@
                 <a:ea typeface="ADLaM Display" panose="020F0502020204030204" pitchFamily="2" charset="0"/>
                 <a:cs typeface="ADLaM Display" panose="020F0502020204030204" pitchFamily="2" charset="0"/>
               </a:rPr>
-              <a:t>EVALUACIÓN</a:t>
+              <a:t>RESULTADOS Y EVALUACIÓN</a:t>
             </a:r>
             <a:endParaRPr kumimoji="0" lang="es-ES" sz="1200" b="0" i="0" u="none" strike="noStrike" kern="1200" cap="none" spc="0" normalizeH="0" baseline="0" noProof="0" dirty="0">
               <a:ln>
@@ -8960,10 +9126,172 @@
       </p:sp>
       <p:sp>
         <p:nvSpPr>
-          <p:cNvPr id="7" name="Rectángulo 6">
-            <a:extLst>
-              <a:ext uri="{FF2B5EF4-FFF2-40B4-BE49-F238E27FC236}">
-                <a16:creationId xmlns:a16="http://schemas.microsoft.com/office/drawing/2014/main" id="{FE7A6475-0FA4-714D-B692-0C3993E04FCE}"/>
+          <p:cNvPr id="6" name="CuadroTexto 5">
+            <a:extLst>
+              <a:ext uri="{FF2B5EF4-FFF2-40B4-BE49-F238E27FC236}">
+                <a16:creationId xmlns:a16="http://schemas.microsoft.com/office/drawing/2014/main" id="{C057B389-0A28-73BD-73C4-D826EA88D7A4}"/>
+              </a:ext>
+            </a:extLst>
+          </p:cNvPr>
+          <p:cNvSpPr txBox="1"/>
+          <p:nvPr/>
+        </p:nvSpPr>
+        <p:spPr>
+          <a:xfrm>
+            <a:off x="738972" y="2256668"/>
+            <a:ext cx="5057671" cy="1815882"/>
+          </a:xfrm>
+          <a:prstGeom prst="rect">
+            <a:avLst/>
+          </a:prstGeom>
+          <a:noFill/>
+        </p:spPr>
+        <p:txBody>
+          <a:bodyPr wrap="square" rtlCol="0">
+            <a:spAutoFit/>
+          </a:bodyPr>
+          <a:lstStyle/>
+          <a:p>
+            <a:pPr marL="0" marR="0" lvl="0" indent="0" algn="l" defTabSz="914400" rtl="0" eaLnBrk="1" fontAlgn="auto" latinLnBrk="0" hangingPunct="1">
+              <a:lnSpc>
+                <a:spcPct val="100000"/>
+              </a:lnSpc>
+              <a:spcBef>
+                <a:spcPts val="0"/>
+              </a:spcBef>
+              <a:spcAft>
+                <a:spcPts val="0"/>
+              </a:spcAft>
+              <a:buClrTx/>
+              <a:buSzTx/>
+              <a:buFontTx/>
+              <a:buNone/>
+              <a:tabLst/>
+              <a:defRPr/>
+            </a:pPr>
+            <a:r>
+              <a:rPr kumimoji="0" lang="es-ES" sz="2800" b="1" i="0" u="none" strike="noStrike" kern="1200" cap="none" spc="0" normalizeH="0" baseline="0" noProof="0" dirty="0">
+                <a:ln>
+                  <a:noFill/>
+                </a:ln>
+                <a:effectLst/>
+                <a:uLnTx/>
+                <a:uFillTx/>
+                <a:latin typeface="Consolas" panose="020B0609020204030204" pitchFamily="49" charset="0"/>
+                <a:ea typeface="+mn-ea"/>
+                <a:cs typeface="+mn-cs"/>
+              </a:rPr>
+              <a:t>Mejor</a:t>
+            </a:r>
+            <a:r>
+              <a:rPr lang="es-ES" sz="2800" b="1" dirty="0">
+                <a:latin typeface="Consolas" panose="020B0609020204030204" pitchFamily="49" charset="0"/>
+              </a:rPr>
+              <a:t>es modelos:</a:t>
+            </a:r>
+          </a:p>
+          <a:p>
+            <a:pPr marL="228600" marR="0" lvl="0" indent="-228600" algn="l" defTabSz="914400" rtl="0" eaLnBrk="1" fontAlgn="auto" latinLnBrk="0" hangingPunct="1">
+              <a:lnSpc>
+                <a:spcPct val="100000"/>
+              </a:lnSpc>
+              <a:spcBef>
+                <a:spcPts val="0"/>
+              </a:spcBef>
+              <a:spcAft>
+                <a:spcPts val="0"/>
+              </a:spcAft>
+              <a:buClrTx/>
+              <a:buSzTx/>
+              <a:buFont typeface="+mj-lt"/>
+              <a:buAutoNum type="arabicPeriod"/>
+              <a:tabLst/>
+              <a:defRPr/>
+            </a:pPr>
+            <a:r>
+              <a:rPr lang="es-ES" sz="2800" b="1" dirty="0" err="1">
+                <a:latin typeface="Consolas" panose="020B0609020204030204" pitchFamily="49" charset="0"/>
+              </a:rPr>
+              <a:t>Tree</a:t>
+            </a:r>
+            <a:endParaRPr kumimoji="0" lang="es-ES" sz="2800" b="1" i="0" u="none" strike="noStrike" kern="1200" cap="none" spc="0" normalizeH="0" baseline="0" noProof="0" dirty="0">
+              <a:ln>
+                <a:noFill/>
+              </a:ln>
+              <a:effectLst/>
+              <a:uLnTx/>
+              <a:uFillTx/>
+              <a:latin typeface="Consolas" panose="020B0609020204030204" pitchFamily="49" charset="0"/>
+              <a:ea typeface="+mn-ea"/>
+              <a:cs typeface="+mn-cs"/>
+            </a:endParaRPr>
+          </a:p>
+          <a:p>
+            <a:pPr marL="228600" marR="0" lvl="0" indent="-228600" algn="l" defTabSz="914400" rtl="0" eaLnBrk="1" fontAlgn="auto" latinLnBrk="0" hangingPunct="1">
+              <a:lnSpc>
+                <a:spcPct val="100000"/>
+              </a:lnSpc>
+              <a:spcBef>
+                <a:spcPts val="0"/>
+              </a:spcBef>
+              <a:spcAft>
+                <a:spcPts val="0"/>
+              </a:spcAft>
+              <a:buClrTx/>
+              <a:buSzTx/>
+              <a:buFont typeface="+mj-lt"/>
+              <a:buAutoNum type="arabicPeriod"/>
+              <a:tabLst/>
+              <a:defRPr/>
+            </a:pPr>
+            <a:r>
+              <a:rPr lang="es-ES" sz="2800" b="1" dirty="0">
+                <a:latin typeface="Consolas" panose="020B0609020204030204" pitchFamily="49" charset="0"/>
+              </a:rPr>
+              <a:t>Reg. Log.</a:t>
+            </a:r>
+          </a:p>
+          <a:p>
+            <a:pPr marL="228600" marR="0" lvl="0" indent="-228600" algn="l" defTabSz="914400" rtl="0" eaLnBrk="1" fontAlgn="auto" latinLnBrk="0" hangingPunct="1">
+              <a:lnSpc>
+                <a:spcPct val="100000"/>
+              </a:lnSpc>
+              <a:spcBef>
+                <a:spcPts val="0"/>
+              </a:spcBef>
+              <a:spcAft>
+                <a:spcPts val="0"/>
+              </a:spcAft>
+              <a:buClrTx/>
+              <a:buSzTx/>
+              <a:buFont typeface="+mj-lt"/>
+              <a:buAutoNum type="arabicPeriod"/>
+              <a:tabLst/>
+              <a:defRPr/>
+            </a:pPr>
+            <a:r>
+              <a:rPr kumimoji="0" lang="es-ES" sz="2800" b="1" i="0" u="none" strike="noStrike" kern="1200" cap="none" spc="0" normalizeH="0" baseline="0" noProof="0" dirty="0">
+                <a:ln>
+                  <a:noFill/>
+                </a:ln>
+                <a:effectLst/>
+                <a:uLnTx/>
+                <a:uFillTx/>
+                <a:latin typeface="Consolas" panose="020B0609020204030204" pitchFamily="49" charset="0"/>
+                <a:ea typeface="+mn-ea"/>
+                <a:cs typeface="+mn-cs"/>
+              </a:rPr>
+              <a:t>KNN</a:t>
+            </a:r>
+          </a:p>
+        </p:txBody>
+      </p:sp>
+      <p:sp>
+        <p:nvSpPr>
+          <p:cNvPr id="2" name="Rectángulo 1">
+            <a:extLst>
+              <a:ext uri="{FF2B5EF4-FFF2-40B4-BE49-F238E27FC236}">
+                <a16:creationId xmlns:a16="http://schemas.microsoft.com/office/drawing/2014/main" id="{C2D8053F-FA3E-5306-099F-0AD2A29F61A5}"/>
               </a:ext>
             </a:extLst>
           </p:cNvPr>
@@ -9010,492 +9338,10 @@
           </a:p>
         </p:txBody>
       </p:sp>
-      <p:sp>
-        <p:nvSpPr>
-          <p:cNvPr id="8" name="CuadroTexto 7">
-            <a:extLst>
-              <a:ext uri="{FF2B5EF4-FFF2-40B4-BE49-F238E27FC236}">
-                <a16:creationId xmlns:a16="http://schemas.microsoft.com/office/drawing/2014/main" id="{2E7DFE96-9053-E82C-F5B3-482CBCC6A5E1}"/>
-              </a:ext>
-            </a:extLst>
-          </p:cNvPr>
-          <p:cNvSpPr txBox="1"/>
-          <p:nvPr/>
-        </p:nvSpPr>
-        <p:spPr>
-          <a:xfrm>
-            <a:off x="738973" y="2225727"/>
-            <a:ext cx="5181600" cy="4431983"/>
-          </a:xfrm>
-          <a:prstGeom prst="rect">
-            <a:avLst/>
-          </a:prstGeom>
-          <a:noFill/>
-        </p:spPr>
-        <p:txBody>
-          <a:bodyPr wrap="square" rtlCol="0">
-            <a:spAutoFit/>
-          </a:bodyPr>
-          <a:lstStyle/>
-          <a:p>
-            <a:pPr marR="0" lvl="0" algn="l" defTabSz="914400" rtl="0" eaLnBrk="1" fontAlgn="auto" latinLnBrk="0" hangingPunct="1">
-              <a:lnSpc>
-                <a:spcPct val="100000"/>
-              </a:lnSpc>
-              <a:spcBef>
-                <a:spcPts val="0"/>
-              </a:spcBef>
-              <a:spcAft>
-                <a:spcPts val="0"/>
-              </a:spcAft>
-              <a:buClrTx/>
-              <a:buSzTx/>
-              <a:tabLst/>
-              <a:defRPr/>
-            </a:pPr>
-            <a:r>
-              <a:rPr kumimoji="0" lang="es-ES" sz="1200" b="1" i="0" u="none" strike="noStrike" kern="1200" cap="none" spc="0" normalizeH="0" baseline="0" noProof="0" dirty="0">
-                <a:ln>
-                  <a:noFill/>
-                </a:ln>
-                <a:effectLst/>
-                <a:uLnTx/>
-                <a:uFillTx/>
-                <a:latin typeface="Consolas" panose="020B0609020204030204" pitchFamily="49" charset="0"/>
-                <a:ea typeface="+mn-ea"/>
-                <a:cs typeface="+mn-cs"/>
-              </a:rPr>
-              <a:t>Métricas:</a:t>
-            </a:r>
-            <a:endParaRPr lang="en-US" sz="1200" b="1" dirty="0">
-              <a:latin typeface="Consolas" panose="020B0609020204030204" pitchFamily="49" charset="0"/>
-            </a:endParaRPr>
-          </a:p>
-          <a:p>
-            <a:pPr marR="0" lvl="0" algn="l" defTabSz="914400" rtl="0" eaLnBrk="1" fontAlgn="auto" latinLnBrk="0" hangingPunct="1">
-              <a:lnSpc>
-                <a:spcPct val="100000"/>
-              </a:lnSpc>
-              <a:spcBef>
-                <a:spcPts val="0"/>
-              </a:spcBef>
-              <a:spcAft>
-                <a:spcPts val="0"/>
-              </a:spcAft>
-              <a:buClrTx/>
-              <a:buSzTx/>
-              <a:tabLst/>
-              <a:defRPr/>
-            </a:pPr>
-            <a:r>
-              <a:rPr lang="en-US" sz="1200" dirty="0">
-                <a:latin typeface="Consolas" panose="020B0609020204030204" pitchFamily="49" charset="0"/>
-              </a:rPr>
-              <a:t>1. </a:t>
-            </a:r>
-          </a:p>
-          <a:p>
-            <a:pPr lvl="1"/>
-            <a:r>
-              <a:rPr kumimoji="0" lang="en-US" sz="1200" b="0" i="0" u="none" strike="noStrike" kern="1200" cap="none" spc="0" normalizeH="0" baseline="0" noProof="0" dirty="0">
-                <a:ln>
-                  <a:noFill/>
-                </a:ln>
-                <a:effectLst/>
-                <a:uLnTx/>
-                <a:uFillTx/>
-                <a:latin typeface="Consolas" panose="020B0609020204030204" pitchFamily="49" charset="0"/>
-                <a:ea typeface="+mn-ea"/>
-                <a:cs typeface="+mn-cs"/>
-              </a:rPr>
-              <a:t>AUC: 0.7781149589432346</a:t>
-            </a:r>
-          </a:p>
-          <a:p>
-            <a:pPr lvl="1"/>
-            <a:r>
-              <a:rPr kumimoji="0" lang="en-US" sz="1200" b="0" i="0" u="none" strike="noStrike" kern="1200" cap="none" spc="0" normalizeH="0" baseline="0" noProof="0" dirty="0">
-                <a:ln>
-                  <a:noFill/>
-                </a:ln>
-                <a:effectLst/>
-                <a:uLnTx/>
-                <a:uFillTx/>
-                <a:latin typeface="Consolas" panose="020B0609020204030204" pitchFamily="49" charset="0"/>
-                <a:ea typeface="+mn-ea"/>
-                <a:cs typeface="+mn-cs"/>
-              </a:rPr>
-              <a:t>F1-Score:0.8694190566235949</a:t>
-            </a:r>
-          </a:p>
-          <a:p>
-            <a:pPr lvl="1"/>
-            <a:r>
-              <a:rPr kumimoji="0" lang="en-US" sz="1200" b="0" i="0" u="none" strike="noStrike" kern="1200" cap="none" spc="0" normalizeH="0" baseline="0" noProof="0" dirty="0">
-                <a:ln>
-                  <a:noFill/>
-                </a:ln>
-                <a:effectLst/>
-                <a:uLnTx/>
-                <a:uFillTx/>
-                <a:latin typeface="Consolas" panose="020B0609020204030204" pitchFamily="49" charset="0"/>
-                <a:ea typeface="+mn-ea"/>
-                <a:cs typeface="+mn-cs"/>
-              </a:rPr>
-              <a:t>Precision Score: 0.7767974469682748</a:t>
-            </a:r>
-          </a:p>
-          <a:p>
-            <a:pPr lvl="1"/>
-            <a:r>
-              <a:rPr kumimoji="0" lang="en-US" sz="1200" b="0" i="0" u="none" strike="noStrike" kern="1200" cap="none" spc="0" normalizeH="0" baseline="0" noProof="0" dirty="0">
-                <a:ln>
-                  <a:noFill/>
-                </a:ln>
-                <a:effectLst/>
-                <a:uLnTx/>
-                <a:uFillTx/>
-                <a:latin typeface="Consolas" panose="020B0609020204030204" pitchFamily="49" charset="0"/>
-                <a:ea typeface="+mn-ea"/>
-                <a:cs typeface="+mn-cs"/>
-              </a:rPr>
-              <a:t>Recall Score: 0.987118320610687</a:t>
-            </a:r>
-          </a:p>
-          <a:p>
-            <a:pPr lvl="1"/>
-            <a:r>
-              <a:rPr kumimoji="0" lang="en-US" sz="1200" b="0" i="0" u="none" strike="noStrike" kern="1200" cap="none" spc="0" normalizeH="0" baseline="0" noProof="0" dirty="0">
-                <a:ln>
-                  <a:noFill/>
-                </a:ln>
-                <a:effectLst/>
-                <a:uLnTx/>
-                <a:uFillTx/>
-                <a:latin typeface="Consolas" panose="020B0609020204030204" pitchFamily="49" charset="0"/>
-                <a:ea typeface="+mn-ea"/>
-                <a:cs typeface="+mn-cs"/>
-              </a:rPr>
-              <a:t>ROC-AUC Score: 0.5719279546315846</a:t>
-            </a:r>
-          </a:p>
-          <a:p>
-            <a:pPr lvl="1"/>
-            <a:r>
-              <a:rPr kumimoji="0" lang="en-US" sz="1200" b="0" i="0" u="none" strike="noStrike" kern="1200" cap="none" spc="0" normalizeH="0" baseline="0" noProof="0" dirty="0">
-                <a:ln>
-                  <a:noFill/>
-                </a:ln>
-                <a:effectLst/>
-                <a:uLnTx/>
-                <a:uFillTx/>
-                <a:latin typeface="Consolas" panose="020B0609020204030204" pitchFamily="49" charset="0"/>
-                <a:ea typeface="+mn-ea"/>
-                <a:cs typeface="+mn-cs"/>
-              </a:rPr>
-              <a:t>Specificity: 0.15673758865248227</a:t>
-            </a:r>
-            <a:endParaRPr kumimoji="0" lang="es-ES" sz="1200" b="0" i="0" u="none" strike="noStrike" kern="1200" cap="none" spc="0" normalizeH="0" baseline="0" noProof="0" dirty="0">
-              <a:ln>
-                <a:noFill/>
-              </a:ln>
-              <a:effectLst/>
-              <a:uLnTx/>
-              <a:uFillTx/>
-              <a:latin typeface="Consolas" panose="020B0609020204030204" pitchFamily="49" charset="0"/>
-              <a:ea typeface="+mn-ea"/>
-              <a:cs typeface="+mn-cs"/>
-            </a:endParaRPr>
-          </a:p>
-          <a:p>
-            <a:pPr marR="0" lvl="0" algn="l" defTabSz="914400" rtl="0" eaLnBrk="1" fontAlgn="auto" latinLnBrk="0" hangingPunct="1">
-              <a:lnSpc>
-                <a:spcPct val="100000"/>
-              </a:lnSpc>
-              <a:spcBef>
-                <a:spcPts val="0"/>
-              </a:spcBef>
-              <a:spcAft>
-                <a:spcPts val="0"/>
-              </a:spcAft>
-              <a:buClrTx/>
-              <a:buSzTx/>
-              <a:tabLst/>
-              <a:defRPr/>
-            </a:pPr>
-            <a:r>
-              <a:rPr lang="es-ES" sz="1200" dirty="0">
-                <a:latin typeface="Consolas" panose="020B0609020204030204" pitchFamily="49" charset="0"/>
-              </a:rPr>
-              <a:t>2.</a:t>
-            </a:r>
-          </a:p>
-          <a:p>
-            <a:pPr lvl="1"/>
-            <a:r>
-              <a:rPr lang="en-US" sz="1200" dirty="0">
-                <a:latin typeface="Consolas" panose="020B0609020204030204" pitchFamily="49" charset="0"/>
-              </a:rPr>
-              <a:t>AUC: 0.9503748661192432</a:t>
-            </a:r>
-          </a:p>
-          <a:p>
-            <a:pPr lvl="1"/>
-            <a:r>
-              <a:rPr lang="en-US" sz="1200" dirty="0">
-                <a:latin typeface="Consolas" panose="020B0609020204030204" pitchFamily="49" charset="0"/>
-              </a:rPr>
-              <a:t>F1-Score:0.9745327958959326</a:t>
-            </a:r>
-          </a:p>
-          <a:p>
-            <a:pPr lvl="1"/>
-            <a:r>
-              <a:rPr lang="en-US" sz="1200" dirty="0">
-                <a:latin typeface="Consolas" panose="020B0609020204030204" pitchFamily="49" charset="0"/>
-              </a:rPr>
-              <a:t>Precision Score: 0.9984982166322508</a:t>
-            </a:r>
-          </a:p>
-          <a:p>
-            <a:pPr lvl="1"/>
-            <a:r>
-              <a:rPr lang="en-US" sz="1200" dirty="0">
-                <a:latin typeface="Consolas" panose="020B0609020204030204" pitchFamily="49" charset="0"/>
-              </a:rPr>
-              <a:t>Recall Score: 0.9516908212560387</a:t>
-            </a:r>
-          </a:p>
-          <a:p>
-            <a:pPr lvl="1"/>
-            <a:r>
-              <a:rPr lang="en-US" sz="1200" dirty="0">
-                <a:latin typeface="Consolas" panose="020B0609020204030204" pitchFamily="49" charset="0"/>
-              </a:rPr>
-              <a:t>ROC-AUC Score: 0.6681531029357116</a:t>
-            </a:r>
-          </a:p>
-          <a:p>
-            <a:pPr lvl="1"/>
-            <a:r>
-              <a:rPr lang="en-US" sz="1200" dirty="0">
-                <a:latin typeface="Consolas" panose="020B0609020204030204" pitchFamily="49" charset="0"/>
-              </a:rPr>
-              <a:t>Specificity: 0.38461538461538464</a:t>
-            </a:r>
-            <a:endParaRPr lang="es-ES" sz="1200" dirty="0">
-              <a:latin typeface="Consolas" panose="020B0609020204030204" pitchFamily="49" charset="0"/>
-            </a:endParaRPr>
-          </a:p>
-          <a:p>
-            <a:pPr marR="0" lvl="0" algn="l" defTabSz="914400" rtl="0" eaLnBrk="1" fontAlgn="auto" latinLnBrk="0" hangingPunct="1">
-              <a:lnSpc>
-                <a:spcPct val="100000"/>
-              </a:lnSpc>
-              <a:spcBef>
-                <a:spcPts val="0"/>
-              </a:spcBef>
-              <a:spcAft>
-                <a:spcPts val="0"/>
-              </a:spcAft>
-              <a:buClrTx/>
-              <a:buSzTx/>
-              <a:tabLst/>
-              <a:defRPr/>
-            </a:pPr>
-            <a:r>
-              <a:rPr lang="es-ES" sz="1200" dirty="0">
-                <a:latin typeface="Consolas" panose="020B0609020204030204" pitchFamily="49" charset="0"/>
-              </a:rPr>
-              <a:t>3.</a:t>
-            </a:r>
-          </a:p>
-          <a:p>
-            <a:pPr lvl="1">
-              <a:defRPr/>
-            </a:pPr>
-            <a:r>
-              <a:rPr lang="en-US" sz="1200" dirty="0">
-                <a:latin typeface="Consolas" panose="020B0609020204030204" pitchFamily="49" charset="0"/>
-              </a:rPr>
-              <a:t>AUC: 0.978246539222149</a:t>
-            </a:r>
-          </a:p>
-          <a:p>
-            <a:pPr lvl="1">
-              <a:defRPr/>
-            </a:pPr>
-            <a:r>
-              <a:rPr lang="en-US" sz="1200" dirty="0">
-                <a:latin typeface="Consolas" panose="020B0609020204030204" pitchFamily="49" charset="0"/>
-              </a:rPr>
-              <a:t>F1-Score:0.9780439121756487</a:t>
-            </a:r>
-          </a:p>
-          <a:p>
-            <a:pPr lvl="1">
-              <a:defRPr/>
-            </a:pPr>
-            <a:r>
-              <a:rPr lang="en-US" sz="1200" dirty="0">
-                <a:latin typeface="Consolas" panose="020B0609020204030204" pitchFamily="49" charset="0"/>
-              </a:rPr>
-              <a:t>Precision Score: 0.95703125</a:t>
-            </a:r>
-          </a:p>
-          <a:p>
-            <a:pPr lvl="1">
-              <a:defRPr/>
-            </a:pPr>
-            <a:r>
-              <a:rPr lang="en-US" sz="1200" dirty="0">
-                <a:latin typeface="Consolas" panose="020B0609020204030204" pitchFamily="49" charset="0"/>
-              </a:rPr>
-              <a:t>Recall Score: 1.0</a:t>
-            </a:r>
-          </a:p>
-          <a:p>
-            <a:pPr lvl="1">
-              <a:defRPr/>
-            </a:pPr>
-            <a:r>
-              <a:rPr lang="en-US" sz="1200" dirty="0">
-                <a:latin typeface="Consolas" panose="020B0609020204030204" pitchFamily="49" charset="0"/>
-              </a:rPr>
-              <a:t>ROC-AUC Score: 0.9789002557544757</a:t>
-            </a:r>
-          </a:p>
-          <a:p>
-            <a:pPr lvl="1">
-              <a:defRPr/>
-            </a:pPr>
-            <a:r>
-              <a:rPr lang="en-US" sz="1200" dirty="0">
-                <a:latin typeface="Consolas" panose="020B0609020204030204" pitchFamily="49" charset="0"/>
-              </a:rPr>
-              <a:t>Specificity: 0.9578005115089514</a:t>
-            </a:r>
-            <a:endParaRPr lang="es-ES" sz="1200" dirty="0">
-              <a:latin typeface="Consolas" panose="020B0609020204030204" pitchFamily="49" charset="0"/>
-            </a:endParaRPr>
-          </a:p>
-          <a:p>
-            <a:endParaRPr lang="es-ES" dirty="0"/>
-          </a:p>
-        </p:txBody>
-      </p:sp>
-      <p:pic>
-        <p:nvPicPr>
-          <p:cNvPr id="18" name="Imagen 17" descr="Gráfico, Gráfico de rectángulos&#10;&#10;Descripción generada automáticamente">
-            <a:extLst>
-              <a:ext uri="{FF2B5EF4-FFF2-40B4-BE49-F238E27FC236}">
-                <a16:creationId xmlns:a16="http://schemas.microsoft.com/office/drawing/2014/main" id="{A87EF23B-A296-8413-3696-901938F98978}"/>
-              </a:ext>
-            </a:extLst>
-          </p:cNvPr>
-          <p:cNvPicPr>
-            <a:picLocks noChangeAspect="1"/>
-          </p:cNvPicPr>
-          <p:nvPr/>
-        </p:nvPicPr>
-        <p:blipFill>
-          <a:blip r:embed="rId2">
-            <a:extLst>
-              <a:ext uri="{28A0092B-C50C-407E-A947-70E740481C1C}">
-                <a14:useLocalDpi xmlns:a14="http://schemas.microsoft.com/office/drawing/2010/main" val="0"/>
-              </a:ext>
-            </a:extLst>
-          </a:blip>
-          <a:stretch>
-            <a:fillRect/>
-          </a:stretch>
-        </p:blipFill>
-        <p:spPr>
-          <a:xfrm>
-            <a:off x="7040380" y="4003893"/>
-            <a:ext cx="3392774" cy="2653817"/>
-          </a:xfrm>
-          <a:prstGeom prst="rect">
-            <a:avLst/>
-          </a:prstGeom>
-        </p:spPr>
-      </p:pic>
-      <p:pic>
-        <p:nvPicPr>
-          <p:cNvPr id="20" name="Imagen 19" descr="Gráfico, Histograma&#10;&#10;Descripción generada automáticamente">
-            <a:extLst>
-              <a:ext uri="{FF2B5EF4-FFF2-40B4-BE49-F238E27FC236}">
-                <a16:creationId xmlns:a16="http://schemas.microsoft.com/office/drawing/2014/main" id="{5C9B4E64-2F0C-2698-83EB-0218AD1AD680}"/>
-              </a:ext>
-            </a:extLst>
-          </p:cNvPr>
-          <p:cNvPicPr>
-            <a:picLocks noChangeAspect="1"/>
-          </p:cNvPicPr>
-          <p:nvPr/>
-        </p:nvPicPr>
-        <p:blipFill>
-          <a:blip r:embed="rId3">
-            <a:extLst>
-              <a:ext uri="{28A0092B-C50C-407E-A947-70E740481C1C}">
-                <a14:useLocalDpi xmlns:a14="http://schemas.microsoft.com/office/drawing/2010/main" val="0"/>
-              </a:ext>
-            </a:extLst>
-          </a:blip>
-          <a:stretch>
-            <a:fillRect/>
-          </a:stretch>
-        </p:blipFill>
-        <p:spPr>
-          <a:xfrm>
-            <a:off x="8953125" y="997584"/>
-            <a:ext cx="2960057" cy="3006308"/>
-          </a:xfrm>
-          <a:prstGeom prst="rect">
-            <a:avLst/>
-          </a:prstGeom>
-        </p:spPr>
-      </p:pic>
-      <p:pic>
-        <p:nvPicPr>
-          <p:cNvPr id="23" name="Imagen 22" descr="Gráfico, Gráfico de líneas&#10;&#10;Descripción generada automáticamente">
-            <a:extLst>
-              <a:ext uri="{FF2B5EF4-FFF2-40B4-BE49-F238E27FC236}">
-                <a16:creationId xmlns:a16="http://schemas.microsoft.com/office/drawing/2014/main" id="{3DCDDD5F-9B1A-8B68-745A-304ECE159685}"/>
-              </a:ext>
-            </a:extLst>
-          </p:cNvPr>
-          <p:cNvPicPr>
-            <a:picLocks noChangeAspect="1"/>
-          </p:cNvPicPr>
-          <p:nvPr/>
-        </p:nvPicPr>
-        <p:blipFill>
-          <a:blip r:embed="rId4">
-            <a:extLst>
-              <a:ext uri="{28A0092B-C50C-407E-A947-70E740481C1C}">
-                <a14:useLocalDpi xmlns:a14="http://schemas.microsoft.com/office/drawing/2010/main" val="0"/>
-              </a:ext>
-            </a:extLst>
-          </a:blip>
-          <a:stretch>
-            <a:fillRect/>
-          </a:stretch>
-        </p:blipFill>
-        <p:spPr>
-          <a:xfrm>
-            <a:off x="5920573" y="1066960"/>
-            <a:ext cx="2960057" cy="2867555"/>
-          </a:xfrm>
-          <a:prstGeom prst="rect">
-            <a:avLst/>
-          </a:prstGeom>
-        </p:spPr>
-      </p:pic>
     </p:spTree>
     <p:extLst>
       <p:ext uri="{BB962C8B-B14F-4D97-AF65-F5344CB8AC3E}">
-        <p14:creationId xmlns:p14="http://schemas.microsoft.com/office/powerpoint/2010/main" val="1326938536"/>
+        <p14:creationId xmlns:p14="http://schemas.microsoft.com/office/powerpoint/2010/main" val="3629681890"/>
       </p:ext>
     </p:extLst>
   </p:cSld>
@@ -9863,6 +9709,1971 @@
       </p:sp>
       <p:sp>
         <p:nvSpPr>
+          <p:cNvPr id="6" name="CuadroTexto 5">
+            <a:extLst>
+              <a:ext uri="{FF2B5EF4-FFF2-40B4-BE49-F238E27FC236}">
+                <a16:creationId xmlns:a16="http://schemas.microsoft.com/office/drawing/2014/main" id="{C057B389-0A28-73BD-73C4-D826EA88D7A4}"/>
+              </a:ext>
+            </a:extLst>
+          </p:cNvPr>
+          <p:cNvSpPr txBox="1"/>
+          <p:nvPr/>
+        </p:nvSpPr>
+        <p:spPr>
+          <a:xfrm>
+            <a:off x="-3849357" y="2017862"/>
+            <a:ext cx="5057671" cy="1815882"/>
+          </a:xfrm>
+          <a:prstGeom prst="rect">
+            <a:avLst/>
+          </a:prstGeom>
+          <a:noFill/>
+        </p:spPr>
+        <p:txBody>
+          <a:bodyPr wrap="square" rtlCol="0">
+            <a:spAutoFit/>
+          </a:bodyPr>
+          <a:lstStyle/>
+          <a:p>
+            <a:pPr marL="0" marR="0" lvl="0" indent="0" algn="l" defTabSz="914400" rtl="0" eaLnBrk="1" fontAlgn="auto" latinLnBrk="0" hangingPunct="1">
+              <a:lnSpc>
+                <a:spcPct val="100000"/>
+              </a:lnSpc>
+              <a:spcBef>
+                <a:spcPts val="0"/>
+              </a:spcBef>
+              <a:spcAft>
+                <a:spcPts val="0"/>
+              </a:spcAft>
+              <a:buClrTx/>
+              <a:buSzTx/>
+              <a:buFontTx/>
+              <a:buNone/>
+              <a:tabLst/>
+              <a:defRPr/>
+            </a:pPr>
+            <a:r>
+              <a:rPr kumimoji="0" lang="es-ES" sz="2800" b="1" i="0" u="none" strike="noStrike" kern="1200" cap="none" spc="0" normalizeH="0" baseline="0" noProof="0" dirty="0">
+                <a:ln>
+                  <a:noFill/>
+                </a:ln>
+                <a:effectLst/>
+                <a:uLnTx/>
+                <a:uFillTx/>
+                <a:latin typeface="Consolas" panose="020B0609020204030204" pitchFamily="49" charset="0"/>
+                <a:ea typeface="+mn-ea"/>
+                <a:cs typeface="+mn-cs"/>
+              </a:rPr>
+              <a:t>Mejor</a:t>
+            </a:r>
+            <a:r>
+              <a:rPr lang="es-ES" sz="2800" b="1" dirty="0">
+                <a:latin typeface="Consolas" panose="020B0609020204030204" pitchFamily="49" charset="0"/>
+              </a:rPr>
+              <a:t>es modelos:</a:t>
+            </a:r>
+          </a:p>
+          <a:p>
+            <a:pPr marL="228600" marR="0" lvl="0" indent="-228600" algn="l" defTabSz="914400" rtl="0" eaLnBrk="1" fontAlgn="auto" latinLnBrk="0" hangingPunct="1">
+              <a:lnSpc>
+                <a:spcPct val="100000"/>
+              </a:lnSpc>
+              <a:spcBef>
+                <a:spcPts val="0"/>
+              </a:spcBef>
+              <a:spcAft>
+                <a:spcPts val="0"/>
+              </a:spcAft>
+              <a:buClrTx/>
+              <a:buSzTx/>
+              <a:buFont typeface="+mj-lt"/>
+              <a:buAutoNum type="arabicPeriod"/>
+              <a:tabLst/>
+              <a:defRPr/>
+            </a:pPr>
+            <a:r>
+              <a:rPr kumimoji="0" lang="es-ES" sz="2800" b="1" i="0" u="none" strike="noStrike" kern="1200" cap="none" spc="0" normalizeH="0" baseline="0" noProof="0" dirty="0">
+                <a:ln>
+                  <a:noFill/>
+                </a:ln>
+                <a:effectLst/>
+                <a:uLnTx/>
+                <a:uFillTx/>
+                <a:latin typeface="Consolas" panose="020B0609020204030204" pitchFamily="49" charset="0"/>
+                <a:ea typeface="+mn-ea"/>
+                <a:cs typeface="+mn-cs"/>
+              </a:rPr>
+              <a:t>Forest</a:t>
+            </a:r>
+          </a:p>
+          <a:p>
+            <a:pPr marL="228600" marR="0" lvl="0" indent="-228600" algn="l" defTabSz="914400" rtl="0" eaLnBrk="1" fontAlgn="auto" latinLnBrk="0" hangingPunct="1">
+              <a:lnSpc>
+                <a:spcPct val="100000"/>
+              </a:lnSpc>
+              <a:spcBef>
+                <a:spcPts val="0"/>
+              </a:spcBef>
+              <a:spcAft>
+                <a:spcPts val="0"/>
+              </a:spcAft>
+              <a:buClrTx/>
+              <a:buSzTx/>
+              <a:buFont typeface="+mj-lt"/>
+              <a:buAutoNum type="arabicPeriod"/>
+              <a:tabLst/>
+              <a:defRPr/>
+            </a:pPr>
+            <a:r>
+              <a:rPr lang="es-ES" sz="2800" b="1" dirty="0">
+                <a:latin typeface="Consolas" panose="020B0609020204030204" pitchFamily="49" charset="0"/>
+              </a:rPr>
+              <a:t>Reg. Log.</a:t>
+            </a:r>
+          </a:p>
+          <a:p>
+            <a:pPr marL="228600" marR="0" lvl="0" indent="-228600" algn="l" defTabSz="914400" rtl="0" eaLnBrk="1" fontAlgn="auto" latinLnBrk="0" hangingPunct="1">
+              <a:lnSpc>
+                <a:spcPct val="100000"/>
+              </a:lnSpc>
+              <a:spcBef>
+                <a:spcPts val="0"/>
+              </a:spcBef>
+              <a:spcAft>
+                <a:spcPts val="0"/>
+              </a:spcAft>
+              <a:buClrTx/>
+              <a:buSzTx/>
+              <a:buFont typeface="+mj-lt"/>
+              <a:buAutoNum type="arabicPeriod"/>
+              <a:tabLst/>
+              <a:defRPr/>
+            </a:pPr>
+            <a:r>
+              <a:rPr kumimoji="0" lang="es-ES" sz="2800" b="1" i="0" u="none" strike="noStrike" kern="1200" cap="none" spc="0" normalizeH="0" baseline="0" noProof="0" dirty="0">
+                <a:ln>
+                  <a:noFill/>
+                </a:ln>
+                <a:effectLst/>
+                <a:uLnTx/>
+                <a:uFillTx/>
+                <a:latin typeface="Consolas" panose="020B0609020204030204" pitchFamily="49" charset="0"/>
+                <a:ea typeface="+mn-ea"/>
+                <a:cs typeface="+mn-cs"/>
+              </a:rPr>
+              <a:t>KNN</a:t>
+            </a:r>
+          </a:p>
+        </p:txBody>
+      </p:sp>
+      <p:sp>
+        <p:nvSpPr>
+          <p:cNvPr id="7" name="Rectángulo 6">
+            <a:extLst>
+              <a:ext uri="{FF2B5EF4-FFF2-40B4-BE49-F238E27FC236}">
+                <a16:creationId xmlns:a16="http://schemas.microsoft.com/office/drawing/2014/main" id="{FE7A6475-0FA4-714D-B692-0C3993E04FCE}"/>
+              </a:ext>
+            </a:extLst>
+          </p:cNvPr>
+          <p:cNvSpPr/>
+          <p:nvPr/>
+        </p:nvSpPr>
+        <p:spPr>
+          <a:xfrm>
+            <a:off x="0" y="0"/>
+            <a:ext cx="12192000" cy="6857999"/>
+          </a:xfrm>
+          <a:prstGeom prst="rect">
+            <a:avLst/>
+          </a:prstGeom>
+          <a:noFill/>
+          <a:ln w="76200">
+            <a:solidFill>
+              <a:schemeClr val="accent6"/>
+            </a:solidFill>
+          </a:ln>
+        </p:spPr>
+        <p:style>
+          <a:lnRef idx="2">
+            <a:schemeClr val="accent1">
+              <a:shade val="15000"/>
+            </a:schemeClr>
+          </a:lnRef>
+          <a:fillRef idx="1">
+            <a:schemeClr val="accent1"/>
+          </a:fillRef>
+          <a:effectRef idx="0">
+            <a:schemeClr val="accent1"/>
+          </a:effectRef>
+          <a:fontRef idx="minor">
+            <a:schemeClr val="lt1"/>
+          </a:fontRef>
+        </p:style>
+        <p:txBody>
+          <a:bodyPr rtlCol="0" anchor="ctr"/>
+          <a:lstStyle/>
+          <a:p>
+            <a:pPr algn="ctr"/>
+            <a:endParaRPr lang="es-ES"/>
+          </a:p>
+        </p:txBody>
+      </p:sp>
+      <p:sp>
+        <p:nvSpPr>
+          <p:cNvPr id="8" name="CuadroTexto 7">
+            <a:extLst>
+              <a:ext uri="{FF2B5EF4-FFF2-40B4-BE49-F238E27FC236}">
+                <a16:creationId xmlns:a16="http://schemas.microsoft.com/office/drawing/2014/main" id="{2E7DFE96-9053-E82C-F5B3-482CBCC6A5E1}"/>
+              </a:ext>
+            </a:extLst>
+          </p:cNvPr>
+          <p:cNvSpPr txBox="1"/>
+          <p:nvPr/>
+        </p:nvSpPr>
+        <p:spPr>
+          <a:xfrm>
+            <a:off x="738973" y="2225727"/>
+            <a:ext cx="5181600" cy="4431983"/>
+          </a:xfrm>
+          <a:prstGeom prst="rect">
+            <a:avLst/>
+          </a:prstGeom>
+          <a:noFill/>
+        </p:spPr>
+        <p:txBody>
+          <a:bodyPr wrap="square" rtlCol="0">
+            <a:spAutoFit/>
+          </a:bodyPr>
+          <a:lstStyle/>
+          <a:p>
+            <a:pPr marR="0" lvl="0" algn="l" defTabSz="914400" rtl="0" eaLnBrk="1" fontAlgn="auto" latinLnBrk="0" hangingPunct="1">
+              <a:lnSpc>
+                <a:spcPct val="100000"/>
+              </a:lnSpc>
+              <a:spcBef>
+                <a:spcPts val="0"/>
+              </a:spcBef>
+              <a:spcAft>
+                <a:spcPts val="0"/>
+              </a:spcAft>
+              <a:buClrTx/>
+              <a:buSzTx/>
+              <a:tabLst/>
+              <a:defRPr/>
+            </a:pPr>
+            <a:r>
+              <a:rPr kumimoji="0" lang="es-ES" sz="1200" b="1" i="0" u="none" strike="noStrike" kern="1200" cap="none" spc="0" normalizeH="0" baseline="0" noProof="0" dirty="0">
+                <a:ln>
+                  <a:noFill/>
+                </a:ln>
+                <a:effectLst/>
+                <a:uLnTx/>
+                <a:uFillTx/>
+                <a:latin typeface="Consolas" panose="020B0609020204030204" pitchFamily="49" charset="0"/>
+                <a:ea typeface="+mn-ea"/>
+                <a:cs typeface="+mn-cs"/>
+              </a:rPr>
+              <a:t>Métricas:</a:t>
+            </a:r>
+            <a:endParaRPr lang="en-US" sz="1200" b="1" dirty="0">
+              <a:latin typeface="Consolas" panose="020B0609020204030204" pitchFamily="49" charset="0"/>
+            </a:endParaRPr>
+          </a:p>
+          <a:p>
+            <a:pPr marR="0" lvl="0" algn="l" defTabSz="914400" rtl="0" eaLnBrk="1" fontAlgn="auto" latinLnBrk="0" hangingPunct="1">
+              <a:lnSpc>
+                <a:spcPct val="100000"/>
+              </a:lnSpc>
+              <a:spcBef>
+                <a:spcPts val="0"/>
+              </a:spcBef>
+              <a:spcAft>
+                <a:spcPts val="0"/>
+              </a:spcAft>
+              <a:buClrTx/>
+              <a:buSzTx/>
+              <a:tabLst/>
+              <a:defRPr/>
+            </a:pPr>
+            <a:r>
+              <a:rPr lang="en-US" sz="1200" dirty="0">
+                <a:latin typeface="Consolas" panose="020B0609020204030204" pitchFamily="49" charset="0"/>
+              </a:rPr>
+              <a:t>1. </a:t>
+            </a:r>
+          </a:p>
+          <a:p>
+            <a:pPr lvl="1"/>
+            <a:r>
+              <a:rPr kumimoji="0" lang="en-US" sz="1200" b="0" i="0" u="none" strike="noStrike" kern="1200" cap="none" spc="0" normalizeH="0" baseline="0" noProof="0" dirty="0">
+                <a:ln>
+                  <a:noFill/>
+                </a:ln>
+                <a:effectLst/>
+                <a:uLnTx/>
+                <a:uFillTx/>
+                <a:latin typeface="Consolas" panose="020B0609020204030204" pitchFamily="49" charset="0"/>
+                <a:ea typeface="+mn-ea"/>
+                <a:cs typeface="+mn-cs"/>
+              </a:rPr>
+              <a:t>AUC: 0.7781149589432346</a:t>
+            </a:r>
+          </a:p>
+          <a:p>
+            <a:pPr lvl="1"/>
+            <a:r>
+              <a:rPr kumimoji="0" lang="en-US" sz="1200" b="0" i="0" u="none" strike="noStrike" kern="1200" cap="none" spc="0" normalizeH="0" baseline="0" noProof="0" dirty="0">
+                <a:ln>
+                  <a:noFill/>
+                </a:ln>
+                <a:effectLst/>
+                <a:uLnTx/>
+                <a:uFillTx/>
+                <a:latin typeface="Consolas" panose="020B0609020204030204" pitchFamily="49" charset="0"/>
+                <a:ea typeface="+mn-ea"/>
+                <a:cs typeface="+mn-cs"/>
+              </a:rPr>
+              <a:t>F1-Score:0.8694190566235949</a:t>
+            </a:r>
+          </a:p>
+          <a:p>
+            <a:pPr lvl="1"/>
+            <a:r>
+              <a:rPr kumimoji="0" lang="en-US" sz="1200" b="0" i="0" u="none" strike="noStrike" kern="1200" cap="none" spc="0" normalizeH="0" baseline="0" noProof="0" dirty="0">
+                <a:ln>
+                  <a:noFill/>
+                </a:ln>
+                <a:effectLst/>
+                <a:uLnTx/>
+                <a:uFillTx/>
+                <a:latin typeface="Consolas" panose="020B0609020204030204" pitchFamily="49" charset="0"/>
+                <a:ea typeface="+mn-ea"/>
+                <a:cs typeface="+mn-cs"/>
+              </a:rPr>
+              <a:t>Precision Score: 0.7767974469682748</a:t>
+            </a:r>
+          </a:p>
+          <a:p>
+            <a:pPr lvl="1"/>
+            <a:r>
+              <a:rPr kumimoji="0" lang="en-US" sz="1200" b="0" i="0" u="none" strike="noStrike" kern="1200" cap="none" spc="0" normalizeH="0" baseline="0" noProof="0" dirty="0">
+                <a:ln>
+                  <a:noFill/>
+                </a:ln>
+                <a:effectLst/>
+                <a:uLnTx/>
+                <a:uFillTx/>
+                <a:latin typeface="Consolas" panose="020B0609020204030204" pitchFamily="49" charset="0"/>
+                <a:ea typeface="+mn-ea"/>
+                <a:cs typeface="+mn-cs"/>
+              </a:rPr>
+              <a:t>Recall Score: 0.987118320610687</a:t>
+            </a:r>
+          </a:p>
+          <a:p>
+            <a:pPr lvl="1"/>
+            <a:r>
+              <a:rPr kumimoji="0" lang="en-US" sz="1200" b="0" i="0" u="none" strike="noStrike" kern="1200" cap="none" spc="0" normalizeH="0" baseline="0" noProof="0" dirty="0">
+                <a:ln>
+                  <a:noFill/>
+                </a:ln>
+                <a:effectLst/>
+                <a:uLnTx/>
+                <a:uFillTx/>
+                <a:latin typeface="Consolas" panose="020B0609020204030204" pitchFamily="49" charset="0"/>
+                <a:ea typeface="+mn-ea"/>
+                <a:cs typeface="+mn-cs"/>
+              </a:rPr>
+              <a:t>ROC-AUC Score: 0.5719279546315846</a:t>
+            </a:r>
+          </a:p>
+          <a:p>
+            <a:pPr lvl="1"/>
+            <a:r>
+              <a:rPr kumimoji="0" lang="en-US" sz="1200" b="0" i="0" u="none" strike="noStrike" kern="1200" cap="none" spc="0" normalizeH="0" baseline="0" noProof="0" dirty="0">
+                <a:ln>
+                  <a:noFill/>
+                </a:ln>
+                <a:effectLst/>
+                <a:uLnTx/>
+                <a:uFillTx/>
+                <a:latin typeface="Consolas" panose="020B0609020204030204" pitchFamily="49" charset="0"/>
+                <a:ea typeface="+mn-ea"/>
+                <a:cs typeface="+mn-cs"/>
+              </a:rPr>
+              <a:t>Specificity: 0.15673758865248227</a:t>
+            </a:r>
+            <a:endParaRPr kumimoji="0" lang="es-ES" sz="1200" b="0" i="0" u="none" strike="noStrike" kern="1200" cap="none" spc="0" normalizeH="0" baseline="0" noProof="0" dirty="0">
+              <a:ln>
+                <a:noFill/>
+              </a:ln>
+              <a:effectLst/>
+              <a:uLnTx/>
+              <a:uFillTx/>
+              <a:latin typeface="Consolas" panose="020B0609020204030204" pitchFamily="49" charset="0"/>
+              <a:ea typeface="+mn-ea"/>
+              <a:cs typeface="+mn-cs"/>
+            </a:endParaRPr>
+          </a:p>
+          <a:p>
+            <a:pPr marR="0" lvl="0" algn="l" defTabSz="914400" rtl="0" eaLnBrk="1" fontAlgn="auto" latinLnBrk="0" hangingPunct="1">
+              <a:lnSpc>
+                <a:spcPct val="100000"/>
+              </a:lnSpc>
+              <a:spcBef>
+                <a:spcPts val="0"/>
+              </a:spcBef>
+              <a:spcAft>
+                <a:spcPts val="0"/>
+              </a:spcAft>
+              <a:buClrTx/>
+              <a:buSzTx/>
+              <a:tabLst/>
+              <a:defRPr/>
+            </a:pPr>
+            <a:r>
+              <a:rPr lang="es-ES" sz="1200" dirty="0">
+                <a:latin typeface="Consolas" panose="020B0609020204030204" pitchFamily="49" charset="0"/>
+              </a:rPr>
+              <a:t>2.</a:t>
+            </a:r>
+          </a:p>
+          <a:p>
+            <a:pPr lvl="1"/>
+            <a:r>
+              <a:rPr lang="en-US" sz="1200" dirty="0">
+                <a:latin typeface="Consolas" panose="020B0609020204030204" pitchFamily="49" charset="0"/>
+              </a:rPr>
+              <a:t>AUC: 0.9503748661192432</a:t>
+            </a:r>
+          </a:p>
+          <a:p>
+            <a:pPr lvl="1"/>
+            <a:r>
+              <a:rPr lang="en-US" sz="1200" dirty="0">
+                <a:latin typeface="Consolas" panose="020B0609020204030204" pitchFamily="49" charset="0"/>
+              </a:rPr>
+              <a:t>F1-Score:0.9745327958959326</a:t>
+            </a:r>
+          </a:p>
+          <a:p>
+            <a:pPr lvl="1"/>
+            <a:r>
+              <a:rPr lang="en-US" sz="1200" dirty="0">
+                <a:latin typeface="Consolas" panose="020B0609020204030204" pitchFamily="49" charset="0"/>
+              </a:rPr>
+              <a:t>Precision Score: 0.9984982166322508</a:t>
+            </a:r>
+          </a:p>
+          <a:p>
+            <a:pPr lvl="1"/>
+            <a:r>
+              <a:rPr lang="en-US" sz="1200" dirty="0">
+                <a:latin typeface="Consolas" panose="020B0609020204030204" pitchFamily="49" charset="0"/>
+              </a:rPr>
+              <a:t>Recall Score: 0.9516908212560387</a:t>
+            </a:r>
+          </a:p>
+          <a:p>
+            <a:pPr lvl="1"/>
+            <a:r>
+              <a:rPr lang="en-US" sz="1200" dirty="0">
+                <a:latin typeface="Consolas" panose="020B0609020204030204" pitchFamily="49" charset="0"/>
+              </a:rPr>
+              <a:t>ROC-AUC Score: 0.6681531029357116</a:t>
+            </a:r>
+          </a:p>
+          <a:p>
+            <a:pPr lvl="1"/>
+            <a:r>
+              <a:rPr lang="en-US" sz="1200" dirty="0">
+                <a:latin typeface="Consolas" panose="020B0609020204030204" pitchFamily="49" charset="0"/>
+              </a:rPr>
+              <a:t>Specificity: 0.38461538461538464</a:t>
+            </a:r>
+            <a:endParaRPr lang="es-ES" sz="1200" dirty="0">
+              <a:latin typeface="Consolas" panose="020B0609020204030204" pitchFamily="49" charset="0"/>
+            </a:endParaRPr>
+          </a:p>
+          <a:p>
+            <a:pPr marR="0" lvl="0" algn="l" defTabSz="914400" rtl="0" eaLnBrk="1" fontAlgn="auto" latinLnBrk="0" hangingPunct="1">
+              <a:lnSpc>
+                <a:spcPct val="100000"/>
+              </a:lnSpc>
+              <a:spcBef>
+                <a:spcPts val="0"/>
+              </a:spcBef>
+              <a:spcAft>
+                <a:spcPts val="0"/>
+              </a:spcAft>
+              <a:buClrTx/>
+              <a:buSzTx/>
+              <a:tabLst/>
+              <a:defRPr/>
+            </a:pPr>
+            <a:r>
+              <a:rPr lang="es-ES" sz="1200" dirty="0">
+                <a:latin typeface="Consolas" panose="020B0609020204030204" pitchFamily="49" charset="0"/>
+              </a:rPr>
+              <a:t>3.</a:t>
+            </a:r>
+          </a:p>
+          <a:p>
+            <a:pPr lvl="1">
+              <a:defRPr/>
+            </a:pPr>
+            <a:r>
+              <a:rPr lang="en-US" sz="1200" dirty="0">
+                <a:latin typeface="Consolas" panose="020B0609020204030204" pitchFamily="49" charset="0"/>
+              </a:rPr>
+              <a:t>AUC: 0.978246539222149</a:t>
+            </a:r>
+          </a:p>
+          <a:p>
+            <a:pPr lvl="1">
+              <a:defRPr/>
+            </a:pPr>
+            <a:r>
+              <a:rPr lang="en-US" sz="1200" dirty="0">
+                <a:latin typeface="Consolas" panose="020B0609020204030204" pitchFamily="49" charset="0"/>
+              </a:rPr>
+              <a:t>F1-Score:0.9780439121756487</a:t>
+            </a:r>
+          </a:p>
+          <a:p>
+            <a:pPr lvl="1">
+              <a:defRPr/>
+            </a:pPr>
+            <a:r>
+              <a:rPr lang="en-US" sz="1200" dirty="0">
+                <a:latin typeface="Consolas" panose="020B0609020204030204" pitchFamily="49" charset="0"/>
+              </a:rPr>
+              <a:t>Precision Score: 0.95703125</a:t>
+            </a:r>
+          </a:p>
+          <a:p>
+            <a:pPr lvl="1">
+              <a:defRPr/>
+            </a:pPr>
+            <a:r>
+              <a:rPr lang="en-US" sz="1200" dirty="0">
+                <a:latin typeface="Consolas" panose="020B0609020204030204" pitchFamily="49" charset="0"/>
+              </a:rPr>
+              <a:t>Recall Score: 1.0</a:t>
+            </a:r>
+          </a:p>
+          <a:p>
+            <a:pPr lvl="1">
+              <a:defRPr/>
+            </a:pPr>
+            <a:r>
+              <a:rPr lang="en-US" sz="1200" dirty="0">
+                <a:latin typeface="Consolas" panose="020B0609020204030204" pitchFamily="49" charset="0"/>
+              </a:rPr>
+              <a:t>ROC-AUC Score: 0.9789002557544757</a:t>
+            </a:r>
+          </a:p>
+          <a:p>
+            <a:pPr lvl="1">
+              <a:defRPr/>
+            </a:pPr>
+            <a:r>
+              <a:rPr lang="en-US" sz="1200" dirty="0">
+                <a:latin typeface="Consolas" panose="020B0609020204030204" pitchFamily="49" charset="0"/>
+              </a:rPr>
+              <a:t>Specificity: 0.9578005115089514</a:t>
+            </a:r>
+            <a:endParaRPr lang="es-ES" sz="1200" dirty="0">
+              <a:latin typeface="Consolas" panose="020B0609020204030204" pitchFamily="49" charset="0"/>
+            </a:endParaRPr>
+          </a:p>
+          <a:p>
+            <a:endParaRPr lang="es-ES" dirty="0"/>
+          </a:p>
+        </p:txBody>
+      </p:sp>
+      <p:pic>
+        <p:nvPicPr>
+          <p:cNvPr id="3" name="Imagen 2" descr="Gráfico, Histograma&#10;&#10;Descripción generada automáticamente">
+            <a:extLst>
+              <a:ext uri="{FF2B5EF4-FFF2-40B4-BE49-F238E27FC236}">
+                <a16:creationId xmlns:a16="http://schemas.microsoft.com/office/drawing/2014/main" id="{12D13B6C-1317-B6BC-8D84-E7F76F2486A6}"/>
+              </a:ext>
+            </a:extLst>
+          </p:cNvPr>
+          <p:cNvPicPr>
+            <a:picLocks noChangeAspect="1"/>
+          </p:cNvPicPr>
+          <p:nvPr/>
+        </p:nvPicPr>
+        <p:blipFill>
+          <a:blip r:embed="rId2">
+            <a:extLst>
+              <a:ext uri="{28A0092B-C50C-407E-A947-70E740481C1C}">
+                <a14:useLocalDpi xmlns:a14="http://schemas.microsoft.com/office/drawing/2010/main" val="0"/>
+              </a:ext>
+            </a:extLst>
+          </a:blip>
+          <a:stretch>
+            <a:fillRect/>
+          </a:stretch>
+        </p:blipFill>
+        <p:spPr>
+          <a:xfrm>
+            <a:off x="8891431" y="969153"/>
+            <a:ext cx="2717298" cy="2759755"/>
+          </a:xfrm>
+          <a:prstGeom prst="rect">
+            <a:avLst/>
+          </a:prstGeom>
+        </p:spPr>
+      </p:pic>
+      <p:pic>
+        <p:nvPicPr>
+          <p:cNvPr id="9" name="Imagen 8" descr="Gráfico&#10;&#10;Descripción generada automáticamente con confianza media">
+            <a:extLst>
+              <a:ext uri="{FF2B5EF4-FFF2-40B4-BE49-F238E27FC236}">
+                <a16:creationId xmlns:a16="http://schemas.microsoft.com/office/drawing/2014/main" id="{B78533F0-AC27-91BD-263C-84EA2CA74331}"/>
+              </a:ext>
+            </a:extLst>
+          </p:cNvPr>
+          <p:cNvPicPr>
+            <a:picLocks noChangeAspect="1"/>
+          </p:cNvPicPr>
+          <p:nvPr/>
+        </p:nvPicPr>
+        <p:blipFill>
+          <a:blip r:embed="rId3">
+            <a:extLst>
+              <a:ext uri="{28A0092B-C50C-407E-A947-70E740481C1C}">
+                <a14:useLocalDpi xmlns:a14="http://schemas.microsoft.com/office/drawing/2010/main" val="0"/>
+              </a:ext>
+            </a:extLst>
+          </a:blip>
+          <a:stretch>
+            <a:fillRect/>
+          </a:stretch>
+        </p:blipFill>
+        <p:spPr>
+          <a:xfrm>
+            <a:off x="7109207" y="3731903"/>
+            <a:ext cx="3532038" cy="2762749"/>
+          </a:xfrm>
+          <a:prstGeom prst="rect">
+            <a:avLst/>
+          </a:prstGeom>
+        </p:spPr>
+      </p:pic>
+      <p:pic>
+        <p:nvPicPr>
+          <p:cNvPr id="12" name="Imagen 11" descr="Gráfico, Gráfico de líneas&#10;&#10;Descripción generada automáticamente">
+            <a:extLst>
+              <a:ext uri="{FF2B5EF4-FFF2-40B4-BE49-F238E27FC236}">
+                <a16:creationId xmlns:a16="http://schemas.microsoft.com/office/drawing/2014/main" id="{64207BEB-366D-A401-3743-B26568BB9673}"/>
+              </a:ext>
+            </a:extLst>
+          </p:cNvPr>
+          <p:cNvPicPr>
+            <a:picLocks noChangeAspect="1"/>
+          </p:cNvPicPr>
+          <p:nvPr/>
+        </p:nvPicPr>
+        <p:blipFill>
+          <a:blip r:embed="rId4">
+            <a:extLst>
+              <a:ext uri="{28A0092B-C50C-407E-A947-70E740481C1C}">
+                <a14:useLocalDpi xmlns:a14="http://schemas.microsoft.com/office/drawing/2010/main" val="0"/>
+              </a:ext>
+            </a:extLst>
+          </a:blip>
+          <a:stretch>
+            <a:fillRect/>
+          </a:stretch>
+        </p:blipFill>
+        <p:spPr>
+          <a:xfrm>
+            <a:off x="5920573" y="1099521"/>
+            <a:ext cx="2717298" cy="2632381"/>
+          </a:xfrm>
+          <a:prstGeom prst="rect">
+            <a:avLst/>
+          </a:prstGeom>
+        </p:spPr>
+      </p:pic>
+    </p:spTree>
+    <p:extLst>
+      <p:ext uri="{BB962C8B-B14F-4D97-AF65-F5344CB8AC3E}">
+        <p14:creationId xmlns:p14="http://schemas.microsoft.com/office/powerpoint/2010/main" val="1857006655"/>
+      </p:ext>
+    </p:extLst>
+  </p:cSld>
+  <p:clrMapOvr>
+    <a:masterClrMapping/>
+  </p:clrMapOvr>
+  <mc:AlternateContent xmlns:mc="http://schemas.openxmlformats.org/markup-compatibility/2006" xmlns:p159="http://schemas.microsoft.com/office/powerpoint/2015/09/main">
+    <mc:Choice Requires="p159">
+      <p:transition xmlns:p14="http://schemas.microsoft.com/office/powerpoint/2010/main" spd="slow" p14:dur="2000">
+        <p159:morph option="byObject"/>
+      </p:transition>
+    </mc:Choice>
+    <mc:Fallback xmlns="">
+      <p:transition spd="slow">
+        <p:fade/>
+      </p:transition>
+    </mc:Fallback>
+  </mc:AlternateContent>
+</p:sld>
+</file>
+
+<file path=ppt/slides/slide18.xml><?xml version="1.0" encoding="utf-8"?>
+<p:sld xmlns:a="http://schemas.openxmlformats.org/drawingml/2006/main" xmlns:r="http://schemas.openxmlformats.org/officeDocument/2006/relationships" xmlns:p="http://schemas.openxmlformats.org/presentationml/2006/main">
+  <p:cSld>
+    <p:spTree>
+      <p:nvGrpSpPr>
+        <p:cNvPr id="1" name=""/>
+        <p:cNvGrpSpPr/>
+        <p:nvPr/>
+      </p:nvGrpSpPr>
+      <p:grpSpPr>
+        <a:xfrm>
+          <a:off x="0" y="0"/>
+          <a:ext cx="0" cy="0"/>
+          <a:chOff x="0" y="0"/>
+          <a:chExt cx="0" cy="0"/>
+        </a:xfrm>
+      </p:grpSpPr>
+      <p:sp>
+        <p:nvSpPr>
+          <p:cNvPr id="10" name="Forma libre: forma 9">
+            <a:extLst>
+              <a:ext uri="{FF2B5EF4-FFF2-40B4-BE49-F238E27FC236}">
+                <a16:creationId xmlns:a16="http://schemas.microsoft.com/office/drawing/2014/main" id="{DB0FD430-3C20-7B9D-3C93-58D1EA51A328}"/>
+              </a:ext>
+            </a:extLst>
+          </p:cNvPr>
+          <p:cNvSpPr/>
+          <p:nvPr/>
+        </p:nvSpPr>
+        <p:spPr>
+          <a:xfrm>
+            <a:off x="0" y="0"/>
+            <a:ext cx="12192000" cy="6858000"/>
+          </a:xfrm>
+          <a:custGeom>
+            <a:avLst/>
+            <a:gdLst>
+              <a:gd name="connsiteX0" fmla="*/ 8671112 w 12192000"/>
+              <a:gd name="connsiteY0" fmla="*/ 1089212 h 6858000"/>
+              <a:gd name="connsiteX1" fmla="*/ 6096000 w 12192000"/>
+              <a:gd name="connsiteY1" fmla="*/ 3429000 h 6858000"/>
+              <a:gd name="connsiteX2" fmla="*/ 8671112 w 12192000"/>
+              <a:gd name="connsiteY2" fmla="*/ 5768788 h 6858000"/>
+              <a:gd name="connsiteX3" fmla="*/ 11246224 w 12192000"/>
+              <a:gd name="connsiteY3" fmla="*/ 3429000 h 6858000"/>
+              <a:gd name="connsiteX4" fmla="*/ 8671112 w 12192000"/>
+              <a:gd name="connsiteY4" fmla="*/ 1089212 h 6858000"/>
+              <a:gd name="connsiteX5" fmla="*/ 0 w 12192000"/>
+              <a:gd name="connsiteY5" fmla="*/ 0 h 6858000"/>
+              <a:gd name="connsiteX6" fmla="*/ 12192000 w 12192000"/>
+              <a:gd name="connsiteY6" fmla="*/ 0 h 6858000"/>
+              <a:gd name="connsiteX7" fmla="*/ 12192000 w 12192000"/>
+              <a:gd name="connsiteY7" fmla="*/ 6858000 h 6858000"/>
+              <a:gd name="connsiteX8" fmla="*/ 0 w 12192000"/>
+              <a:gd name="connsiteY8" fmla="*/ 6858000 h 6858000"/>
+            </a:gdLst>
+            <a:ahLst/>
+            <a:cxnLst>
+              <a:cxn ang="0">
+                <a:pos x="connsiteX0" y="connsiteY0"/>
+              </a:cxn>
+              <a:cxn ang="0">
+                <a:pos x="connsiteX1" y="connsiteY1"/>
+              </a:cxn>
+              <a:cxn ang="0">
+                <a:pos x="connsiteX2" y="connsiteY2"/>
+              </a:cxn>
+              <a:cxn ang="0">
+                <a:pos x="connsiteX3" y="connsiteY3"/>
+              </a:cxn>
+              <a:cxn ang="0">
+                <a:pos x="connsiteX4" y="connsiteY4"/>
+              </a:cxn>
+              <a:cxn ang="0">
+                <a:pos x="connsiteX5" y="connsiteY5"/>
+              </a:cxn>
+              <a:cxn ang="0">
+                <a:pos x="connsiteX6" y="connsiteY6"/>
+              </a:cxn>
+              <a:cxn ang="0">
+                <a:pos x="connsiteX7" y="connsiteY7"/>
+              </a:cxn>
+              <a:cxn ang="0">
+                <a:pos x="connsiteX8" y="connsiteY8"/>
+              </a:cxn>
+            </a:cxnLst>
+            <a:rect l="l" t="t" r="r" b="b"/>
+            <a:pathLst>
+              <a:path w="12192000" h="6858000">
+                <a:moveTo>
+                  <a:pt x="8671112" y="1089212"/>
+                </a:moveTo>
+                <a:cubicBezTo>
+                  <a:pt x="7248917" y="1089212"/>
+                  <a:pt x="6096000" y="2136771"/>
+                  <a:pt x="6096000" y="3429000"/>
+                </a:cubicBezTo>
+                <a:cubicBezTo>
+                  <a:pt x="6096000" y="4721229"/>
+                  <a:pt x="7248917" y="5768788"/>
+                  <a:pt x="8671112" y="5768788"/>
+                </a:cubicBezTo>
+                <a:cubicBezTo>
+                  <a:pt x="10093307" y="5768788"/>
+                  <a:pt x="11246224" y="4721229"/>
+                  <a:pt x="11246224" y="3429000"/>
+                </a:cubicBezTo>
+                <a:cubicBezTo>
+                  <a:pt x="11246224" y="2136771"/>
+                  <a:pt x="10093307" y="1089212"/>
+                  <a:pt x="8671112" y="1089212"/>
+                </a:cubicBezTo>
+                <a:close/>
+                <a:moveTo>
+                  <a:pt x="0" y="0"/>
+                </a:moveTo>
+                <a:lnTo>
+                  <a:pt x="12192000" y="0"/>
+                </a:lnTo>
+                <a:lnTo>
+                  <a:pt x="12192000" y="6858000"/>
+                </a:lnTo>
+                <a:lnTo>
+                  <a:pt x="0" y="6858000"/>
+                </a:lnTo>
+                <a:close/>
+              </a:path>
+            </a:pathLst>
+          </a:custGeom>
+          <a:solidFill>
+            <a:schemeClr val="bg1"/>
+          </a:solidFill>
+          <a:ln>
+            <a:noFill/>
+          </a:ln>
+        </p:spPr>
+        <p:style>
+          <a:lnRef idx="2">
+            <a:schemeClr val="accent1">
+              <a:shade val="15000"/>
+            </a:schemeClr>
+          </a:lnRef>
+          <a:fillRef idx="1">
+            <a:schemeClr val="accent1"/>
+          </a:fillRef>
+          <a:effectRef idx="0">
+            <a:schemeClr val="accent1"/>
+          </a:effectRef>
+          <a:fontRef idx="minor">
+            <a:schemeClr val="lt1"/>
+          </a:fontRef>
+        </p:style>
+        <p:txBody>
+          <a:bodyPr wrap="square" rtlCol="0" anchor="ctr">
+            <a:noAutofit/>
+          </a:bodyPr>
+          <a:lstStyle/>
+          <a:p>
+            <a:pPr marL="0" marR="0" lvl="0" indent="0" algn="ctr" defTabSz="914400" rtl="0" eaLnBrk="1" fontAlgn="auto" latinLnBrk="0" hangingPunct="1">
+              <a:lnSpc>
+                <a:spcPct val="100000"/>
+              </a:lnSpc>
+              <a:spcBef>
+                <a:spcPts val="0"/>
+              </a:spcBef>
+              <a:spcAft>
+                <a:spcPts val="0"/>
+              </a:spcAft>
+              <a:buClrTx/>
+              <a:buSzTx/>
+              <a:buFontTx/>
+              <a:buNone/>
+              <a:tabLst/>
+              <a:defRPr/>
+            </a:pPr>
+            <a:endParaRPr kumimoji="0" lang="es-ES" sz="1800" b="0" i="0" u="none" strike="noStrike" kern="1200" cap="none" spc="0" normalizeH="0" baseline="0" noProof="0" dirty="0">
+              <a:ln>
+                <a:noFill/>
+              </a:ln>
+              <a:solidFill>
+                <a:prstClr val="white"/>
+              </a:solidFill>
+              <a:effectLst/>
+              <a:uLnTx/>
+              <a:uFillTx/>
+              <a:latin typeface="Aptos" panose="02110004020202020204"/>
+              <a:ea typeface="+mn-ea"/>
+              <a:cs typeface="+mn-cs"/>
+            </a:endParaRPr>
+          </a:p>
+        </p:txBody>
+      </p:sp>
+      <p:sp>
+        <p:nvSpPr>
+          <p:cNvPr id="21" name="CuadroTexto 20">
+            <a:extLst>
+              <a:ext uri="{FF2B5EF4-FFF2-40B4-BE49-F238E27FC236}">
+                <a16:creationId xmlns:a16="http://schemas.microsoft.com/office/drawing/2014/main" id="{7BBEC0D6-96F2-D941-14F8-AAF693AA7AC0}"/>
+              </a:ext>
+            </a:extLst>
+          </p:cNvPr>
+          <p:cNvSpPr txBox="1"/>
+          <p:nvPr/>
+        </p:nvSpPr>
+        <p:spPr>
+          <a:xfrm>
+            <a:off x="914400" y="10674288"/>
+            <a:ext cx="5181600" cy="523220"/>
+          </a:xfrm>
+          <a:prstGeom prst="rect">
+            <a:avLst/>
+          </a:prstGeom>
+          <a:noFill/>
+        </p:spPr>
+        <p:txBody>
+          <a:bodyPr wrap="square" rtlCol="0" anchor="ctr">
+            <a:spAutoFit/>
+          </a:bodyPr>
+          <a:lstStyle/>
+          <a:p>
+            <a:pPr marL="0" marR="0" lvl="0" indent="0" algn="l" defTabSz="914400" rtl="0" eaLnBrk="1" fontAlgn="auto" latinLnBrk="0" hangingPunct="1">
+              <a:lnSpc>
+                <a:spcPct val="100000"/>
+              </a:lnSpc>
+              <a:spcBef>
+                <a:spcPts val="0"/>
+              </a:spcBef>
+              <a:spcAft>
+                <a:spcPts val="0"/>
+              </a:spcAft>
+              <a:buClrTx/>
+              <a:buSzTx/>
+              <a:buFontTx/>
+              <a:buNone/>
+              <a:tabLst/>
+              <a:defRPr/>
+            </a:pPr>
+            <a:r>
+              <a:rPr kumimoji="0" lang="es-ES" sz="2800" b="0" i="0" u="none" strike="noStrike" kern="1200" cap="none" spc="0" normalizeH="0" baseline="0" noProof="0" dirty="0">
+                <a:ln>
+                  <a:noFill/>
+                </a:ln>
+                <a:solidFill>
+                  <a:prstClr val="black"/>
+                </a:solidFill>
+                <a:effectLst/>
+                <a:uLnTx/>
+                <a:uFillTx/>
+                <a:latin typeface="Lucida Sans" panose="020B0602030504020204" pitchFamily="34" charset="0"/>
+                <a:ea typeface="ADLaM Display" panose="020F0502020204030204" pitchFamily="2" charset="0"/>
+                <a:cs typeface="ADLaM Display" panose="020F0502020204030204" pitchFamily="2" charset="0"/>
+              </a:rPr>
+              <a:t>MÉTODO(logia)</a:t>
+            </a:r>
+            <a:endParaRPr kumimoji="0" lang="es-ES" sz="1200" b="0" i="0" u="none" strike="noStrike" kern="1200" cap="none" spc="0" normalizeH="0" baseline="0" noProof="0" dirty="0">
+              <a:ln>
+                <a:noFill/>
+              </a:ln>
+              <a:solidFill>
+                <a:prstClr val="black"/>
+              </a:solidFill>
+              <a:effectLst/>
+              <a:uLnTx/>
+              <a:uFillTx/>
+              <a:latin typeface="Lucida Sans" panose="020B0602030504020204" pitchFamily="34" charset="0"/>
+              <a:ea typeface="ADLaM Display" panose="020F0502020204030204" pitchFamily="2" charset="0"/>
+              <a:cs typeface="ADLaM Display" panose="020F0502020204030204" pitchFamily="2" charset="0"/>
+            </a:endParaRPr>
+          </a:p>
+        </p:txBody>
+      </p:sp>
+      <p:sp>
+        <p:nvSpPr>
+          <p:cNvPr id="5" name="CuadroTexto 4">
+            <a:extLst>
+              <a:ext uri="{FF2B5EF4-FFF2-40B4-BE49-F238E27FC236}">
+                <a16:creationId xmlns:a16="http://schemas.microsoft.com/office/drawing/2014/main" id="{7F5A1FB5-244E-A10F-341C-D715AA75247D}"/>
+              </a:ext>
+            </a:extLst>
+          </p:cNvPr>
+          <p:cNvSpPr txBox="1"/>
+          <p:nvPr/>
+        </p:nvSpPr>
+        <p:spPr>
+          <a:xfrm>
+            <a:off x="738973" y="1702507"/>
+            <a:ext cx="5181600" cy="523220"/>
+          </a:xfrm>
+          <a:prstGeom prst="rect">
+            <a:avLst/>
+          </a:prstGeom>
+          <a:noFill/>
+        </p:spPr>
+        <p:txBody>
+          <a:bodyPr wrap="square" rtlCol="0" anchor="ctr">
+            <a:spAutoFit/>
+          </a:bodyPr>
+          <a:lstStyle/>
+          <a:p>
+            <a:pPr marL="0" marR="0" lvl="0" indent="0" algn="l" defTabSz="914400" rtl="0" eaLnBrk="1" fontAlgn="auto" latinLnBrk="0" hangingPunct="1">
+              <a:lnSpc>
+                <a:spcPct val="100000"/>
+              </a:lnSpc>
+              <a:spcBef>
+                <a:spcPts val="0"/>
+              </a:spcBef>
+              <a:spcAft>
+                <a:spcPts val="0"/>
+              </a:spcAft>
+              <a:buClrTx/>
+              <a:buSzTx/>
+              <a:buFontTx/>
+              <a:buNone/>
+              <a:tabLst/>
+              <a:defRPr/>
+            </a:pPr>
+            <a:r>
+              <a:rPr lang="es-ES" sz="2800" dirty="0">
+                <a:solidFill>
+                  <a:prstClr val="black"/>
+                </a:solidFill>
+                <a:latin typeface="Lucida Sans" panose="020B0602030504020204" pitchFamily="34" charset="0"/>
+                <a:ea typeface="ADLaM Display" panose="020F0502020204030204" pitchFamily="2" charset="0"/>
+                <a:cs typeface="ADLaM Display" panose="020F0502020204030204" pitchFamily="2" charset="0"/>
+              </a:rPr>
+              <a:t>EVALUACIÓN</a:t>
+            </a:r>
+            <a:endParaRPr kumimoji="0" lang="es-ES" sz="1200" b="0" i="0" u="none" strike="noStrike" kern="1200" cap="none" spc="0" normalizeH="0" baseline="0" noProof="0" dirty="0">
+              <a:ln>
+                <a:noFill/>
+              </a:ln>
+              <a:solidFill>
+                <a:prstClr val="black"/>
+              </a:solidFill>
+              <a:effectLst/>
+              <a:uLnTx/>
+              <a:uFillTx/>
+              <a:latin typeface="Lucida Sans" panose="020B0602030504020204" pitchFamily="34" charset="0"/>
+              <a:ea typeface="ADLaM Display" panose="020F0502020204030204" pitchFamily="2" charset="0"/>
+              <a:cs typeface="ADLaM Display" panose="020F0502020204030204" pitchFamily="2" charset="0"/>
+            </a:endParaRPr>
+          </a:p>
+        </p:txBody>
+      </p:sp>
+      <p:sp>
+        <p:nvSpPr>
+          <p:cNvPr id="7" name="Rectángulo 6">
+            <a:extLst>
+              <a:ext uri="{FF2B5EF4-FFF2-40B4-BE49-F238E27FC236}">
+                <a16:creationId xmlns:a16="http://schemas.microsoft.com/office/drawing/2014/main" id="{FE7A6475-0FA4-714D-B692-0C3993E04FCE}"/>
+              </a:ext>
+            </a:extLst>
+          </p:cNvPr>
+          <p:cNvSpPr/>
+          <p:nvPr/>
+        </p:nvSpPr>
+        <p:spPr>
+          <a:xfrm>
+            <a:off x="0" y="0"/>
+            <a:ext cx="12192000" cy="6857999"/>
+          </a:xfrm>
+          <a:prstGeom prst="rect">
+            <a:avLst/>
+          </a:prstGeom>
+          <a:noFill/>
+          <a:ln w="76200">
+            <a:solidFill>
+              <a:schemeClr val="accent6"/>
+            </a:solidFill>
+          </a:ln>
+        </p:spPr>
+        <p:style>
+          <a:lnRef idx="2">
+            <a:schemeClr val="accent1">
+              <a:shade val="15000"/>
+            </a:schemeClr>
+          </a:lnRef>
+          <a:fillRef idx="1">
+            <a:schemeClr val="accent1"/>
+          </a:fillRef>
+          <a:effectRef idx="0">
+            <a:schemeClr val="accent1"/>
+          </a:effectRef>
+          <a:fontRef idx="minor">
+            <a:schemeClr val="lt1"/>
+          </a:fontRef>
+        </p:style>
+        <p:txBody>
+          <a:bodyPr rtlCol="0" anchor="ctr"/>
+          <a:lstStyle/>
+          <a:p>
+            <a:pPr algn="ctr"/>
+            <a:endParaRPr lang="es-ES"/>
+          </a:p>
+        </p:txBody>
+      </p:sp>
+      <p:sp>
+        <p:nvSpPr>
+          <p:cNvPr id="8" name="CuadroTexto 7">
+            <a:extLst>
+              <a:ext uri="{FF2B5EF4-FFF2-40B4-BE49-F238E27FC236}">
+                <a16:creationId xmlns:a16="http://schemas.microsoft.com/office/drawing/2014/main" id="{2E7DFE96-9053-E82C-F5B3-482CBCC6A5E1}"/>
+              </a:ext>
+            </a:extLst>
+          </p:cNvPr>
+          <p:cNvSpPr txBox="1"/>
+          <p:nvPr/>
+        </p:nvSpPr>
+        <p:spPr>
+          <a:xfrm>
+            <a:off x="738973" y="2225727"/>
+            <a:ext cx="5181600" cy="4431983"/>
+          </a:xfrm>
+          <a:prstGeom prst="rect">
+            <a:avLst/>
+          </a:prstGeom>
+          <a:noFill/>
+        </p:spPr>
+        <p:txBody>
+          <a:bodyPr wrap="square" rtlCol="0">
+            <a:spAutoFit/>
+          </a:bodyPr>
+          <a:lstStyle/>
+          <a:p>
+            <a:pPr marR="0" lvl="0" algn="l" defTabSz="914400" rtl="0" eaLnBrk="1" fontAlgn="auto" latinLnBrk="0" hangingPunct="1">
+              <a:lnSpc>
+                <a:spcPct val="100000"/>
+              </a:lnSpc>
+              <a:spcBef>
+                <a:spcPts val="0"/>
+              </a:spcBef>
+              <a:spcAft>
+                <a:spcPts val="0"/>
+              </a:spcAft>
+              <a:buClrTx/>
+              <a:buSzTx/>
+              <a:tabLst/>
+              <a:defRPr/>
+            </a:pPr>
+            <a:r>
+              <a:rPr kumimoji="0" lang="es-ES" sz="1200" b="1" i="0" u="none" strike="noStrike" kern="1200" cap="none" spc="0" normalizeH="0" baseline="0" noProof="0" dirty="0">
+                <a:ln>
+                  <a:noFill/>
+                </a:ln>
+                <a:effectLst/>
+                <a:uLnTx/>
+                <a:uFillTx/>
+                <a:latin typeface="Consolas" panose="020B0609020204030204" pitchFamily="49" charset="0"/>
+                <a:ea typeface="+mn-ea"/>
+                <a:cs typeface="+mn-cs"/>
+              </a:rPr>
+              <a:t>Métricas:</a:t>
+            </a:r>
+            <a:endParaRPr lang="en-US" sz="1200" b="1" dirty="0">
+              <a:latin typeface="Consolas" panose="020B0609020204030204" pitchFamily="49" charset="0"/>
+            </a:endParaRPr>
+          </a:p>
+          <a:p>
+            <a:pPr marR="0" lvl="0" algn="l" defTabSz="914400" rtl="0" eaLnBrk="1" fontAlgn="auto" latinLnBrk="0" hangingPunct="1">
+              <a:lnSpc>
+                <a:spcPct val="100000"/>
+              </a:lnSpc>
+              <a:spcBef>
+                <a:spcPts val="0"/>
+              </a:spcBef>
+              <a:spcAft>
+                <a:spcPts val="0"/>
+              </a:spcAft>
+              <a:buClrTx/>
+              <a:buSzTx/>
+              <a:tabLst/>
+              <a:defRPr/>
+            </a:pPr>
+            <a:r>
+              <a:rPr lang="en-US" sz="1200" dirty="0">
+                <a:latin typeface="Consolas" panose="020B0609020204030204" pitchFamily="49" charset="0"/>
+              </a:rPr>
+              <a:t>1. </a:t>
+            </a:r>
+          </a:p>
+          <a:p>
+            <a:pPr lvl="1"/>
+            <a:r>
+              <a:rPr kumimoji="0" lang="en-US" sz="1200" b="0" i="0" u="none" strike="noStrike" kern="1200" cap="none" spc="0" normalizeH="0" baseline="0" noProof="0" dirty="0">
+                <a:ln>
+                  <a:noFill/>
+                </a:ln>
+                <a:effectLst/>
+                <a:uLnTx/>
+                <a:uFillTx/>
+                <a:latin typeface="Consolas" panose="020B0609020204030204" pitchFamily="49" charset="0"/>
+                <a:ea typeface="+mn-ea"/>
+                <a:cs typeface="+mn-cs"/>
+              </a:rPr>
+              <a:t>AUC: 0.7781149589432346</a:t>
+            </a:r>
+          </a:p>
+          <a:p>
+            <a:pPr lvl="1"/>
+            <a:r>
+              <a:rPr kumimoji="0" lang="en-US" sz="1200" b="0" i="0" u="none" strike="noStrike" kern="1200" cap="none" spc="0" normalizeH="0" baseline="0" noProof="0" dirty="0">
+                <a:ln>
+                  <a:noFill/>
+                </a:ln>
+                <a:effectLst/>
+                <a:uLnTx/>
+                <a:uFillTx/>
+                <a:latin typeface="Consolas" panose="020B0609020204030204" pitchFamily="49" charset="0"/>
+                <a:ea typeface="+mn-ea"/>
+                <a:cs typeface="+mn-cs"/>
+              </a:rPr>
+              <a:t>F1-Score:0.8694190566235949</a:t>
+            </a:r>
+          </a:p>
+          <a:p>
+            <a:pPr lvl="1"/>
+            <a:r>
+              <a:rPr kumimoji="0" lang="en-US" sz="1200" b="0" i="0" u="none" strike="noStrike" kern="1200" cap="none" spc="0" normalizeH="0" baseline="0" noProof="0" dirty="0">
+                <a:ln>
+                  <a:noFill/>
+                </a:ln>
+                <a:effectLst/>
+                <a:uLnTx/>
+                <a:uFillTx/>
+                <a:latin typeface="Consolas" panose="020B0609020204030204" pitchFamily="49" charset="0"/>
+                <a:ea typeface="+mn-ea"/>
+                <a:cs typeface="+mn-cs"/>
+              </a:rPr>
+              <a:t>Precision Score: 0.7767974469682748</a:t>
+            </a:r>
+          </a:p>
+          <a:p>
+            <a:pPr lvl="1"/>
+            <a:r>
+              <a:rPr kumimoji="0" lang="en-US" sz="1200" b="0" i="0" u="none" strike="noStrike" kern="1200" cap="none" spc="0" normalizeH="0" baseline="0" noProof="0" dirty="0">
+                <a:ln>
+                  <a:noFill/>
+                </a:ln>
+                <a:effectLst/>
+                <a:uLnTx/>
+                <a:uFillTx/>
+                <a:latin typeface="Consolas" panose="020B0609020204030204" pitchFamily="49" charset="0"/>
+                <a:ea typeface="+mn-ea"/>
+                <a:cs typeface="+mn-cs"/>
+              </a:rPr>
+              <a:t>Recall Score: 0.987118320610687</a:t>
+            </a:r>
+          </a:p>
+          <a:p>
+            <a:pPr lvl="1"/>
+            <a:r>
+              <a:rPr kumimoji="0" lang="en-US" sz="1200" b="0" i="0" u="none" strike="noStrike" kern="1200" cap="none" spc="0" normalizeH="0" baseline="0" noProof="0" dirty="0">
+                <a:ln>
+                  <a:noFill/>
+                </a:ln>
+                <a:effectLst/>
+                <a:uLnTx/>
+                <a:uFillTx/>
+                <a:latin typeface="Consolas" panose="020B0609020204030204" pitchFamily="49" charset="0"/>
+                <a:ea typeface="+mn-ea"/>
+                <a:cs typeface="+mn-cs"/>
+              </a:rPr>
+              <a:t>ROC-AUC Score: 0.5719279546315846</a:t>
+            </a:r>
+          </a:p>
+          <a:p>
+            <a:pPr lvl="1"/>
+            <a:r>
+              <a:rPr kumimoji="0" lang="en-US" sz="1200" b="0" i="0" u="none" strike="noStrike" kern="1200" cap="none" spc="0" normalizeH="0" baseline="0" noProof="0" dirty="0">
+                <a:ln>
+                  <a:noFill/>
+                </a:ln>
+                <a:effectLst/>
+                <a:uLnTx/>
+                <a:uFillTx/>
+                <a:latin typeface="Consolas" panose="020B0609020204030204" pitchFamily="49" charset="0"/>
+                <a:ea typeface="+mn-ea"/>
+                <a:cs typeface="+mn-cs"/>
+              </a:rPr>
+              <a:t>Specificity: 0.15673758865248227</a:t>
+            </a:r>
+            <a:endParaRPr kumimoji="0" lang="es-ES" sz="1200" b="0" i="0" u="none" strike="noStrike" kern="1200" cap="none" spc="0" normalizeH="0" baseline="0" noProof="0" dirty="0">
+              <a:ln>
+                <a:noFill/>
+              </a:ln>
+              <a:effectLst/>
+              <a:uLnTx/>
+              <a:uFillTx/>
+              <a:latin typeface="Consolas" panose="020B0609020204030204" pitchFamily="49" charset="0"/>
+              <a:ea typeface="+mn-ea"/>
+              <a:cs typeface="+mn-cs"/>
+            </a:endParaRPr>
+          </a:p>
+          <a:p>
+            <a:pPr marR="0" lvl="0" algn="l" defTabSz="914400" rtl="0" eaLnBrk="1" fontAlgn="auto" latinLnBrk="0" hangingPunct="1">
+              <a:lnSpc>
+                <a:spcPct val="100000"/>
+              </a:lnSpc>
+              <a:spcBef>
+                <a:spcPts val="0"/>
+              </a:spcBef>
+              <a:spcAft>
+                <a:spcPts val="0"/>
+              </a:spcAft>
+              <a:buClrTx/>
+              <a:buSzTx/>
+              <a:tabLst/>
+              <a:defRPr/>
+            </a:pPr>
+            <a:r>
+              <a:rPr lang="es-ES" sz="1200" dirty="0">
+                <a:latin typeface="Consolas" panose="020B0609020204030204" pitchFamily="49" charset="0"/>
+              </a:rPr>
+              <a:t>2.</a:t>
+            </a:r>
+          </a:p>
+          <a:p>
+            <a:pPr lvl="1"/>
+            <a:r>
+              <a:rPr lang="en-US" sz="1200" dirty="0">
+                <a:latin typeface="Consolas" panose="020B0609020204030204" pitchFamily="49" charset="0"/>
+              </a:rPr>
+              <a:t>AUC: 0.9503748661192432</a:t>
+            </a:r>
+          </a:p>
+          <a:p>
+            <a:pPr lvl="1"/>
+            <a:r>
+              <a:rPr lang="en-US" sz="1200" dirty="0">
+                <a:latin typeface="Consolas" panose="020B0609020204030204" pitchFamily="49" charset="0"/>
+              </a:rPr>
+              <a:t>F1-Score:0.9745327958959326</a:t>
+            </a:r>
+          </a:p>
+          <a:p>
+            <a:pPr lvl="1"/>
+            <a:r>
+              <a:rPr lang="en-US" sz="1200" dirty="0">
+                <a:latin typeface="Consolas" panose="020B0609020204030204" pitchFamily="49" charset="0"/>
+              </a:rPr>
+              <a:t>Precision Score: 0.9984982166322508</a:t>
+            </a:r>
+          </a:p>
+          <a:p>
+            <a:pPr lvl="1"/>
+            <a:r>
+              <a:rPr lang="en-US" sz="1200" dirty="0">
+                <a:latin typeface="Consolas" panose="020B0609020204030204" pitchFamily="49" charset="0"/>
+              </a:rPr>
+              <a:t>Recall Score: 0.9516908212560387</a:t>
+            </a:r>
+          </a:p>
+          <a:p>
+            <a:pPr lvl="1"/>
+            <a:r>
+              <a:rPr lang="en-US" sz="1200" dirty="0">
+                <a:latin typeface="Consolas" panose="020B0609020204030204" pitchFamily="49" charset="0"/>
+              </a:rPr>
+              <a:t>ROC-AUC Score: 0.6681531029357116</a:t>
+            </a:r>
+          </a:p>
+          <a:p>
+            <a:pPr lvl="1"/>
+            <a:r>
+              <a:rPr lang="en-US" sz="1200" dirty="0">
+                <a:latin typeface="Consolas" panose="020B0609020204030204" pitchFamily="49" charset="0"/>
+              </a:rPr>
+              <a:t>Specificity: 0.38461538461538464</a:t>
+            </a:r>
+            <a:endParaRPr lang="es-ES" sz="1200" dirty="0">
+              <a:latin typeface="Consolas" panose="020B0609020204030204" pitchFamily="49" charset="0"/>
+            </a:endParaRPr>
+          </a:p>
+          <a:p>
+            <a:pPr marR="0" lvl="0" algn="l" defTabSz="914400" rtl="0" eaLnBrk="1" fontAlgn="auto" latinLnBrk="0" hangingPunct="1">
+              <a:lnSpc>
+                <a:spcPct val="100000"/>
+              </a:lnSpc>
+              <a:spcBef>
+                <a:spcPts val="0"/>
+              </a:spcBef>
+              <a:spcAft>
+                <a:spcPts val="0"/>
+              </a:spcAft>
+              <a:buClrTx/>
+              <a:buSzTx/>
+              <a:tabLst/>
+              <a:defRPr/>
+            </a:pPr>
+            <a:r>
+              <a:rPr lang="es-ES" sz="1200" dirty="0">
+                <a:latin typeface="Consolas" panose="020B0609020204030204" pitchFamily="49" charset="0"/>
+              </a:rPr>
+              <a:t>3.</a:t>
+            </a:r>
+          </a:p>
+          <a:p>
+            <a:pPr lvl="1">
+              <a:defRPr/>
+            </a:pPr>
+            <a:r>
+              <a:rPr lang="en-US" sz="1200" dirty="0">
+                <a:latin typeface="Consolas" panose="020B0609020204030204" pitchFamily="49" charset="0"/>
+              </a:rPr>
+              <a:t>AUC: 0.978246539222149</a:t>
+            </a:r>
+          </a:p>
+          <a:p>
+            <a:pPr lvl="1">
+              <a:defRPr/>
+            </a:pPr>
+            <a:r>
+              <a:rPr lang="en-US" sz="1200" dirty="0">
+                <a:latin typeface="Consolas" panose="020B0609020204030204" pitchFamily="49" charset="0"/>
+              </a:rPr>
+              <a:t>F1-Score:0.9780439121756487</a:t>
+            </a:r>
+          </a:p>
+          <a:p>
+            <a:pPr lvl="1">
+              <a:defRPr/>
+            </a:pPr>
+            <a:r>
+              <a:rPr lang="en-US" sz="1200" dirty="0">
+                <a:latin typeface="Consolas" panose="020B0609020204030204" pitchFamily="49" charset="0"/>
+              </a:rPr>
+              <a:t>Precision Score: 0.95703125</a:t>
+            </a:r>
+          </a:p>
+          <a:p>
+            <a:pPr lvl="1">
+              <a:defRPr/>
+            </a:pPr>
+            <a:r>
+              <a:rPr lang="en-US" sz="1200" dirty="0">
+                <a:latin typeface="Consolas" panose="020B0609020204030204" pitchFamily="49" charset="0"/>
+              </a:rPr>
+              <a:t>Recall Score: 1.0</a:t>
+            </a:r>
+          </a:p>
+          <a:p>
+            <a:pPr lvl="1">
+              <a:defRPr/>
+            </a:pPr>
+            <a:r>
+              <a:rPr lang="en-US" sz="1200" dirty="0">
+                <a:latin typeface="Consolas" panose="020B0609020204030204" pitchFamily="49" charset="0"/>
+              </a:rPr>
+              <a:t>ROC-AUC Score: 0.9789002557544757</a:t>
+            </a:r>
+          </a:p>
+          <a:p>
+            <a:pPr lvl="1">
+              <a:defRPr/>
+            </a:pPr>
+            <a:r>
+              <a:rPr lang="en-US" sz="1200" dirty="0">
+                <a:latin typeface="Consolas" panose="020B0609020204030204" pitchFamily="49" charset="0"/>
+              </a:rPr>
+              <a:t>Specificity: 0.9578005115089514</a:t>
+            </a:r>
+            <a:endParaRPr lang="es-ES" sz="1200" dirty="0">
+              <a:latin typeface="Consolas" panose="020B0609020204030204" pitchFamily="49" charset="0"/>
+            </a:endParaRPr>
+          </a:p>
+          <a:p>
+            <a:endParaRPr lang="es-ES" dirty="0"/>
+          </a:p>
+        </p:txBody>
+      </p:sp>
+      <p:pic>
+        <p:nvPicPr>
+          <p:cNvPr id="18" name="Imagen 17" descr="Gráfico, Gráfico de rectángulos&#10;&#10;Descripción generada automáticamente">
+            <a:extLst>
+              <a:ext uri="{FF2B5EF4-FFF2-40B4-BE49-F238E27FC236}">
+                <a16:creationId xmlns:a16="http://schemas.microsoft.com/office/drawing/2014/main" id="{A87EF23B-A296-8413-3696-901938F98978}"/>
+              </a:ext>
+            </a:extLst>
+          </p:cNvPr>
+          <p:cNvPicPr>
+            <a:picLocks noChangeAspect="1"/>
+          </p:cNvPicPr>
+          <p:nvPr/>
+        </p:nvPicPr>
+        <p:blipFill>
+          <a:blip r:embed="rId2">
+            <a:extLst>
+              <a:ext uri="{28A0092B-C50C-407E-A947-70E740481C1C}">
+                <a14:useLocalDpi xmlns:a14="http://schemas.microsoft.com/office/drawing/2010/main" val="0"/>
+              </a:ext>
+            </a:extLst>
+          </a:blip>
+          <a:stretch>
+            <a:fillRect/>
+          </a:stretch>
+        </p:blipFill>
+        <p:spPr>
+          <a:xfrm>
+            <a:off x="7040380" y="4003893"/>
+            <a:ext cx="3392774" cy="2653817"/>
+          </a:xfrm>
+          <a:prstGeom prst="rect">
+            <a:avLst/>
+          </a:prstGeom>
+        </p:spPr>
+      </p:pic>
+      <p:pic>
+        <p:nvPicPr>
+          <p:cNvPr id="20" name="Imagen 19" descr="Gráfico, Histograma&#10;&#10;Descripción generada automáticamente">
+            <a:extLst>
+              <a:ext uri="{FF2B5EF4-FFF2-40B4-BE49-F238E27FC236}">
+                <a16:creationId xmlns:a16="http://schemas.microsoft.com/office/drawing/2014/main" id="{5C9B4E64-2F0C-2698-83EB-0218AD1AD680}"/>
+              </a:ext>
+            </a:extLst>
+          </p:cNvPr>
+          <p:cNvPicPr>
+            <a:picLocks noChangeAspect="1"/>
+          </p:cNvPicPr>
+          <p:nvPr/>
+        </p:nvPicPr>
+        <p:blipFill>
+          <a:blip r:embed="rId3">
+            <a:extLst>
+              <a:ext uri="{28A0092B-C50C-407E-A947-70E740481C1C}">
+                <a14:useLocalDpi xmlns:a14="http://schemas.microsoft.com/office/drawing/2010/main" val="0"/>
+              </a:ext>
+            </a:extLst>
+          </a:blip>
+          <a:stretch>
+            <a:fillRect/>
+          </a:stretch>
+        </p:blipFill>
+        <p:spPr>
+          <a:xfrm>
+            <a:off x="8953125" y="997584"/>
+            <a:ext cx="2960057" cy="3006308"/>
+          </a:xfrm>
+          <a:prstGeom prst="rect">
+            <a:avLst/>
+          </a:prstGeom>
+        </p:spPr>
+      </p:pic>
+      <p:pic>
+        <p:nvPicPr>
+          <p:cNvPr id="23" name="Imagen 22" descr="Gráfico, Gráfico de líneas&#10;&#10;Descripción generada automáticamente">
+            <a:extLst>
+              <a:ext uri="{FF2B5EF4-FFF2-40B4-BE49-F238E27FC236}">
+                <a16:creationId xmlns:a16="http://schemas.microsoft.com/office/drawing/2014/main" id="{3DCDDD5F-9B1A-8B68-745A-304ECE159685}"/>
+              </a:ext>
+            </a:extLst>
+          </p:cNvPr>
+          <p:cNvPicPr>
+            <a:picLocks noChangeAspect="1"/>
+          </p:cNvPicPr>
+          <p:nvPr/>
+        </p:nvPicPr>
+        <p:blipFill>
+          <a:blip r:embed="rId4">
+            <a:extLst>
+              <a:ext uri="{28A0092B-C50C-407E-A947-70E740481C1C}">
+                <a14:useLocalDpi xmlns:a14="http://schemas.microsoft.com/office/drawing/2010/main" val="0"/>
+              </a:ext>
+            </a:extLst>
+          </a:blip>
+          <a:stretch>
+            <a:fillRect/>
+          </a:stretch>
+        </p:blipFill>
+        <p:spPr>
+          <a:xfrm>
+            <a:off x="5920573" y="1066960"/>
+            <a:ext cx="2960057" cy="2867555"/>
+          </a:xfrm>
+          <a:prstGeom prst="rect">
+            <a:avLst/>
+          </a:prstGeom>
+        </p:spPr>
+      </p:pic>
+    </p:spTree>
+    <p:extLst>
+      <p:ext uri="{BB962C8B-B14F-4D97-AF65-F5344CB8AC3E}">
+        <p14:creationId xmlns:p14="http://schemas.microsoft.com/office/powerpoint/2010/main" val="1326938536"/>
+      </p:ext>
+    </p:extLst>
+  </p:cSld>
+  <p:clrMapOvr>
+    <a:masterClrMapping/>
+  </p:clrMapOvr>
+  <mc:AlternateContent xmlns:mc="http://schemas.openxmlformats.org/markup-compatibility/2006" xmlns:p159="http://schemas.microsoft.com/office/powerpoint/2015/09/main">
+    <mc:Choice Requires="p159">
+      <p:transition xmlns:p14="http://schemas.microsoft.com/office/powerpoint/2010/main" spd="slow" p14:dur="2000">
+        <p159:morph option="byObject"/>
+      </p:transition>
+    </mc:Choice>
+    <mc:Fallback xmlns="">
+      <p:transition spd="slow">
+        <p:fade/>
+      </p:transition>
+    </mc:Fallback>
+  </mc:AlternateContent>
+</p:sld>
+</file>
+
+<file path=ppt/slides/slide19.xml><?xml version="1.0" encoding="utf-8"?>
+<p:sld xmlns:a="http://schemas.openxmlformats.org/drawingml/2006/main" xmlns:r="http://schemas.openxmlformats.org/officeDocument/2006/relationships" xmlns:p="http://schemas.openxmlformats.org/presentationml/2006/main">
+  <p:cSld>
+    <p:spTree>
+      <p:nvGrpSpPr>
+        <p:cNvPr id="1" name=""/>
+        <p:cNvGrpSpPr/>
+        <p:nvPr/>
+      </p:nvGrpSpPr>
+      <p:grpSpPr>
+        <a:xfrm>
+          <a:off x="0" y="0"/>
+          <a:ext cx="0" cy="0"/>
+          <a:chOff x="0" y="0"/>
+          <a:chExt cx="0" cy="0"/>
+        </a:xfrm>
+      </p:grpSpPr>
+      <p:sp>
+        <p:nvSpPr>
+          <p:cNvPr id="10" name="Forma libre: forma 9">
+            <a:extLst>
+              <a:ext uri="{FF2B5EF4-FFF2-40B4-BE49-F238E27FC236}">
+                <a16:creationId xmlns:a16="http://schemas.microsoft.com/office/drawing/2014/main" id="{DB0FD430-3C20-7B9D-3C93-58D1EA51A328}"/>
+              </a:ext>
+            </a:extLst>
+          </p:cNvPr>
+          <p:cNvSpPr/>
+          <p:nvPr/>
+        </p:nvSpPr>
+        <p:spPr>
+          <a:xfrm>
+            <a:off x="0" y="0"/>
+            <a:ext cx="12192000" cy="6858000"/>
+          </a:xfrm>
+          <a:custGeom>
+            <a:avLst/>
+            <a:gdLst>
+              <a:gd name="connsiteX0" fmla="*/ 8671112 w 12192000"/>
+              <a:gd name="connsiteY0" fmla="*/ 1089212 h 6858000"/>
+              <a:gd name="connsiteX1" fmla="*/ 6096000 w 12192000"/>
+              <a:gd name="connsiteY1" fmla="*/ 3429000 h 6858000"/>
+              <a:gd name="connsiteX2" fmla="*/ 8671112 w 12192000"/>
+              <a:gd name="connsiteY2" fmla="*/ 5768788 h 6858000"/>
+              <a:gd name="connsiteX3" fmla="*/ 11246224 w 12192000"/>
+              <a:gd name="connsiteY3" fmla="*/ 3429000 h 6858000"/>
+              <a:gd name="connsiteX4" fmla="*/ 8671112 w 12192000"/>
+              <a:gd name="connsiteY4" fmla="*/ 1089212 h 6858000"/>
+              <a:gd name="connsiteX5" fmla="*/ 0 w 12192000"/>
+              <a:gd name="connsiteY5" fmla="*/ 0 h 6858000"/>
+              <a:gd name="connsiteX6" fmla="*/ 12192000 w 12192000"/>
+              <a:gd name="connsiteY6" fmla="*/ 0 h 6858000"/>
+              <a:gd name="connsiteX7" fmla="*/ 12192000 w 12192000"/>
+              <a:gd name="connsiteY7" fmla="*/ 6858000 h 6858000"/>
+              <a:gd name="connsiteX8" fmla="*/ 0 w 12192000"/>
+              <a:gd name="connsiteY8" fmla="*/ 6858000 h 6858000"/>
+            </a:gdLst>
+            <a:ahLst/>
+            <a:cxnLst>
+              <a:cxn ang="0">
+                <a:pos x="connsiteX0" y="connsiteY0"/>
+              </a:cxn>
+              <a:cxn ang="0">
+                <a:pos x="connsiteX1" y="connsiteY1"/>
+              </a:cxn>
+              <a:cxn ang="0">
+                <a:pos x="connsiteX2" y="connsiteY2"/>
+              </a:cxn>
+              <a:cxn ang="0">
+                <a:pos x="connsiteX3" y="connsiteY3"/>
+              </a:cxn>
+              <a:cxn ang="0">
+                <a:pos x="connsiteX4" y="connsiteY4"/>
+              </a:cxn>
+              <a:cxn ang="0">
+                <a:pos x="connsiteX5" y="connsiteY5"/>
+              </a:cxn>
+              <a:cxn ang="0">
+                <a:pos x="connsiteX6" y="connsiteY6"/>
+              </a:cxn>
+              <a:cxn ang="0">
+                <a:pos x="connsiteX7" y="connsiteY7"/>
+              </a:cxn>
+              <a:cxn ang="0">
+                <a:pos x="connsiteX8" y="connsiteY8"/>
+              </a:cxn>
+            </a:cxnLst>
+            <a:rect l="l" t="t" r="r" b="b"/>
+            <a:pathLst>
+              <a:path w="12192000" h="6858000">
+                <a:moveTo>
+                  <a:pt x="8671112" y="1089212"/>
+                </a:moveTo>
+                <a:cubicBezTo>
+                  <a:pt x="7248917" y="1089212"/>
+                  <a:pt x="6096000" y="2136771"/>
+                  <a:pt x="6096000" y="3429000"/>
+                </a:cubicBezTo>
+                <a:cubicBezTo>
+                  <a:pt x="6096000" y="4721229"/>
+                  <a:pt x="7248917" y="5768788"/>
+                  <a:pt x="8671112" y="5768788"/>
+                </a:cubicBezTo>
+                <a:cubicBezTo>
+                  <a:pt x="10093307" y="5768788"/>
+                  <a:pt x="11246224" y="4721229"/>
+                  <a:pt x="11246224" y="3429000"/>
+                </a:cubicBezTo>
+                <a:cubicBezTo>
+                  <a:pt x="11246224" y="2136771"/>
+                  <a:pt x="10093307" y="1089212"/>
+                  <a:pt x="8671112" y="1089212"/>
+                </a:cubicBezTo>
+                <a:close/>
+                <a:moveTo>
+                  <a:pt x="0" y="0"/>
+                </a:moveTo>
+                <a:lnTo>
+                  <a:pt x="12192000" y="0"/>
+                </a:lnTo>
+                <a:lnTo>
+                  <a:pt x="12192000" y="6858000"/>
+                </a:lnTo>
+                <a:lnTo>
+                  <a:pt x="0" y="6858000"/>
+                </a:lnTo>
+                <a:close/>
+              </a:path>
+            </a:pathLst>
+          </a:custGeom>
+          <a:solidFill>
+            <a:schemeClr val="bg1"/>
+          </a:solidFill>
+          <a:ln>
+            <a:noFill/>
+          </a:ln>
+        </p:spPr>
+        <p:style>
+          <a:lnRef idx="2">
+            <a:schemeClr val="accent1">
+              <a:shade val="15000"/>
+            </a:schemeClr>
+          </a:lnRef>
+          <a:fillRef idx="1">
+            <a:schemeClr val="accent1"/>
+          </a:fillRef>
+          <a:effectRef idx="0">
+            <a:schemeClr val="accent1"/>
+          </a:effectRef>
+          <a:fontRef idx="minor">
+            <a:schemeClr val="lt1"/>
+          </a:fontRef>
+        </p:style>
+        <p:txBody>
+          <a:bodyPr wrap="square" rtlCol="0" anchor="ctr">
+            <a:noAutofit/>
+          </a:bodyPr>
+          <a:lstStyle/>
+          <a:p>
+            <a:pPr marL="0" marR="0" lvl="0" indent="0" algn="ctr" defTabSz="914400" rtl="0" eaLnBrk="1" fontAlgn="auto" latinLnBrk="0" hangingPunct="1">
+              <a:lnSpc>
+                <a:spcPct val="100000"/>
+              </a:lnSpc>
+              <a:spcBef>
+                <a:spcPts val="0"/>
+              </a:spcBef>
+              <a:spcAft>
+                <a:spcPts val="0"/>
+              </a:spcAft>
+              <a:buClrTx/>
+              <a:buSzTx/>
+              <a:buFontTx/>
+              <a:buNone/>
+              <a:tabLst/>
+              <a:defRPr/>
+            </a:pPr>
+            <a:endParaRPr kumimoji="0" lang="es-ES" sz="1800" b="0" i="0" u="none" strike="noStrike" kern="1200" cap="none" spc="0" normalizeH="0" baseline="0" noProof="0" dirty="0">
+              <a:ln>
+                <a:noFill/>
+              </a:ln>
+              <a:solidFill>
+                <a:prstClr val="white"/>
+              </a:solidFill>
+              <a:effectLst/>
+              <a:uLnTx/>
+              <a:uFillTx/>
+              <a:latin typeface="Aptos" panose="02110004020202020204"/>
+              <a:ea typeface="+mn-ea"/>
+              <a:cs typeface="+mn-cs"/>
+            </a:endParaRPr>
+          </a:p>
+        </p:txBody>
+      </p:sp>
+      <p:sp>
+        <p:nvSpPr>
+          <p:cNvPr id="21" name="CuadroTexto 20">
+            <a:extLst>
+              <a:ext uri="{FF2B5EF4-FFF2-40B4-BE49-F238E27FC236}">
+                <a16:creationId xmlns:a16="http://schemas.microsoft.com/office/drawing/2014/main" id="{7BBEC0D6-96F2-D941-14F8-AAF693AA7AC0}"/>
+              </a:ext>
+            </a:extLst>
+          </p:cNvPr>
+          <p:cNvSpPr txBox="1"/>
+          <p:nvPr/>
+        </p:nvSpPr>
+        <p:spPr>
+          <a:xfrm>
+            <a:off x="914400" y="10674288"/>
+            <a:ext cx="5181600" cy="523220"/>
+          </a:xfrm>
+          <a:prstGeom prst="rect">
+            <a:avLst/>
+          </a:prstGeom>
+          <a:noFill/>
+        </p:spPr>
+        <p:txBody>
+          <a:bodyPr wrap="square" rtlCol="0" anchor="ctr">
+            <a:spAutoFit/>
+          </a:bodyPr>
+          <a:lstStyle/>
+          <a:p>
+            <a:pPr marL="0" marR="0" lvl="0" indent="0" algn="l" defTabSz="914400" rtl="0" eaLnBrk="1" fontAlgn="auto" latinLnBrk="0" hangingPunct="1">
+              <a:lnSpc>
+                <a:spcPct val="100000"/>
+              </a:lnSpc>
+              <a:spcBef>
+                <a:spcPts val="0"/>
+              </a:spcBef>
+              <a:spcAft>
+                <a:spcPts val="0"/>
+              </a:spcAft>
+              <a:buClrTx/>
+              <a:buSzTx/>
+              <a:buFontTx/>
+              <a:buNone/>
+              <a:tabLst/>
+              <a:defRPr/>
+            </a:pPr>
+            <a:r>
+              <a:rPr kumimoji="0" lang="es-ES" sz="2800" b="0" i="0" u="none" strike="noStrike" kern="1200" cap="none" spc="0" normalizeH="0" baseline="0" noProof="0" dirty="0">
+                <a:ln>
+                  <a:noFill/>
+                </a:ln>
+                <a:solidFill>
+                  <a:prstClr val="black"/>
+                </a:solidFill>
+                <a:effectLst/>
+                <a:uLnTx/>
+                <a:uFillTx/>
+                <a:latin typeface="Lucida Sans" panose="020B0602030504020204" pitchFamily="34" charset="0"/>
+                <a:ea typeface="ADLaM Display" panose="020F0502020204030204" pitchFamily="2" charset="0"/>
+                <a:cs typeface="ADLaM Display" panose="020F0502020204030204" pitchFamily="2" charset="0"/>
+              </a:rPr>
+              <a:t>MÉTODO(logia)</a:t>
+            </a:r>
+            <a:endParaRPr kumimoji="0" lang="es-ES" sz="1200" b="0" i="0" u="none" strike="noStrike" kern="1200" cap="none" spc="0" normalizeH="0" baseline="0" noProof="0" dirty="0">
+              <a:ln>
+                <a:noFill/>
+              </a:ln>
+              <a:solidFill>
+                <a:prstClr val="black"/>
+              </a:solidFill>
+              <a:effectLst/>
+              <a:uLnTx/>
+              <a:uFillTx/>
+              <a:latin typeface="Lucida Sans" panose="020B0602030504020204" pitchFamily="34" charset="0"/>
+              <a:ea typeface="ADLaM Display" panose="020F0502020204030204" pitchFamily="2" charset="0"/>
+              <a:cs typeface="ADLaM Display" panose="020F0502020204030204" pitchFamily="2" charset="0"/>
+            </a:endParaRPr>
+          </a:p>
+        </p:txBody>
+      </p:sp>
+      <p:sp>
+        <p:nvSpPr>
+          <p:cNvPr id="5" name="CuadroTexto 4">
+            <a:extLst>
+              <a:ext uri="{FF2B5EF4-FFF2-40B4-BE49-F238E27FC236}">
+                <a16:creationId xmlns:a16="http://schemas.microsoft.com/office/drawing/2014/main" id="{7F5A1FB5-244E-A10F-341C-D715AA75247D}"/>
+              </a:ext>
+            </a:extLst>
+          </p:cNvPr>
+          <p:cNvSpPr txBox="1"/>
+          <p:nvPr/>
+        </p:nvSpPr>
+        <p:spPr>
+          <a:xfrm>
+            <a:off x="738973" y="1702507"/>
+            <a:ext cx="5181600" cy="523220"/>
+          </a:xfrm>
+          <a:prstGeom prst="rect">
+            <a:avLst/>
+          </a:prstGeom>
+          <a:noFill/>
+        </p:spPr>
+        <p:txBody>
+          <a:bodyPr wrap="square" rtlCol="0" anchor="ctr">
+            <a:spAutoFit/>
+          </a:bodyPr>
+          <a:lstStyle/>
+          <a:p>
+            <a:pPr marL="0" marR="0" lvl="0" indent="0" algn="l" defTabSz="914400" rtl="0" eaLnBrk="1" fontAlgn="auto" latinLnBrk="0" hangingPunct="1">
+              <a:lnSpc>
+                <a:spcPct val="100000"/>
+              </a:lnSpc>
+              <a:spcBef>
+                <a:spcPts val="0"/>
+              </a:spcBef>
+              <a:spcAft>
+                <a:spcPts val="0"/>
+              </a:spcAft>
+              <a:buClrTx/>
+              <a:buSzTx/>
+              <a:buFontTx/>
+              <a:buNone/>
+              <a:tabLst/>
+              <a:defRPr/>
+            </a:pPr>
+            <a:r>
+              <a:rPr lang="es-ES" sz="2800" dirty="0">
+                <a:solidFill>
+                  <a:prstClr val="black"/>
+                </a:solidFill>
+                <a:latin typeface="Lucida Sans" panose="020B0602030504020204" pitchFamily="34" charset="0"/>
+                <a:ea typeface="ADLaM Display" panose="020F0502020204030204" pitchFamily="2" charset="0"/>
+                <a:cs typeface="ADLaM Display" panose="020F0502020204030204" pitchFamily="2" charset="0"/>
+              </a:rPr>
+              <a:t>EVALUACIÓN</a:t>
+            </a:r>
+            <a:endParaRPr kumimoji="0" lang="es-ES" sz="1200" b="0" i="0" u="none" strike="noStrike" kern="1200" cap="none" spc="0" normalizeH="0" baseline="0" noProof="0" dirty="0">
+              <a:ln>
+                <a:noFill/>
+              </a:ln>
+              <a:solidFill>
+                <a:prstClr val="black"/>
+              </a:solidFill>
+              <a:effectLst/>
+              <a:uLnTx/>
+              <a:uFillTx/>
+              <a:latin typeface="Lucida Sans" panose="020B0602030504020204" pitchFamily="34" charset="0"/>
+              <a:ea typeface="ADLaM Display" panose="020F0502020204030204" pitchFamily="2" charset="0"/>
+              <a:cs typeface="ADLaM Display" panose="020F0502020204030204" pitchFamily="2" charset="0"/>
+            </a:endParaRPr>
+          </a:p>
+        </p:txBody>
+      </p:sp>
+      <p:sp>
+        <p:nvSpPr>
           <p:cNvPr id="7" name="Rectángulo 6">
             <a:extLst>
               <a:ext uri="{FF2B5EF4-FFF2-40B4-BE49-F238E27FC236}">
@@ -10420,7 +12231,346 @@
 </p:sld>
 </file>
 
-<file path=ppt/slides/slide18.xml><?xml version="1.0" encoding="utf-8"?>
+<file path=ppt/slides/slide2.xml><?xml version="1.0" encoding="utf-8"?>
+<p:sld xmlns:a="http://schemas.openxmlformats.org/drawingml/2006/main" xmlns:r="http://schemas.openxmlformats.org/officeDocument/2006/relationships" xmlns:p="http://schemas.openxmlformats.org/presentationml/2006/main">
+  <p:cSld>
+    <p:spTree>
+      <p:nvGrpSpPr>
+        <p:cNvPr id="1" name=""/>
+        <p:cNvGrpSpPr/>
+        <p:nvPr/>
+      </p:nvGrpSpPr>
+      <p:grpSpPr>
+        <a:xfrm>
+          <a:off x="0" y="0"/>
+          <a:ext cx="0" cy="0"/>
+          <a:chOff x="0" y="0"/>
+          <a:chExt cx="0" cy="0"/>
+        </a:xfrm>
+      </p:grpSpPr>
+      <p:pic>
+        <p:nvPicPr>
+          <p:cNvPr id="4" name="Imagen 3" descr="Diagrama">
+            <a:extLst>
+              <a:ext uri="{FF2B5EF4-FFF2-40B4-BE49-F238E27FC236}">
+                <a16:creationId xmlns:a16="http://schemas.microsoft.com/office/drawing/2014/main" id="{C8FB34FE-F22E-5CF8-A83A-C7CFDABFF8C8}"/>
+              </a:ext>
+            </a:extLst>
+          </p:cNvPr>
+          <p:cNvPicPr>
+            <a:picLocks noChangeAspect="1"/>
+          </p:cNvPicPr>
+          <p:nvPr/>
+        </p:nvPicPr>
+        <p:blipFill>
+          <a:blip r:embed="rId2">
+            <a:extLst>
+              <a:ext uri="{28A0092B-C50C-407E-A947-70E740481C1C}">
+                <a14:useLocalDpi xmlns:a14="http://schemas.microsoft.com/office/drawing/2010/main" val="0"/>
+              </a:ext>
+            </a:extLst>
+          </a:blip>
+          <a:stretch>
+            <a:fillRect/>
+          </a:stretch>
+        </p:blipFill>
+        <p:spPr>
+          <a:xfrm>
+            <a:off x="2310633" y="0"/>
+            <a:ext cx="7570734" cy="6677824"/>
+          </a:xfrm>
+          <a:prstGeom prst="rect">
+            <a:avLst/>
+          </a:prstGeom>
+        </p:spPr>
+      </p:pic>
+      <p:sp>
+        <p:nvSpPr>
+          <p:cNvPr id="5" name="Rectángulo 4">
+            <a:extLst>
+              <a:ext uri="{FF2B5EF4-FFF2-40B4-BE49-F238E27FC236}">
+                <a16:creationId xmlns:a16="http://schemas.microsoft.com/office/drawing/2014/main" id="{ADC97A2A-8020-922D-B5DB-7B88D296E848}"/>
+              </a:ext>
+            </a:extLst>
+          </p:cNvPr>
+          <p:cNvSpPr/>
+          <p:nvPr/>
+        </p:nvSpPr>
+        <p:spPr>
+          <a:xfrm>
+            <a:off x="6168572" y="1349829"/>
+            <a:ext cx="1175657" cy="566057"/>
+          </a:xfrm>
+          <a:prstGeom prst="rect">
+            <a:avLst/>
+          </a:prstGeom>
+          <a:noFill/>
+          <a:ln w="38100">
+            <a:solidFill>
+              <a:srgbClr val="FF0000"/>
+            </a:solidFill>
+          </a:ln>
+        </p:spPr>
+        <p:style>
+          <a:lnRef idx="2">
+            <a:schemeClr val="accent1">
+              <a:shade val="15000"/>
+            </a:schemeClr>
+          </a:lnRef>
+          <a:fillRef idx="1">
+            <a:schemeClr val="accent1"/>
+          </a:fillRef>
+          <a:effectRef idx="0">
+            <a:schemeClr val="accent1"/>
+          </a:effectRef>
+          <a:fontRef idx="minor">
+            <a:schemeClr val="lt1"/>
+          </a:fontRef>
+        </p:style>
+        <p:txBody>
+          <a:bodyPr rtlCol="0" anchor="ctr"/>
+          <a:lstStyle/>
+          <a:p>
+            <a:pPr algn="ctr"/>
+            <a:endParaRPr lang="es-ES"/>
+          </a:p>
+        </p:txBody>
+      </p:sp>
+      <p:sp>
+        <p:nvSpPr>
+          <p:cNvPr id="6" name="Rectángulo 5">
+            <a:extLst>
+              <a:ext uri="{FF2B5EF4-FFF2-40B4-BE49-F238E27FC236}">
+                <a16:creationId xmlns:a16="http://schemas.microsoft.com/office/drawing/2014/main" id="{05E13EBE-65CF-42B1-5DBE-3645E6E68EFD}"/>
+              </a:ext>
+            </a:extLst>
+          </p:cNvPr>
+          <p:cNvSpPr/>
+          <p:nvPr/>
+        </p:nvSpPr>
+        <p:spPr>
+          <a:xfrm>
+            <a:off x="7046687" y="2445658"/>
+            <a:ext cx="1066800" cy="566057"/>
+          </a:xfrm>
+          <a:prstGeom prst="rect">
+            <a:avLst/>
+          </a:prstGeom>
+          <a:noFill/>
+          <a:ln w="38100">
+            <a:solidFill>
+              <a:schemeClr val="tx2">
+                <a:lumMod val="50000"/>
+                <a:lumOff val="50000"/>
+              </a:schemeClr>
+            </a:solidFill>
+          </a:ln>
+        </p:spPr>
+        <p:style>
+          <a:lnRef idx="2">
+            <a:schemeClr val="accent1">
+              <a:shade val="15000"/>
+            </a:schemeClr>
+          </a:lnRef>
+          <a:fillRef idx="1">
+            <a:schemeClr val="accent1"/>
+          </a:fillRef>
+          <a:effectRef idx="0">
+            <a:schemeClr val="accent1"/>
+          </a:effectRef>
+          <a:fontRef idx="minor">
+            <a:schemeClr val="lt1"/>
+          </a:fontRef>
+        </p:style>
+        <p:txBody>
+          <a:bodyPr rtlCol="0" anchor="ctr"/>
+          <a:lstStyle/>
+          <a:p>
+            <a:pPr algn="ctr"/>
+            <a:endParaRPr lang="es-ES"/>
+          </a:p>
+        </p:txBody>
+      </p:sp>
+      <p:sp>
+        <p:nvSpPr>
+          <p:cNvPr id="7" name="Rectángulo 6">
+            <a:extLst>
+              <a:ext uri="{FF2B5EF4-FFF2-40B4-BE49-F238E27FC236}">
+                <a16:creationId xmlns:a16="http://schemas.microsoft.com/office/drawing/2014/main" id="{AD98D324-CC3B-3CFE-5C72-B79B98A7AA17}"/>
+              </a:ext>
+            </a:extLst>
+          </p:cNvPr>
+          <p:cNvSpPr/>
+          <p:nvPr/>
+        </p:nvSpPr>
+        <p:spPr>
+          <a:xfrm>
+            <a:off x="7046687" y="3429000"/>
+            <a:ext cx="1066800" cy="566057"/>
+          </a:xfrm>
+          <a:prstGeom prst="rect">
+            <a:avLst/>
+          </a:prstGeom>
+          <a:noFill/>
+          <a:ln w="38100">
+            <a:solidFill>
+              <a:schemeClr val="accent5">
+                <a:lumMod val="75000"/>
+              </a:schemeClr>
+            </a:solidFill>
+          </a:ln>
+        </p:spPr>
+        <p:style>
+          <a:lnRef idx="2">
+            <a:schemeClr val="accent1">
+              <a:shade val="15000"/>
+            </a:schemeClr>
+          </a:lnRef>
+          <a:fillRef idx="1">
+            <a:schemeClr val="accent1"/>
+          </a:fillRef>
+          <a:effectRef idx="0">
+            <a:schemeClr val="accent1"/>
+          </a:effectRef>
+          <a:fontRef idx="minor">
+            <a:schemeClr val="lt1"/>
+          </a:fontRef>
+        </p:style>
+        <p:txBody>
+          <a:bodyPr rtlCol="0" anchor="ctr"/>
+          <a:lstStyle/>
+          <a:p>
+            <a:pPr algn="ctr"/>
+            <a:endParaRPr lang="es-ES"/>
+          </a:p>
+        </p:txBody>
+      </p:sp>
+      <p:sp>
+        <p:nvSpPr>
+          <p:cNvPr id="8" name="Rectángulo 7">
+            <a:extLst>
+              <a:ext uri="{FF2B5EF4-FFF2-40B4-BE49-F238E27FC236}">
+                <a16:creationId xmlns:a16="http://schemas.microsoft.com/office/drawing/2014/main" id="{85EEBB55-F636-2B73-B4A7-FBD82B7D3DFA}"/>
+              </a:ext>
+            </a:extLst>
+          </p:cNvPr>
+          <p:cNvSpPr/>
+          <p:nvPr/>
+        </p:nvSpPr>
+        <p:spPr>
+          <a:xfrm>
+            <a:off x="5413829" y="5065487"/>
+            <a:ext cx="1066800" cy="566057"/>
+          </a:xfrm>
+          <a:prstGeom prst="rect">
+            <a:avLst/>
+          </a:prstGeom>
+          <a:noFill/>
+          <a:ln w="38100">
+            <a:solidFill>
+              <a:schemeClr val="accent6"/>
+            </a:solidFill>
+          </a:ln>
+        </p:spPr>
+        <p:style>
+          <a:lnRef idx="2">
+            <a:schemeClr val="accent1">
+              <a:shade val="15000"/>
+            </a:schemeClr>
+          </a:lnRef>
+          <a:fillRef idx="1">
+            <a:schemeClr val="accent1"/>
+          </a:fillRef>
+          <a:effectRef idx="0">
+            <a:schemeClr val="accent1"/>
+          </a:effectRef>
+          <a:fontRef idx="minor">
+            <a:schemeClr val="lt1"/>
+          </a:fontRef>
+        </p:style>
+        <p:txBody>
+          <a:bodyPr rtlCol="0" anchor="ctr"/>
+          <a:lstStyle/>
+          <a:p>
+            <a:pPr algn="ctr"/>
+            <a:endParaRPr lang="es-ES"/>
+          </a:p>
+        </p:txBody>
+      </p:sp>
+      <p:sp>
+        <p:nvSpPr>
+          <p:cNvPr id="9" name="Rectángulo 8">
+            <a:extLst>
+              <a:ext uri="{FF2B5EF4-FFF2-40B4-BE49-F238E27FC236}">
+                <a16:creationId xmlns:a16="http://schemas.microsoft.com/office/drawing/2014/main" id="{9F6263D3-0688-CB0A-58A7-D94FF5661762}"/>
+              </a:ext>
+            </a:extLst>
+          </p:cNvPr>
+          <p:cNvSpPr/>
+          <p:nvPr/>
+        </p:nvSpPr>
+        <p:spPr>
+          <a:xfrm>
+            <a:off x="4680857" y="1349829"/>
+            <a:ext cx="1066800" cy="566057"/>
+          </a:xfrm>
+          <a:prstGeom prst="rect">
+            <a:avLst/>
+          </a:prstGeom>
+          <a:noFill/>
+          <a:ln w="38100"/>
+        </p:spPr>
+        <p:style>
+          <a:lnRef idx="2">
+            <a:schemeClr val="accent1">
+              <a:shade val="15000"/>
+            </a:schemeClr>
+          </a:lnRef>
+          <a:fillRef idx="1">
+            <a:schemeClr val="accent1"/>
+          </a:fillRef>
+          <a:effectRef idx="0">
+            <a:schemeClr val="accent1"/>
+          </a:effectRef>
+          <a:fontRef idx="minor">
+            <a:schemeClr val="lt1"/>
+          </a:fontRef>
+        </p:style>
+        <p:txBody>
+          <a:bodyPr rtlCol="0" anchor="ctr"/>
+          <a:lstStyle/>
+          <a:p>
+            <a:pPr algn="ctr"/>
+            <a:endParaRPr lang="es-ES"/>
+          </a:p>
+        </p:txBody>
+      </p:sp>
+    </p:spTree>
+    <p:extLst>
+      <p:ext uri="{BB962C8B-B14F-4D97-AF65-F5344CB8AC3E}">
+        <p14:creationId xmlns:p14="http://schemas.microsoft.com/office/powerpoint/2010/main" val="1528405917"/>
+      </p:ext>
+    </p:extLst>
+  </p:cSld>
+  <p:clrMapOvr>
+    <a:masterClrMapping/>
+  </p:clrMapOvr>
+  <mc:AlternateContent xmlns:mc="http://schemas.openxmlformats.org/markup-compatibility/2006" xmlns:p159="http://schemas.microsoft.com/office/powerpoint/2015/09/main">
+    <mc:Choice Requires="p159">
+      <p:transition xmlns:p14="http://schemas.microsoft.com/office/powerpoint/2010/main" spd="slow" p14:dur="2000">
+        <p159:morph option="byObject"/>
+      </p:transition>
+    </mc:Choice>
+    <mc:Fallback xmlns="">
+      <p:transition spd="slow">
+        <p:fade/>
+      </p:transition>
+    </mc:Fallback>
+  </mc:AlternateContent>
+</p:sld>
+</file>
+
+<file path=ppt/slides/slide20.xml><?xml version="1.0" encoding="utf-8"?>
 <p:sld xmlns:a="http://schemas.openxmlformats.org/drawingml/2006/main" xmlns:r="http://schemas.openxmlformats.org/officeDocument/2006/relationships" xmlns:p="http://schemas.openxmlformats.org/presentationml/2006/main">
   <p:cSld>
     <p:spTree>
@@ -10598,7 +12748,7 @@
 </p:sld>
 </file>
 
-<file path=ppt/slides/slide19.xml><?xml version="1.0" encoding="utf-8"?>
+<file path=ppt/slides/slide21.xml><?xml version="1.0" encoding="utf-8"?>
 <p:sld xmlns:a="http://schemas.openxmlformats.org/drawingml/2006/main" xmlns:r="http://schemas.openxmlformats.org/officeDocument/2006/relationships" xmlns:p="http://schemas.openxmlformats.org/presentationml/2006/main">
   <p:cSld>
     <p:spTree>
@@ -11062,346 +13212,7 @@
 </p:sld>
 </file>
 
-<file path=ppt/slides/slide2.xml><?xml version="1.0" encoding="utf-8"?>
-<p:sld xmlns:a="http://schemas.openxmlformats.org/drawingml/2006/main" xmlns:r="http://schemas.openxmlformats.org/officeDocument/2006/relationships" xmlns:p="http://schemas.openxmlformats.org/presentationml/2006/main">
-  <p:cSld>
-    <p:spTree>
-      <p:nvGrpSpPr>
-        <p:cNvPr id="1" name=""/>
-        <p:cNvGrpSpPr/>
-        <p:nvPr/>
-      </p:nvGrpSpPr>
-      <p:grpSpPr>
-        <a:xfrm>
-          <a:off x="0" y="0"/>
-          <a:ext cx="0" cy="0"/>
-          <a:chOff x="0" y="0"/>
-          <a:chExt cx="0" cy="0"/>
-        </a:xfrm>
-      </p:grpSpPr>
-      <p:pic>
-        <p:nvPicPr>
-          <p:cNvPr id="4" name="Imagen 3" descr="Diagrama">
-            <a:extLst>
-              <a:ext uri="{FF2B5EF4-FFF2-40B4-BE49-F238E27FC236}">
-                <a16:creationId xmlns:a16="http://schemas.microsoft.com/office/drawing/2014/main" id="{C8FB34FE-F22E-5CF8-A83A-C7CFDABFF8C8}"/>
-              </a:ext>
-            </a:extLst>
-          </p:cNvPr>
-          <p:cNvPicPr>
-            <a:picLocks noChangeAspect="1"/>
-          </p:cNvPicPr>
-          <p:nvPr/>
-        </p:nvPicPr>
-        <p:blipFill>
-          <a:blip r:embed="rId2">
-            <a:extLst>
-              <a:ext uri="{28A0092B-C50C-407E-A947-70E740481C1C}">
-                <a14:useLocalDpi xmlns:a14="http://schemas.microsoft.com/office/drawing/2010/main" val="0"/>
-              </a:ext>
-            </a:extLst>
-          </a:blip>
-          <a:stretch>
-            <a:fillRect/>
-          </a:stretch>
-        </p:blipFill>
-        <p:spPr>
-          <a:xfrm>
-            <a:off x="2310633" y="0"/>
-            <a:ext cx="7570734" cy="6677824"/>
-          </a:xfrm>
-          <a:prstGeom prst="rect">
-            <a:avLst/>
-          </a:prstGeom>
-        </p:spPr>
-      </p:pic>
-      <p:sp>
-        <p:nvSpPr>
-          <p:cNvPr id="5" name="Rectángulo 4">
-            <a:extLst>
-              <a:ext uri="{FF2B5EF4-FFF2-40B4-BE49-F238E27FC236}">
-                <a16:creationId xmlns:a16="http://schemas.microsoft.com/office/drawing/2014/main" id="{ADC97A2A-8020-922D-B5DB-7B88D296E848}"/>
-              </a:ext>
-            </a:extLst>
-          </p:cNvPr>
-          <p:cNvSpPr/>
-          <p:nvPr/>
-        </p:nvSpPr>
-        <p:spPr>
-          <a:xfrm>
-            <a:off x="6168572" y="1349829"/>
-            <a:ext cx="1175657" cy="566057"/>
-          </a:xfrm>
-          <a:prstGeom prst="rect">
-            <a:avLst/>
-          </a:prstGeom>
-          <a:noFill/>
-          <a:ln w="38100">
-            <a:solidFill>
-              <a:srgbClr val="FF0000"/>
-            </a:solidFill>
-          </a:ln>
-        </p:spPr>
-        <p:style>
-          <a:lnRef idx="2">
-            <a:schemeClr val="accent1">
-              <a:shade val="15000"/>
-            </a:schemeClr>
-          </a:lnRef>
-          <a:fillRef idx="1">
-            <a:schemeClr val="accent1"/>
-          </a:fillRef>
-          <a:effectRef idx="0">
-            <a:schemeClr val="accent1"/>
-          </a:effectRef>
-          <a:fontRef idx="minor">
-            <a:schemeClr val="lt1"/>
-          </a:fontRef>
-        </p:style>
-        <p:txBody>
-          <a:bodyPr rtlCol="0" anchor="ctr"/>
-          <a:lstStyle/>
-          <a:p>
-            <a:pPr algn="ctr"/>
-            <a:endParaRPr lang="es-ES"/>
-          </a:p>
-        </p:txBody>
-      </p:sp>
-      <p:sp>
-        <p:nvSpPr>
-          <p:cNvPr id="6" name="Rectángulo 5">
-            <a:extLst>
-              <a:ext uri="{FF2B5EF4-FFF2-40B4-BE49-F238E27FC236}">
-                <a16:creationId xmlns:a16="http://schemas.microsoft.com/office/drawing/2014/main" id="{05E13EBE-65CF-42B1-5DBE-3645E6E68EFD}"/>
-              </a:ext>
-            </a:extLst>
-          </p:cNvPr>
-          <p:cNvSpPr/>
-          <p:nvPr/>
-        </p:nvSpPr>
-        <p:spPr>
-          <a:xfrm>
-            <a:off x="7046687" y="2445658"/>
-            <a:ext cx="1066800" cy="566057"/>
-          </a:xfrm>
-          <a:prstGeom prst="rect">
-            <a:avLst/>
-          </a:prstGeom>
-          <a:noFill/>
-          <a:ln w="38100">
-            <a:solidFill>
-              <a:schemeClr val="tx2">
-                <a:lumMod val="50000"/>
-                <a:lumOff val="50000"/>
-              </a:schemeClr>
-            </a:solidFill>
-          </a:ln>
-        </p:spPr>
-        <p:style>
-          <a:lnRef idx="2">
-            <a:schemeClr val="accent1">
-              <a:shade val="15000"/>
-            </a:schemeClr>
-          </a:lnRef>
-          <a:fillRef idx="1">
-            <a:schemeClr val="accent1"/>
-          </a:fillRef>
-          <a:effectRef idx="0">
-            <a:schemeClr val="accent1"/>
-          </a:effectRef>
-          <a:fontRef idx="minor">
-            <a:schemeClr val="lt1"/>
-          </a:fontRef>
-        </p:style>
-        <p:txBody>
-          <a:bodyPr rtlCol="0" anchor="ctr"/>
-          <a:lstStyle/>
-          <a:p>
-            <a:pPr algn="ctr"/>
-            <a:endParaRPr lang="es-ES"/>
-          </a:p>
-        </p:txBody>
-      </p:sp>
-      <p:sp>
-        <p:nvSpPr>
-          <p:cNvPr id="7" name="Rectángulo 6">
-            <a:extLst>
-              <a:ext uri="{FF2B5EF4-FFF2-40B4-BE49-F238E27FC236}">
-                <a16:creationId xmlns:a16="http://schemas.microsoft.com/office/drawing/2014/main" id="{AD98D324-CC3B-3CFE-5C72-B79B98A7AA17}"/>
-              </a:ext>
-            </a:extLst>
-          </p:cNvPr>
-          <p:cNvSpPr/>
-          <p:nvPr/>
-        </p:nvSpPr>
-        <p:spPr>
-          <a:xfrm>
-            <a:off x="7046687" y="3429000"/>
-            <a:ext cx="1066800" cy="566057"/>
-          </a:xfrm>
-          <a:prstGeom prst="rect">
-            <a:avLst/>
-          </a:prstGeom>
-          <a:noFill/>
-          <a:ln w="38100">
-            <a:solidFill>
-              <a:schemeClr val="accent5">
-                <a:lumMod val="75000"/>
-              </a:schemeClr>
-            </a:solidFill>
-          </a:ln>
-        </p:spPr>
-        <p:style>
-          <a:lnRef idx="2">
-            <a:schemeClr val="accent1">
-              <a:shade val="15000"/>
-            </a:schemeClr>
-          </a:lnRef>
-          <a:fillRef idx="1">
-            <a:schemeClr val="accent1"/>
-          </a:fillRef>
-          <a:effectRef idx="0">
-            <a:schemeClr val="accent1"/>
-          </a:effectRef>
-          <a:fontRef idx="minor">
-            <a:schemeClr val="lt1"/>
-          </a:fontRef>
-        </p:style>
-        <p:txBody>
-          <a:bodyPr rtlCol="0" anchor="ctr"/>
-          <a:lstStyle/>
-          <a:p>
-            <a:pPr algn="ctr"/>
-            <a:endParaRPr lang="es-ES"/>
-          </a:p>
-        </p:txBody>
-      </p:sp>
-      <p:sp>
-        <p:nvSpPr>
-          <p:cNvPr id="8" name="Rectángulo 7">
-            <a:extLst>
-              <a:ext uri="{FF2B5EF4-FFF2-40B4-BE49-F238E27FC236}">
-                <a16:creationId xmlns:a16="http://schemas.microsoft.com/office/drawing/2014/main" id="{85EEBB55-F636-2B73-B4A7-FBD82B7D3DFA}"/>
-              </a:ext>
-            </a:extLst>
-          </p:cNvPr>
-          <p:cNvSpPr/>
-          <p:nvPr/>
-        </p:nvSpPr>
-        <p:spPr>
-          <a:xfrm>
-            <a:off x="5413829" y="5065487"/>
-            <a:ext cx="1066800" cy="566057"/>
-          </a:xfrm>
-          <a:prstGeom prst="rect">
-            <a:avLst/>
-          </a:prstGeom>
-          <a:noFill/>
-          <a:ln w="38100">
-            <a:solidFill>
-              <a:schemeClr val="accent6"/>
-            </a:solidFill>
-          </a:ln>
-        </p:spPr>
-        <p:style>
-          <a:lnRef idx="2">
-            <a:schemeClr val="accent1">
-              <a:shade val="15000"/>
-            </a:schemeClr>
-          </a:lnRef>
-          <a:fillRef idx="1">
-            <a:schemeClr val="accent1"/>
-          </a:fillRef>
-          <a:effectRef idx="0">
-            <a:schemeClr val="accent1"/>
-          </a:effectRef>
-          <a:fontRef idx="minor">
-            <a:schemeClr val="lt1"/>
-          </a:fontRef>
-        </p:style>
-        <p:txBody>
-          <a:bodyPr rtlCol="0" anchor="ctr"/>
-          <a:lstStyle/>
-          <a:p>
-            <a:pPr algn="ctr"/>
-            <a:endParaRPr lang="es-ES"/>
-          </a:p>
-        </p:txBody>
-      </p:sp>
-      <p:sp>
-        <p:nvSpPr>
-          <p:cNvPr id="9" name="Rectángulo 8">
-            <a:extLst>
-              <a:ext uri="{FF2B5EF4-FFF2-40B4-BE49-F238E27FC236}">
-                <a16:creationId xmlns:a16="http://schemas.microsoft.com/office/drawing/2014/main" id="{9F6263D3-0688-CB0A-58A7-D94FF5661762}"/>
-              </a:ext>
-            </a:extLst>
-          </p:cNvPr>
-          <p:cNvSpPr/>
-          <p:nvPr/>
-        </p:nvSpPr>
-        <p:spPr>
-          <a:xfrm>
-            <a:off x="4680857" y="1349829"/>
-            <a:ext cx="1066800" cy="566057"/>
-          </a:xfrm>
-          <a:prstGeom prst="rect">
-            <a:avLst/>
-          </a:prstGeom>
-          <a:noFill/>
-          <a:ln w="38100"/>
-        </p:spPr>
-        <p:style>
-          <a:lnRef idx="2">
-            <a:schemeClr val="accent1">
-              <a:shade val="15000"/>
-            </a:schemeClr>
-          </a:lnRef>
-          <a:fillRef idx="1">
-            <a:schemeClr val="accent1"/>
-          </a:fillRef>
-          <a:effectRef idx="0">
-            <a:schemeClr val="accent1"/>
-          </a:effectRef>
-          <a:fontRef idx="minor">
-            <a:schemeClr val="lt1"/>
-          </a:fontRef>
-        </p:style>
-        <p:txBody>
-          <a:bodyPr rtlCol="0" anchor="ctr"/>
-          <a:lstStyle/>
-          <a:p>
-            <a:pPr algn="ctr"/>
-            <a:endParaRPr lang="es-ES"/>
-          </a:p>
-        </p:txBody>
-      </p:sp>
-    </p:spTree>
-    <p:extLst>
-      <p:ext uri="{BB962C8B-B14F-4D97-AF65-F5344CB8AC3E}">
-        <p14:creationId xmlns:p14="http://schemas.microsoft.com/office/powerpoint/2010/main" val="1528405917"/>
-      </p:ext>
-    </p:extLst>
-  </p:cSld>
-  <p:clrMapOvr>
-    <a:masterClrMapping/>
-  </p:clrMapOvr>
-  <mc:AlternateContent xmlns:mc="http://schemas.openxmlformats.org/markup-compatibility/2006" xmlns:p159="http://schemas.microsoft.com/office/powerpoint/2015/09/main">
-    <mc:Choice Requires="p159">
-      <p:transition xmlns:p14="http://schemas.microsoft.com/office/powerpoint/2010/main" spd="slow" p14:dur="2000">
-        <p159:morph option="byObject"/>
-      </p:transition>
-    </mc:Choice>
-    <mc:Fallback xmlns="">
-      <p:transition spd="slow">
-        <p:fade/>
-      </p:transition>
-    </mc:Fallback>
-  </mc:AlternateContent>
-</p:sld>
-</file>
-
-<file path=ppt/slides/slide20.xml><?xml version="1.0" encoding="utf-8"?>
+<file path=ppt/slides/slide22.xml><?xml version="1.0" encoding="utf-8"?>
 <p:sld xmlns:a="http://schemas.openxmlformats.org/drawingml/2006/main" xmlns:r="http://schemas.openxmlformats.org/officeDocument/2006/relationships" xmlns:p="http://schemas.openxmlformats.org/presentationml/2006/main">
   <p:cSld>
     <p:spTree>
@@ -12558,7 +14369,7 @@
 </p:sld>
 </file>
 
-<file path=ppt/slides/slide21.xml><?xml version="1.0" encoding="utf-8"?>
+<file path=ppt/slides/slide23.xml><?xml version="1.0" encoding="utf-8"?>
 <p:sld xmlns:a="http://schemas.openxmlformats.org/drawingml/2006/main" xmlns:r="http://schemas.openxmlformats.org/officeDocument/2006/relationships" xmlns:p="http://schemas.openxmlformats.org/presentationml/2006/main">
   <p:cSld>
     <p:spTree>
@@ -17977,7 +19788,7 @@
           <p:nvPr>
             <p:extLst>
               <p:ext uri="{D42A27DB-BD31-4B8C-83A1-F6EECF244321}">
-                <p14:modId xmlns:p14="http://schemas.microsoft.com/office/powerpoint/2010/main" val="39261134"/>
+                <p14:modId xmlns:p14="http://schemas.microsoft.com/office/powerpoint/2010/main" val="1519276451"/>
               </p:ext>
             </p:extLst>
           </p:nvPr>
@@ -18277,13 +20088,13 @@
                         <a:defRPr/>
                       </a:pPr>
                       <a:r>
-                        <a:rPr lang="es-ES" b="0" i="0" dirty="0" err="1">
+                        <a:rPr lang="es-ES" b="1" i="0" dirty="0" err="1">
                           <a:effectLst/>
                           <a:latin typeface="Consolas" panose="020B0609020204030204" pitchFamily="49" charset="0"/>
                         </a:rPr>
                         <a:t>gender</a:t>
                       </a:r>
-                      <a:endParaRPr lang="es-ES" dirty="0"/>
+                      <a:endParaRPr lang="es-ES" b="1" dirty="0"/>
                     </a:p>
                   </a:txBody>
                   <a:tcPr/>
@@ -18301,7 +20112,7 @@
                     <a:lstStyle/>
                     <a:p>
                       <a:r>
-                        <a:rPr lang="es-ES" dirty="0"/>
+                        <a:rPr lang="es-ES" b="1" dirty="0"/>
                         <a:t>sex</a:t>
                       </a:r>
                     </a:p>
@@ -18331,13 +20142,13 @@
                         <a:defRPr/>
                       </a:pPr>
                       <a:r>
-                        <a:rPr lang="es-ES" b="0" i="0" dirty="0">
+                        <a:rPr lang="es-ES" b="1" i="0" dirty="0">
                           <a:effectLst/>
                           <a:latin typeface="Consolas" panose="020B0609020204030204" pitchFamily="49" charset="0"/>
                         </a:rPr>
                         <a:t>race1</a:t>
                       </a:r>
-                      <a:endParaRPr lang="en-US" b="0" dirty="0">
+                      <a:endParaRPr lang="en-US" b="1" dirty="0">
                         <a:effectLst/>
                         <a:highlight>
                           <a:srgbClr val="1F1F1F"/>
@@ -18361,10 +20172,10 @@
                     <a:lstStyle/>
                     <a:p>
                       <a:r>
-                        <a:rPr lang="es-ES" dirty="0" err="1"/>
+                        <a:rPr lang="es-ES" b="1" dirty="0" err="1"/>
                         <a:t>race</a:t>
                       </a:r>
-                      <a:endParaRPr lang="es-ES" dirty="0"/>
+                      <a:endParaRPr lang="es-ES" b="1" dirty="0"/>
                     </a:p>
                   </a:txBody>
                   <a:tcPr/>
@@ -18392,7 +20203,7 @@
                         <a:defRPr/>
                       </a:pPr>
                       <a:r>
-                        <a:rPr lang="es-ES" dirty="0"/>
+                        <a:rPr lang="es-ES" b="1" dirty="0"/>
                         <a:t>race2</a:t>
                       </a:r>
                     </a:p>

--- a/docs/Presentación1.pptx
+++ b/docs/Presentación1.pptx
@@ -219,7 +219,7 @@
           <a:p>
             <a:fld id="{B3181DBF-9569-4DC7-9E9E-E96D9EB5847D}" type="datetimeFigureOut">
               <a:rPr lang="es-ES" smtClean="0"/>
-              <a:t>28/08/2024</a:t>
+              <a:t>30/08/2024</a:t>
             </a:fld>
             <a:endParaRPr lang="es-ES"/>
           </a:p>
@@ -969,7 +969,7 @@
           <a:p>
             <a:fld id="{BCF5FC0B-5855-4DB3-BB3E-E2DAA9A8FCB7}" type="datetimeFigureOut">
               <a:rPr lang="es-ES" smtClean="0"/>
-              <a:t>28/08/2024</a:t>
+              <a:t>30/08/2024</a:t>
             </a:fld>
             <a:endParaRPr lang="es-ES"/>
           </a:p>
@@ -1167,7 +1167,7 @@
           <a:p>
             <a:fld id="{BCF5FC0B-5855-4DB3-BB3E-E2DAA9A8FCB7}" type="datetimeFigureOut">
               <a:rPr lang="es-ES" smtClean="0"/>
-              <a:t>28/08/2024</a:t>
+              <a:t>30/08/2024</a:t>
             </a:fld>
             <a:endParaRPr lang="es-ES"/>
           </a:p>
@@ -1375,7 +1375,7 @@
           <a:p>
             <a:fld id="{BCF5FC0B-5855-4DB3-BB3E-E2DAA9A8FCB7}" type="datetimeFigureOut">
               <a:rPr lang="es-ES" smtClean="0"/>
-              <a:t>28/08/2024</a:t>
+              <a:t>30/08/2024</a:t>
             </a:fld>
             <a:endParaRPr lang="es-ES"/>
           </a:p>
@@ -1573,7 +1573,7 @@
           <a:p>
             <a:fld id="{BCF5FC0B-5855-4DB3-BB3E-E2DAA9A8FCB7}" type="datetimeFigureOut">
               <a:rPr lang="es-ES" smtClean="0"/>
-              <a:t>28/08/2024</a:t>
+              <a:t>30/08/2024</a:t>
             </a:fld>
             <a:endParaRPr lang="es-ES"/>
           </a:p>
@@ -1848,7 +1848,7 @@
           <a:p>
             <a:fld id="{BCF5FC0B-5855-4DB3-BB3E-E2DAA9A8FCB7}" type="datetimeFigureOut">
               <a:rPr lang="es-ES" smtClean="0"/>
-              <a:t>28/08/2024</a:t>
+              <a:t>30/08/2024</a:t>
             </a:fld>
             <a:endParaRPr lang="es-ES"/>
           </a:p>
@@ -2113,7 +2113,7 @@
           <a:p>
             <a:fld id="{BCF5FC0B-5855-4DB3-BB3E-E2DAA9A8FCB7}" type="datetimeFigureOut">
               <a:rPr lang="es-ES" smtClean="0"/>
-              <a:t>28/08/2024</a:t>
+              <a:t>30/08/2024</a:t>
             </a:fld>
             <a:endParaRPr lang="es-ES"/>
           </a:p>
@@ -2525,7 +2525,7 @@
           <a:p>
             <a:fld id="{BCF5FC0B-5855-4DB3-BB3E-E2DAA9A8FCB7}" type="datetimeFigureOut">
               <a:rPr lang="es-ES" smtClean="0"/>
-              <a:t>28/08/2024</a:t>
+              <a:t>30/08/2024</a:t>
             </a:fld>
             <a:endParaRPr lang="es-ES"/>
           </a:p>
@@ -2666,7 +2666,7 @@
           <a:p>
             <a:fld id="{BCF5FC0B-5855-4DB3-BB3E-E2DAA9A8FCB7}" type="datetimeFigureOut">
               <a:rPr lang="es-ES" smtClean="0"/>
-              <a:t>28/08/2024</a:t>
+              <a:t>30/08/2024</a:t>
             </a:fld>
             <a:endParaRPr lang="es-ES"/>
           </a:p>
@@ -2779,7 +2779,7 @@
           <a:p>
             <a:fld id="{BCF5FC0B-5855-4DB3-BB3E-E2DAA9A8FCB7}" type="datetimeFigureOut">
               <a:rPr lang="es-ES" smtClean="0"/>
-              <a:t>28/08/2024</a:t>
+              <a:t>30/08/2024</a:t>
             </a:fld>
             <a:endParaRPr lang="es-ES"/>
           </a:p>
@@ -3090,7 +3090,7 @@
           <a:p>
             <a:fld id="{BCF5FC0B-5855-4DB3-BB3E-E2DAA9A8FCB7}" type="datetimeFigureOut">
               <a:rPr lang="es-ES" smtClean="0"/>
-              <a:t>28/08/2024</a:t>
+              <a:t>30/08/2024</a:t>
             </a:fld>
             <a:endParaRPr lang="es-ES"/>
           </a:p>
@@ -3378,7 +3378,7 @@
           <a:p>
             <a:fld id="{BCF5FC0B-5855-4DB3-BB3E-E2DAA9A8FCB7}" type="datetimeFigureOut">
               <a:rPr lang="es-ES" smtClean="0"/>
-              <a:t>28/08/2024</a:t>
+              <a:t>30/08/2024</a:t>
             </a:fld>
             <a:endParaRPr lang="es-ES"/>
           </a:p>
@@ -3619,7 +3619,7 @@
           <a:p>
             <a:fld id="{BCF5FC0B-5855-4DB3-BB3E-E2DAA9A8FCB7}" type="datetimeFigureOut">
               <a:rPr lang="es-ES" smtClean="0"/>
-              <a:t>28/08/2024</a:t>
+              <a:t>30/08/2024</a:t>
             </a:fld>
             <a:endParaRPr lang="es-ES"/>
           </a:p>
@@ -4365,7 +4365,7 @@
         <p:spPr>
           <a:xfrm>
             <a:off x="130671" y="26619"/>
-            <a:ext cx="2255715" cy="708721"/>
+            <a:ext cx="3013666" cy="946861"/>
           </a:xfrm>
           <a:prstGeom prst="rect">
             <a:avLst/>
@@ -14266,8 +14266,8 @@
         </p:nvSpPr>
         <p:spPr>
           <a:xfrm>
-            <a:off x="1276433" y="2882377"/>
-            <a:ext cx="4514767" cy="3139321"/>
+            <a:off x="1188301" y="2875328"/>
+            <a:ext cx="4514767" cy="3693319"/>
           </a:xfrm>
           <a:prstGeom prst="rect">
             <a:avLst/>
@@ -14282,7 +14282,7 @@
           <a:p>
             <a:r>
               <a:rPr lang="es-ES" dirty="0"/>
-              <a:t>Contexto: Departamentos de RR.HH. de empresas que requieran empleados con profesiones que requieran un examen habilitante y apuntarse a Colegios Profesionales (arquitectos, abogados, algunos ingenieros, médicos, etc.)</a:t>
+              <a:t>Contexto: Departamentos de RR.HH. de empresas que requieran empleados con profesiones que requieran un examen habilitante y apuntarse a Colegios Profesionales (arquitectos, abogados, algunos ingenieros, médicos, etc.). O de cualquier otro tipo de profesional que comparta notas académicas.</a:t>
             </a:r>
           </a:p>
           <a:p>
@@ -14291,7 +14291,7 @@
           <a:p>
             <a:r>
               <a:rPr lang="es-ES" dirty="0"/>
-              <a:t>Aplicable también a profesionales del ámbito público que estén dispuestos a compartir sus notas en oposiciones (profesores, por ejemplo).</a:t>
+              <a:t>Aplicable también a profesionales del ámbito público que estén dispuestos a compartir sus notas de oposiciones (profesores, por ejemplo).</a:t>
             </a:r>
           </a:p>
         </p:txBody>
@@ -15731,7 +15731,33 @@
                 <a:ea typeface="+mn-ea"/>
                 <a:cs typeface="+mn-cs"/>
               </a:rPr>
-              <a:t>nominales</a:t>
+              <a:t>n</a:t>
+            </a:r>
+            <a:r>
+              <a:rPr lang="es-ES" dirty="0">
+                <a:solidFill>
+                  <a:prstClr val="black"/>
+                </a:solidFill>
+                <a:latin typeface="Aptos" panose="02110004020202020204"/>
+              </a:rPr>
+              <a:t>u</a:t>
+            </a:r>
+            <a:r>
+              <a:rPr kumimoji="0" lang="es-ES" sz="1800" b="0" i="0" u="none" strike="noStrike" kern="1200" cap="none" spc="0" normalizeH="0" baseline="0" noProof="0" dirty="0" err="1">
+                <a:ln>
+                  <a:noFill/>
+                </a:ln>
+                <a:solidFill>
+                  <a:prstClr val="black"/>
+                </a:solidFill>
+                <a:effectLst/>
+                <a:uLnTx/>
+                <a:uFillTx/>
+                <a:latin typeface="Aptos" panose="02110004020202020204"/>
+                <a:ea typeface="+mn-ea"/>
+                <a:cs typeface="+mn-cs"/>
+              </a:rPr>
+              <a:t>méricos</a:t>
             </a:r>
             <a:r>
               <a:rPr kumimoji="0" lang="en-US" sz="1800" b="0" i="0" u="none" strike="noStrike" kern="1200" cap="none" spc="0" normalizeH="0" baseline="0" noProof="0" dirty="0">
@@ -15748,8 +15774,39 @@
                 <a:ea typeface="+mn-ea"/>
                 <a:cs typeface="+mn-cs"/>
               </a:rPr>
-              <a:t> [1/0]</a:t>
-            </a:r>
+              <a:t> </a:t>
+            </a:r>
+            <a:r>
+              <a:rPr kumimoji="0" lang="en-US" sz="1800" b="0" i="0" u="none" strike="noStrike" kern="1200" cap="none" spc="0" normalizeH="0" baseline="0" noProof="0" dirty="0" err="1">
+                <a:ln>
+                  <a:noFill/>
+                </a:ln>
+                <a:solidFill>
+                  <a:prstClr val="black"/>
+                </a:solidFill>
+                <a:effectLst/>
+                <a:uLnTx/>
+                <a:uFillTx/>
+                <a:latin typeface="Aptos" panose="02110004020202020204"/>
+                <a:ea typeface="+mn-ea"/>
+                <a:cs typeface="+mn-cs"/>
+              </a:rPr>
+              <a:t>binarios</a:t>
+            </a:r>
+            <a:endParaRPr kumimoji="0" lang="en-US" sz="1800" b="0" i="0" u="none" strike="noStrike" kern="1200" cap="none" spc="0" normalizeH="0" baseline="0" noProof="0" dirty="0">
+              <a:ln>
+                <a:noFill/>
+              </a:ln>
+              <a:solidFill>
+                <a:prstClr val="black"/>
+              </a:solidFill>
+              <a:effectLst/>
+              <a:uLnTx/>
+              <a:uFillTx/>
+              <a:latin typeface="Aptos" panose="02110004020202020204"/>
+              <a:ea typeface="+mn-ea"/>
+              <a:cs typeface="+mn-cs"/>
+            </a:endParaRPr>
           </a:p>
           <a:p>
             <a:pPr marL="0" marR="0" lvl="0" indent="0" algn="l" defTabSz="914400" rtl="0" eaLnBrk="1" fontAlgn="auto" latinLnBrk="0" hangingPunct="1">
@@ -15801,7 +15858,7 @@
                 <a:ea typeface="+mn-ea"/>
                 <a:cs typeface="+mn-cs"/>
               </a:rPr>
-              <a:t>: Datos nominales, continuos, discretos y ordinales.</a:t>
+              <a:t>: Datos numéricos, continuos, discretos y ordinales.</a:t>
             </a:r>
           </a:p>
           <a:p>
